--- a/4226CWO-4227CWI/Ohio Cincinnati Bell.pptx
+++ b/4226CWO-4227CWI/Ohio Cincinnati Bell.pptx
@@ -5,27 +5,25 @@
     <p:sldMasterId id="2147483648" r:id="rId4"/>
   </p:sldMasterIdLst>
   <p:notesMasterIdLst>
-    <p:notesMasterId r:id="rId23"/>
+    <p:notesMasterId r:id="rId21"/>
   </p:notesMasterIdLst>
   <p:sldIdLst>
     <p:sldId id="256" r:id="rId5"/>
-    <p:sldId id="371" r:id="rId6"/>
-    <p:sldId id="382" r:id="rId7"/>
-    <p:sldId id="275" r:id="rId8"/>
-    <p:sldId id="372" r:id="rId9"/>
-    <p:sldId id="384" r:id="rId10"/>
-    <p:sldId id="385" r:id="rId11"/>
-    <p:sldId id="386" r:id="rId12"/>
-    <p:sldId id="279" r:id="rId13"/>
-    <p:sldId id="387" r:id="rId14"/>
-    <p:sldId id="388" r:id="rId15"/>
-    <p:sldId id="389" r:id="rId16"/>
-    <p:sldId id="283" r:id="rId17"/>
-    <p:sldId id="404" r:id="rId18"/>
-    <p:sldId id="405" r:id="rId19"/>
-    <p:sldId id="406" r:id="rId20"/>
-    <p:sldId id="407" r:id="rId21"/>
-    <p:sldId id="409" r:id="rId22"/>
+    <p:sldId id="275" r:id="rId6"/>
+    <p:sldId id="372" r:id="rId7"/>
+    <p:sldId id="384" r:id="rId8"/>
+    <p:sldId id="385" r:id="rId9"/>
+    <p:sldId id="386" r:id="rId10"/>
+    <p:sldId id="279" r:id="rId11"/>
+    <p:sldId id="387" r:id="rId12"/>
+    <p:sldId id="388" r:id="rId13"/>
+    <p:sldId id="389" r:id="rId14"/>
+    <p:sldId id="283" r:id="rId15"/>
+    <p:sldId id="404" r:id="rId16"/>
+    <p:sldId id="405" r:id="rId17"/>
+    <p:sldId id="406" r:id="rId18"/>
+    <p:sldId id="407" r:id="rId19"/>
+    <p:sldId id="409" r:id="rId20"/>
   </p:sldIdLst>
   <p:sldSz cx="12192000" cy="6858000"/>
   <p:notesSz cx="6858000" cy="9144000"/>
@@ -189,6 +187,44 @@
 
 <file path=ppt/changesInfos/changesInfo1.xml><?xml version="1.0" encoding="utf-8"?>
 <pc:chgInfo xmlns:a="http://schemas.openxmlformats.org/drawingml/2006/main" xmlns:r="http://schemas.openxmlformats.org/officeDocument/2006/relationships" xmlns:ac="http://schemas.microsoft.com/office/drawing/2013/main/command" xmlns:pc="http://schemas.microsoft.com/office/powerpoint/2013/main/command">
+  <pc:docChgLst>
+    <pc:chgData name="Jose Carrera" userId="a09e4907-3878-4e7f-98e7-6355bdc3ced7" providerId="ADAL" clId="{98AF7CD9-73D7-471D-BC8A-E811752774F8}"/>
+    <pc:docChg chg="custSel modSld">
+      <pc:chgData name="Jose Carrera" userId="a09e4907-3878-4e7f-98e7-6355bdc3ced7" providerId="ADAL" clId="{98AF7CD9-73D7-471D-BC8A-E811752774F8}" dt="2020-04-16T14:31:15.318" v="67"/>
+      <pc:docMkLst>
+        <pc:docMk/>
+      </pc:docMkLst>
+      <pc:sldChg chg="addCm delCm modCm">
+        <pc:chgData name="Jose Carrera" userId="a09e4907-3878-4e7f-98e7-6355bdc3ced7" providerId="ADAL" clId="{98AF7CD9-73D7-471D-BC8A-E811752774F8}" dt="2020-03-18T19:08:58.272" v="62" actId="5900"/>
+        <pc:sldMkLst>
+          <pc:docMk/>
+          <pc:sldMk cId="210113064" sldId="275"/>
+        </pc:sldMkLst>
+      </pc:sldChg>
+      <pc:sldChg chg="modSp mod addCm modCm">
+        <pc:chgData name="Jose Carrera" userId="a09e4907-3878-4e7f-98e7-6355bdc3ced7" providerId="ADAL" clId="{98AF7CD9-73D7-471D-BC8A-E811752774F8}" dt="2020-03-18T19:06:48.660" v="57"/>
+        <pc:sldMkLst>
+          <pc:docMk/>
+          <pc:sldMk cId="596872564" sldId="382"/>
+        </pc:sldMkLst>
+        <pc:spChg chg="mod">
+          <ac:chgData name="Jose Carrera" userId="a09e4907-3878-4e7f-98e7-6355bdc3ced7" providerId="ADAL" clId="{98AF7CD9-73D7-471D-BC8A-E811752774F8}" dt="2020-03-18T19:02:56.605" v="48" actId="20577"/>
+          <ac:spMkLst>
+            <pc:docMk/>
+            <pc:sldMk cId="596872564" sldId="382"/>
+            <ac:spMk id="8" creationId="{CE8A0B2B-D62B-44EA-9906-7AAEFA902B65}"/>
+          </ac:spMkLst>
+        </pc:spChg>
+      </pc:sldChg>
+      <pc:sldChg chg="addCm delCm modCm">
+        <pc:chgData name="Jose Carrera" userId="a09e4907-3878-4e7f-98e7-6355bdc3ced7" providerId="ADAL" clId="{98AF7CD9-73D7-471D-BC8A-E811752774F8}" dt="2020-04-16T14:31:15.318" v="67"/>
+        <pc:sldMkLst>
+          <pc:docMk/>
+          <pc:sldMk cId="1751212245" sldId="389"/>
+        </pc:sldMkLst>
+      </pc:sldChg>
+    </pc:docChg>
+  </pc:docChgLst>
   <pc:docChgLst>
     <pc:chgData name="Jose Carrera" userId="a09e4907-3878-4e7f-98e7-6355bdc3ced7" providerId="ADAL" clId="{3C78D12C-C642-44EE-A2B2-F516ABE756D8}"/>
     <pc:docChg chg="undo custSel modSld">
@@ -609,139 +645,57 @@
     </pc:docChg>
   </pc:docChgLst>
   <pc:docChgLst>
-    <pc:chgData name="Jose Carrera" userId="a09e4907-3878-4e7f-98e7-6355bdc3ced7" providerId="ADAL" clId="{98AF7CD9-73D7-471D-BC8A-E811752774F8}"/>
+    <pc:chgData name="Daniel Cobon" userId="9ec4069a-7264-4a16-8fcd-c40d48c9226b" providerId="ADAL" clId="{3EE6014D-FDDA-4E82-B603-E97FBAF9BD0E}"/>
     <pc:docChg chg="custSel modSld">
-      <pc:chgData name="Jose Carrera" userId="a09e4907-3878-4e7f-98e7-6355bdc3ced7" providerId="ADAL" clId="{98AF7CD9-73D7-471D-BC8A-E811752774F8}" dt="2020-04-16T14:31:15.318" v="67"/>
+      <pc:chgData name="Daniel Cobon" userId="9ec4069a-7264-4a16-8fcd-c40d48c9226b" providerId="ADAL" clId="{3EE6014D-FDDA-4E82-B603-E97FBAF9BD0E}" dt="2020-03-31T20:53:29.070" v="176"/>
       <pc:docMkLst>
         <pc:docMk/>
       </pc:docMkLst>
-      <pc:sldChg chg="addCm delCm modCm">
-        <pc:chgData name="Jose Carrera" userId="a09e4907-3878-4e7f-98e7-6355bdc3ced7" providerId="ADAL" clId="{98AF7CD9-73D7-471D-BC8A-E811752774F8}" dt="2020-03-18T19:08:58.272" v="62" actId="5900"/>
-        <pc:sldMkLst>
-          <pc:docMk/>
-          <pc:sldMk cId="210113064" sldId="275"/>
-        </pc:sldMkLst>
-      </pc:sldChg>
-      <pc:sldChg chg="modSp mod addCm modCm">
-        <pc:chgData name="Jose Carrera" userId="a09e4907-3878-4e7f-98e7-6355bdc3ced7" providerId="ADAL" clId="{98AF7CD9-73D7-471D-BC8A-E811752774F8}" dt="2020-03-18T19:06:48.660" v="57"/>
-        <pc:sldMkLst>
-          <pc:docMk/>
-          <pc:sldMk cId="596872564" sldId="382"/>
-        </pc:sldMkLst>
-        <pc:spChg chg="mod">
-          <ac:chgData name="Jose Carrera" userId="a09e4907-3878-4e7f-98e7-6355bdc3ced7" providerId="ADAL" clId="{98AF7CD9-73D7-471D-BC8A-E811752774F8}" dt="2020-03-18T19:02:56.605" v="48" actId="20577"/>
-          <ac:spMkLst>
-            <pc:docMk/>
-            <pc:sldMk cId="596872564" sldId="382"/>
-            <ac:spMk id="8" creationId="{CE8A0B2B-D62B-44EA-9906-7AAEFA902B65}"/>
-          </ac:spMkLst>
-        </pc:spChg>
-      </pc:sldChg>
-      <pc:sldChg chg="addCm delCm modCm">
-        <pc:chgData name="Jose Carrera" userId="a09e4907-3878-4e7f-98e7-6355bdc3ced7" providerId="ADAL" clId="{98AF7CD9-73D7-471D-BC8A-E811752774F8}" dt="2020-04-16T14:31:15.318" v="67"/>
-        <pc:sldMkLst>
-          <pc:docMk/>
-          <pc:sldMk cId="1751212245" sldId="389"/>
-        </pc:sldMkLst>
-      </pc:sldChg>
-    </pc:docChg>
-  </pc:docChgLst>
-  <pc:docChgLst>
-    <pc:chgData name="Daniel Cobon" userId="9ec4069a-7264-4a16-8fcd-c40d48c9226b" providerId="ADAL" clId="{603CB894-9688-44EB-ABF7-6E183676DDA8}"/>
-    <pc:docChg chg="undo custSel addSld delSld modSld">
-      <pc:chgData name="Daniel Cobon" userId="9ec4069a-7264-4a16-8fcd-c40d48c9226b" providerId="ADAL" clId="{603CB894-9688-44EB-ABF7-6E183676DDA8}" dt="2020-03-18T18:01:53.687" v="80"/>
-      <pc:docMkLst>
-        <pc:docMk/>
-      </pc:docMkLst>
-      <pc:sldChg chg="delSp modSp mod addCm delCm modCm">
-        <pc:chgData name="Daniel Cobon" userId="9ec4069a-7264-4a16-8fcd-c40d48c9226b" providerId="ADAL" clId="{603CB894-9688-44EB-ABF7-6E183676DDA8}" dt="2020-03-18T17:42:59.905" v="67" actId="5900"/>
+      <pc:sldChg chg="modSp mod delCm">
+        <pc:chgData name="Daniel Cobon" userId="9ec4069a-7264-4a16-8fcd-c40d48c9226b" providerId="ADAL" clId="{3EE6014D-FDDA-4E82-B603-E97FBAF9BD0E}" dt="2020-03-20T17:43:35.678" v="4" actId="6549"/>
         <pc:sldMkLst>
           <pc:docMk/>
           <pc:sldMk cId="210113064" sldId="275"/>
         </pc:sldMkLst>
         <pc:spChg chg="mod">
-          <ac:chgData name="Daniel Cobon" userId="9ec4069a-7264-4a16-8fcd-c40d48c9226b" providerId="ADAL" clId="{603CB894-9688-44EB-ABF7-6E183676DDA8}" dt="2020-03-18T17:41:51.533" v="62" actId="207"/>
+          <ac:chgData name="Daniel Cobon" userId="9ec4069a-7264-4a16-8fcd-c40d48c9226b" providerId="ADAL" clId="{3EE6014D-FDDA-4E82-B603-E97FBAF9BD0E}" dt="2020-03-20T17:43:35.678" v="4" actId="6549"/>
           <ac:spMkLst>
             <pc:docMk/>
             <pc:sldMk cId="210113064" sldId="275"/>
             <ac:spMk id="8" creationId="{CE8A0B2B-D62B-44EA-9906-7AAEFA902B65}"/>
           </ac:spMkLst>
         </pc:spChg>
-        <pc:spChg chg="del">
-          <ac:chgData name="Daniel Cobon" userId="9ec4069a-7264-4a16-8fcd-c40d48c9226b" providerId="ADAL" clId="{603CB894-9688-44EB-ABF7-6E183676DDA8}" dt="2020-03-18T17:40:17.450" v="59" actId="478"/>
-          <ac:spMkLst>
-            <pc:docMk/>
-            <pc:sldMk cId="210113064" sldId="275"/>
-            <ac:spMk id="19" creationId="{4CC6032D-AF17-4356-83E1-F8EBCD7BB500}"/>
-          </ac:spMkLst>
-        </pc:spChg>
       </pc:sldChg>
-      <pc:sldChg chg="modSp mod addCm modCm modNotesTx">
-        <pc:chgData name="Daniel Cobon" userId="9ec4069a-7264-4a16-8fcd-c40d48c9226b" providerId="ADAL" clId="{603CB894-9688-44EB-ABF7-6E183676DDA8}" dt="2020-03-18T17:35:31.076" v="55" actId="5900"/>
-        <pc:sldMkLst>
-          <pc:docMk/>
-          <pc:sldMk cId="596872564" sldId="382"/>
-        </pc:sldMkLst>
-        <pc:spChg chg="mod">
-          <ac:chgData name="Daniel Cobon" userId="9ec4069a-7264-4a16-8fcd-c40d48c9226b" providerId="ADAL" clId="{603CB894-9688-44EB-ABF7-6E183676DDA8}" dt="2020-03-18T17:32:36.006" v="47" actId="20577"/>
-          <ac:spMkLst>
-            <pc:docMk/>
-            <pc:sldMk cId="596872564" sldId="382"/>
-            <ac:spMk id="8" creationId="{CE8A0B2B-D62B-44EA-9906-7AAEFA902B65}"/>
-          </ac:spMkLst>
-        </pc:spChg>
-      </pc:sldChg>
-      <pc:sldChg chg="modSp mod addCm modCm">
-        <pc:chgData name="Daniel Cobon" userId="9ec4069a-7264-4a16-8fcd-c40d48c9226b" providerId="ADAL" clId="{603CB894-9688-44EB-ABF7-6E183676DDA8}" dt="2020-03-18T17:54:44.484" v="75"/>
-        <pc:sldMkLst>
-          <pc:docMk/>
-          <pc:sldMk cId="2669834656" sldId="388"/>
-        </pc:sldMkLst>
-        <pc:spChg chg="mod">
-          <ac:chgData name="Daniel Cobon" userId="9ec4069a-7264-4a16-8fcd-c40d48c9226b" providerId="ADAL" clId="{603CB894-9688-44EB-ABF7-6E183676DDA8}" dt="2020-03-18T17:54:08.441" v="73" actId="20577"/>
-          <ac:spMkLst>
-            <pc:docMk/>
-            <pc:sldMk cId="2669834656" sldId="388"/>
-            <ac:spMk id="8" creationId="{CE8A0B2B-D62B-44EA-9906-7AAEFA902B65}"/>
-          </ac:spMkLst>
-        </pc:spChg>
-      </pc:sldChg>
-      <pc:sldChg chg="modSp addCm modCm">
-        <pc:chgData name="Daniel Cobon" userId="9ec4069a-7264-4a16-8fcd-c40d48c9226b" providerId="ADAL" clId="{603CB894-9688-44EB-ABF7-6E183676DDA8}" dt="2020-03-18T18:01:53.687" v="80"/>
+      <pc:sldChg chg="addSp modSp mod addCm modCm modNotesTx">
+        <pc:chgData name="Daniel Cobon" userId="9ec4069a-7264-4a16-8fcd-c40d48c9226b" providerId="ADAL" clId="{3EE6014D-FDDA-4E82-B603-E97FBAF9BD0E}" dt="2020-03-31T20:53:29.070" v="176"/>
         <pc:sldMkLst>
           <pc:docMk/>
           <pc:sldMk cId="1751212245" sldId="389"/>
         </pc:sldMkLst>
         <pc:spChg chg="mod">
-          <ac:chgData name="Daniel Cobon" userId="9ec4069a-7264-4a16-8fcd-c40d48c9226b" providerId="ADAL" clId="{603CB894-9688-44EB-ABF7-6E183676DDA8}" dt="2020-03-18T18:01:28.893" v="78"/>
+          <ac:chgData name="Daniel Cobon" userId="9ec4069a-7264-4a16-8fcd-c40d48c9226b" providerId="ADAL" clId="{3EE6014D-FDDA-4E82-B603-E97FBAF9BD0E}" dt="2020-03-26T20:06:07.897" v="91"/>
           <ac:spMkLst>
             <pc:docMk/>
             <pc:sldMk cId="1751212245" sldId="389"/>
-            <ac:spMk id="8" creationId="{CE8A0B2B-D62B-44EA-9906-7AAEFA902B65}"/>
+            <ac:spMk id="18" creationId="{37B43B1A-E057-452B-82A0-CFB093F55987}"/>
           </ac:spMkLst>
         </pc:spChg>
-      </pc:sldChg>
-      <pc:sldChg chg="modSp mod">
-        <pc:chgData name="Daniel Cobon" userId="9ec4069a-7264-4a16-8fcd-c40d48c9226b" providerId="ADAL" clId="{603CB894-9688-44EB-ABF7-6E183676DDA8}" dt="2020-03-18T17:43:29.454" v="71"/>
-        <pc:sldMkLst>
-          <pc:docMk/>
-          <pc:sldMk cId="2426380769" sldId="408"/>
-        </pc:sldMkLst>
-        <pc:spChg chg="mod">
-          <ac:chgData name="Daniel Cobon" userId="9ec4069a-7264-4a16-8fcd-c40d48c9226b" providerId="ADAL" clId="{603CB894-9688-44EB-ABF7-6E183676DDA8}" dt="2020-03-18T17:43:29.454" v="71"/>
+        <pc:spChg chg="add mod">
+          <ac:chgData name="Daniel Cobon" userId="9ec4069a-7264-4a16-8fcd-c40d48c9226b" providerId="ADAL" clId="{3EE6014D-FDDA-4E82-B603-E97FBAF9BD0E}" dt="2020-03-31T20:34:07.382" v="170" actId="1076"/>
           <ac:spMkLst>
             <pc:docMk/>
-            <pc:sldMk cId="2426380769" sldId="408"/>
-            <ac:spMk id="8" creationId="{CE8A0B2B-D62B-44EA-9906-7AAEFA902B65}"/>
+            <pc:sldMk cId="1751212245" sldId="389"/>
+            <ac:spMk id="30" creationId="{04B9B890-65DA-40AD-BFB7-8B2DE4B3B2B5}"/>
           </ac:spMkLst>
         </pc:spChg>
-      </pc:sldChg>
-      <pc:sldChg chg="add del">
-        <pc:chgData name="Daniel Cobon" userId="9ec4069a-7264-4a16-8fcd-c40d48c9226b" providerId="ADAL" clId="{603CB894-9688-44EB-ABF7-6E183676DDA8}" dt="2020-03-18T18:00:25.278" v="77" actId="2696"/>
-        <pc:sldMkLst>
-          <pc:docMk/>
-          <pc:sldMk cId="1037923047" sldId="410"/>
-        </pc:sldMkLst>
+        <pc:spChg chg="add mod">
+          <ac:chgData name="Daniel Cobon" userId="9ec4069a-7264-4a16-8fcd-c40d48c9226b" providerId="ADAL" clId="{3EE6014D-FDDA-4E82-B603-E97FBAF9BD0E}" dt="2020-03-31T20:34:10.542" v="171" actId="1076"/>
+          <ac:spMkLst>
+            <pc:docMk/>
+            <pc:sldMk cId="1751212245" sldId="389"/>
+            <ac:spMk id="31" creationId="{DD809393-31EF-42E7-B514-D0B17195BE40}"/>
+          </ac:spMkLst>
+        </pc:spChg>
       </pc:sldChg>
     </pc:docChg>
   </pc:docChgLst>
@@ -906,61 +860,6 @@
           <pc:docMk/>
           <pc:sldMk cId="3352756931" sldId="410"/>
         </pc:sldMkLst>
-      </pc:sldChg>
-    </pc:docChg>
-  </pc:docChgLst>
-  <pc:docChgLst>
-    <pc:chgData name="Daniel Cobon" userId="9ec4069a-7264-4a16-8fcd-c40d48c9226b" providerId="ADAL" clId="{3EE6014D-FDDA-4E82-B603-E97FBAF9BD0E}"/>
-    <pc:docChg chg="custSel modSld">
-      <pc:chgData name="Daniel Cobon" userId="9ec4069a-7264-4a16-8fcd-c40d48c9226b" providerId="ADAL" clId="{3EE6014D-FDDA-4E82-B603-E97FBAF9BD0E}" dt="2020-03-31T20:53:29.070" v="176"/>
-      <pc:docMkLst>
-        <pc:docMk/>
-      </pc:docMkLst>
-      <pc:sldChg chg="modSp mod delCm">
-        <pc:chgData name="Daniel Cobon" userId="9ec4069a-7264-4a16-8fcd-c40d48c9226b" providerId="ADAL" clId="{3EE6014D-FDDA-4E82-B603-E97FBAF9BD0E}" dt="2020-03-20T17:43:35.678" v="4" actId="6549"/>
-        <pc:sldMkLst>
-          <pc:docMk/>
-          <pc:sldMk cId="210113064" sldId="275"/>
-        </pc:sldMkLst>
-        <pc:spChg chg="mod">
-          <ac:chgData name="Daniel Cobon" userId="9ec4069a-7264-4a16-8fcd-c40d48c9226b" providerId="ADAL" clId="{3EE6014D-FDDA-4E82-B603-E97FBAF9BD0E}" dt="2020-03-20T17:43:35.678" v="4" actId="6549"/>
-          <ac:spMkLst>
-            <pc:docMk/>
-            <pc:sldMk cId="210113064" sldId="275"/>
-            <ac:spMk id="8" creationId="{CE8A0B2B-D62B-44EA-9906-7AAEFA902B65}"/>
-          </ac:spMkLst>
-        </pc:spChg>
-      </pc:sldChg>
-      <pc:sldChg chg="addSp modSp mod addCm modCm modNotesTx">
-        <pc:chgData name="Daniel Cobon" userId="9ec4069a-7264-4a16-8fcd-c40d48c9226b" providerId="ADAL" clId="{3EE6014D-FDDA-4E82-B603-E97FBAF9BD0E}" dt="2020-03-31T20:53:29.070" v="176"/>
-        <pc:sldMkLst>
-          <pc:docMk/>
-          <pc:sldMk cId="1751212245" sldId="389"/>
-        </pc:sldMkLst>
-        <pc:spChg chg="mod">
-          <ac:chgData name="Daniel Cobon" userId="9ec4069a-7264-4a16-8fcd-c40d48c9226b" providerId="ADAL" clId="{3EE6014D-FDDA-4E82-B603-E97FBAF9BD0E}" dt="2020-03-26T20:06:07.897" v="91"/>
-          <ac:spMkLst>
-            <pc:docMk/>
-            <pc:sldMk cId="1751212245" sldId="389"/>
-            <ac:spMk id="18" creationId="{37B43B1A-E057-452B-82A0-CFB093F55987}"/>
-          </ac:spMkLst>
-        </pc:spChg>
-        <pc:spChg chg="add mod">
-          <ac:chgData name="Daniel Cobon" userId="9ec4069a-7264-4a16-8fcd-c40d48c9226b" providerId="ADAL" clId="{3EE6014D-FDDA-4E82-B603-E97FBAF9BD0E}" dt="2020-03-31T20:34:07.382" v="170" actId="1076"/>
-          <ac:spMkLst>
-            <pc:docMk/>
-            <pc:sldMk cId="1751212245" sldId="389"/>
-            <ac:spMk id="30" creationId="{04B9B890-65DA-40AD-BFB7-8B2DE4B3B2B5}"/>
-          </ac:spMkLst>
-        </pc:spChg>
-        <pc:spChg chg="add mod">
-          <ac:chgData name="Daniel Cobon" userId="9ec4069a-7264-4a16-8fcd-c40d48c9226b" providerId="ADAL" clId="{3EE6014D-FDDA-4E82-B603-E97FBAF9BD0E}" dt="2020-03-31T20:34:10.542" v="171" actId="1076"/>
-          <ac:spMkLst>
-            <pc:docMk/>
-            <pc:sldMk cId="1751212245" sldId="389"/>
-            <ac:spMk id="31" creationId="{DD809393-31EF-42E7-B514-D0B17195BE40}"/>
-          </ac:spMkLst>
-        </pc:spChg>
       </pc:sldChg>
     </pc:docChg>
   </pc:docChgLst>
@@ -1287,148 +1186,109 @@
       </pc:sldChg>
     </pc:docChg>
   </pc:docChgLst>
+  <pc:docChgLst>
+    <pc:chgData name="Daniel Cobon" userId="9ec4069a-7264-4a16-8fcd-c40d48c9226b" providerId="ADAL" clId="{603CB894-9688-44EB-ABF7-6E183676DDA8}"/>
+    <pc:docChg chg="undo custSel addSld delSld modSld">
+      <pc:chgData name="Daniel Cobon" userId="9ec4069a-7264-4a16-8fcd-c40d48c9226b" providerId="ADAL" clId="{603CB894-9688-44EB-ABF7-6E183676DDA8}" dt="2020-03-18T18:01:53.687" v="80"/>
+      <pc:docMkLst>
+        <pc:docMk/>
+      </pc:docMkLst>
+      <pc:sldChg chg="delSp modSp mod addCm delCm modCm">
+        <pc:chgData name="Daniel Cobon" userId="9ec4069a-7264-4a16-8fcd-c40d48c9226b" providerId="ADAL" clId="{603CB894-9688-44EB-ABF7-6E183676DDA8}" dt="2020-03-18T17:42:59.905" v="67" actId="5900"/>
+        <pc:sldMkLst>
+          <pc:docMk/>
+          <pc:sldMk cId="210113064" sldId="275"/>
+        </pc:sldMkLst>
+        <pc:spChg chg="mod">
+          <ac:chgData name="Daniel Cobon" userId="9ec4069a-7264-4a16-8fcd-c40d48c9226b" providerId="ADAL" clId="{603CB894-9688-44EB-ABF7-6E183676DDA8}" dt="2020-03-18T17:41:51.533" v="62" actId="207"/>
+          <ac:spMkLst>
+            <pc:docMk/>
+            <pc:sldMk cId="210113064" sldId="275"/>
+            <ac:spMk id="8" creationId="{CE8A0B2B-D62B-44EA-9906-7AAEFA902B65}"/>
+          </ac:spMkLst>
+        </pc:spChg>
+        <pc:spChg chg="del">
+          <ac:chgData name="Daniel Cobon" userId="9ec4069a-7264-4a16-8fcd-c40d48c9226b" providerId="ADAL" clId="{603CB894-9688-44EB-ABF7-6E183676DDA8}" dt="2020-03-18T17:40:17.450" v="59" actId="478"/>
+          <ac:spMkLst>
+            <pc:docMk/>
+            <pc:sldMk cId="210113064" sldId="275"/>
+            <ac:spMk id="19" creationId="{4CC6032D-AF17-4356-83E1-F8EBCD7BB500}"/>
+          </ac:spMkLst>
+        </pc:spChg>
+      </pc:sldChg>
+      <pc:sldChg chg="modSp mod addCm modCm modNotesTx">
+        <pc:chgData name="Daniel Cobon" userId="9ec4069a-7264-4a16-8fcd-c40d48c9226b" providerId="ADAL" clId="{603CB894-9688-44EB-ABF7-6E183676DDA8}" dt="2020-03-18T17:35:31.076" v="55" actId="5900"/>
+        <pc:sldMkLst>
+          <pc:docMk/>
+          <pc:sldMk cId="596872564" sldId="382"/>
+        </pc:sldMkLst>
+        <pc:spChg chg="mod">
+          <ac:chgData name="Daniel Cobon" userId="9ec4069a-7264-4a16-8fcd-c40d48c9226b" providerId="ADAL" clId="{603CB894-9688-44EB-ABF7-6E183676DDA8}" dt="2020-03-18T17:32:36.006" v="47" actId="20577"/>
+          <ac:spMkLst>
+            <pc:docMk/>
+            <pc:sldMk cId="596872564" sldId="382"/>
+            <ac:spMk id="8" creationId="{CE8A0B2B-D62B-44EA-9906-7AAEFA902B65}"/>
+          </ac:spMkLst>
+        </pc:spChg>
+      </pc:sldChg>
+      <pc:sldChg chg="modSp mod addCm modCm">
+        <pc:chgData name="Daniel Cobon" userId="9ec4069a-7264-4a16-8fcd-c40d48c9226b" providerId="ADAL" clId="{603CB894-9688-44EB-ABF7-6E183676DDA8}" dt="2020-03-18T17:54:44.484" v="75"/>
+        <pc:sldMkLst>
+          <pc:docMk/>
+          <pc:sldMk cId="2669834656" sldId="388"/>
+        </pc:sldMkLst>
+        <pc:spChg chg="mod">
+          <ac:chgData name="Daniel Cobon" userId="9ec4069a-7264-4a16-8fcd-c40d48c9226b" providerId="ADAL" clId="{603CB894-9688-44EB-ABF7-6E183676DDA8}" dt="2020-03-18T17:54:08.441" v="73" actId="20577"/>
+          <ac:spMkLst>
+            <pc:docMk/>
+            <pc:sldMk cId="2669834656" sldId="388"/>
+            <ac:spMk id="8" creationId="{CE8A0B2B-D62B-44EA-9906-7AAEFA902B65}"/>
+          </ac:spMkLst>
+        </pc:spChg>
+      </pc:sldChg>
+      <pc:sldChg chg="modSp addCm modCm">
+        <pc:chgData name="Daniel Cobon" userId="9ec4069a-7264-4a16-8fcd-c40d48c9226b" providerId="ADAL" clId="{603CB894-9688-44EB-ABF7-6E183676DDA8}" dt="2020-03-18T18:01:53.687" v="80"/>
+        <pc:sldMkLst>
+          <pc:docMk/>
+          <pc:sldMk cId="1751212245" sldId="389"/>
+        </pc:sldMkLst>
+        <pc:spChg chg="mod">
+          <ac:chgData name="Daniel Cobon" userId="9ec4069a-7264-4a16-8fcd-c40d48c9226b" providerId="ADAL" clId="{603CB894-9688-44EB-ABF7-6E183676DDA8}" dt="2020-03-18T18:01:28.893" v="78"/>
+          <ac:spMkLst>
+            <pc:docMk/>
+            <pc:sldMk cId="1751212245" sldId="389"/>
+            <ac:spMk id="8" creationId="{CE8A0B2B-D62B-44EA-9906-7AAEFA902B65}"/>
+          </ac:spMkLst>
+        </pc:spChg>
+      </pc:sldChg>
+      <pc:sldChg chg="modSp mod">
+        <pc:chgData name="Daniel Cobon" userId="9ec4069a-7264-4a16-8fcd-c40d48c9226b" providerId="ADAL" clId="{603CB894-9688-44EB-ABF7-6E183676DDA8}" dt="2020-03-18T17:43:29.454" v="71"/>
+        <pc:sldMkLst>
+          <pc:docMk/>
+          <pc:sldMk cId="2426380769" sldId="408"/>
+        </pc:sldMkLst>
+        <pc:spChg chg="mod">
+          <ac:chgData name="Daniel Cobon" userId="9ec4069a-7264-4a16-8fcd-c40d48c9226b" providerId="ADAL" clId="{603CB894-9688-44EB-ABF7-6E183676DDA8}" dt="2020-03-18T17:43:29.454" v="71"/>
+          <ac:spMkLst>
+            <pc:docMk/>
+            <pc:sldMk cId="2426380769" sldId="408"/>
+            <ac:spMk id="8" creationId="{CE8A0B2B-D62B-44EA-9906-7AAEFA902B65}"/>
+          </ac:spMkLst>
+        </pc:spChg>
+      </pc:sldChg>
+      <pc:sldChg chg="add del">
+        <pc:chgData name="Daniel Cobon" userId="9ec4069a-7264-4a16-8fcd-c40d48c9226b" providerId="ADAL" clId="{603CB894-9688-44EB-ABF7-6E183676DDA8}" dt="2020-03-18T18:00:25.278" v="77" actId="2696"/>
+        <pc:sldMkLst>
+          <pc:docMk/>
+          <pc:sldMk cId="1037923047" sldId="410"/>
+        </pc:sldMkLst>
+      </pc:sldChg>
+    </pc:docChg>
+  </pc:docChgLst>
 </pc:chgInfo>
 </file>
 
 <file path=ppt/comments/comment1.xml><?xml version="1.0" encoding="utf-8"?>
-<p:cmLst xmlns:a="http://schemas.openxmlformats.org/drawingml/2006/main" xmlns:r="http://schemas.openxmlformats.org/officeDocument/2006/relationships" xmlns:p="http://schemas.openxmlformats.org/presentationml/2006/main">
-  <p:cm authorId="1" dt="2019-08-21T09:03:53.585" idx="4">
-    <p:pos x="4023" y="1085"/>
-    <p:text>Replace [CUSTOMER NAME] with a variable that displays the name of the Customer.</p:text>
-    <p:extLst>
-      <p:ext uri="{C676402C-5697-4E1C-873F-D02D1690AC5C}">
-        <p15:threadingInfo xmlns:p15="http://schemas.microsoft.com/office/powerpoint/2012/main" timeZoneBias="360"/>
-      </p:ext>
-    </p:extLst>
-  </p:cm>
-  <p:cm authorId="1" dt="2019-08-21T09:04:33.456" idx="7">
-    <p:pos x="4135" y="-19"/>
-    <p:text>The name of the page is an internal Reference. No need to desplay it on the agents screen</p:text>
-    <p:extLst>
-      <p:ext uri="{C676402C-5697-4E1C-873F-D02D1690AC5C}">
-        <p15:threadingInfo xmlns:p15="http://schemas.microsoft.com/office/powerpoint/2012/main" timeZoneBias="360"/>
-      </p:ext>
-    </p:extLst>
-  </p:cm>
-  <p:cm authorId="1" dt="2019-08-21T10:48:17.336" idx="11">
-    <p:pos x="7336" y="3831"/>
-    <p:text>Go to Offer Table</p:text>
-    <p:extLst>
-      <p:ext uri="{C676402C-5697-4E1C-873F-D02D1690AC5C}">
-        <p15:threadingInfo xmlns:p15="http://schemas.microsoft.com/office/powerpoint/2012/main" timeZoneBias="360"/>
-      </p:ext>
-    </p:extLst>
-  </p:cm>
-  <p:cm authorId="1" dt="2019-08-21T11:14:35.982" idx="22">
-    <p:pos x="2938" y="4006"/>
-    <p:text>Go to Call Back</p:text>
-    <p:extLst>
-      <p:ext uri="{C676402C-5697-4E1C-873F-D02D1690AC5C}">
-        <p15:threadingInfo xmlns:p15="http://schemas.microsoft.com/office/powerpoint/2012/main" timeZoneBias="360"/>
-      </p:ext>
-    </p:extLst>
-  </p:cm>
-  <p:cm authorId="1" dt="2019-08-21T11:28:10.468" idx="35">
-    <p:pos x="1879" y="4108"/>
-    <p:text>Go to DNC</p:text>
-    <p:extLst>
-      <p:ext uri="{C676402C-5697-4E1C-873F-D02D1690AC5C}">
-        <p15:threadingInfo xmlns:p15="http://schemas.microsoft.com/office/powerpoint/2012/main" timeZoneBias="360"/>
-      </p:ext>
-    </p:extLst>
-  </p:cm>
-  <p:cm authorId="1" dt="2019-08-21T11:36:03.559" idx="41">
-    <p:pos x="3840" y="4107"/>
-    <p:text>Go to No Sale Close</p:text>
-    <p:extLst>
-      <p:ext uri="{C676402C-5697-4E1C-873F-D02D1690AC5C}">
-        <p15:threadingInfo xmlns:p15="http://schemas.microsoft.com/office/powerpoint/2012/main" timeZoneBias="360"/>
-      </p:ext>
-    </p:extLst>
-  </p:cm>
-  <p:cm authorId="1" dt="2019-08-21T11:45:14.863" idx="47">
-    <p:pos x="840" y="4013"/>
-    <p:text>Go to Transfer</p:text>
-    <p:extLst>
-      <p:ext uri="{C676402C-5697-4E1C-873F-D02D1690AC5C}">
-        <p15:threadingInfo xmlns:p15="http://schemas.microsoft.com/office/powerpoint/2012/main" timeZoneBias="360"/>
-      </p:ext>
-    </p:extLst>
-  </p:cm>
-  <p:cm authorId="2" dt="2019-10-16T10:36:44.723" idx="129">
-    <p:pos x="6784" y="785"/>
-    <p:text>if FG4 = T03 and WS display "Winback"
-if FG4 = T01 display "Drop Leads"</p:text>
-    <p:extLst>
-      <p:ext uri="{C676402C-5697-4E1C-873F-D02D1690AC5C}">
-        <p15:threadingInfo xmlns:p15="http://schemas.microsoft.com/office/powerpoint/2012/main" timeZoneBias="360"/>
-      </p:ext>
-    </p:extLst>
-  </p:cm>
-  <p:cm authorId="2" dt="2020-04-21T09:40:57.909" idx="164">
-    <p:pos x="2528" y="1259"/>
-    <p:text>Display [State Company] based off of the DNIS received on the Call.</p:text>
-    <p:extLst>
-      <p:ext uri="{C676402C-5697-4E1C-873F-D02D1690AC5C}">
-        <p15:threadingInfo xmlns:p15="http://schemas.microsoft.com/office/powerpoint/2012/main" timeZoneBias="360"/>
-      </p:ext>
-    </p:extLst>
-  </p:cm>
-  <p:cm authorId="2" dt="2020-04-21T09:41:06.708" idx="165">
-    <p:pos x="2528" y="1355"/>
-    <p:text>Use Table Crius_Companyinfo - MarketlinkLookUp - for the match between the DNIS and the Company Name.</p:text>
-    <p:extLst>
-      <p:ext uri="{C676402C-5697-4E1C-873F-D02D1690AC5C}">
-        <p15:threadingInfo xmlns:p15="http://schemas.microsoft.com/office/powerpoint/2012/main" timeZoneBias="360">
-          <p15:parentCm authorId="2" idx="164"/>
-        </p15:threadingInfo>
-      </p:ext>
-    </p:extLst>
-  </p:cm>
-  <p:cm authorId="2" dt="2020-04-21T14:44:25.965" idx="166">
-    <p:pos x="5493" y="277"/>
-    <p:text>Work 47</p:text>
-    <p:extLst>
-      <p:ext uri="{C676402C-5697-4E1C-873F-D02D1690AC5C}">
-        <p15:threadingInfo xmlns:p15="http://schemas.microsoft.com/office/powerpoint/2012/main" timeZoneBias="360"/>
-      </p:ext>
-    </p:extLst>
-  </p:cm>
-  <p:cm authorId="2" dt="2020-04-21T14:45:48.274" idx="168">
-    <p:pos x="5493" y="373"/>
-    <p:text>Display this information if the FG2 = A01, A02, A03, A04, A05, A06, A07, A08, A09, A10, A11or A12</p:text>
-    <p:extLst>
-      <p:ext uri="{C676402C-5697-4E1C-873F-D02D1690AC5C}">
-        <p15:threadingInfo xmlns:p15="http://schemas.microsoft.com/office/powerpoint/2012/main" timeZoneBias="360">
-          <p15:parentCm authorId="2" idx="166"/>
-        </p15:threadingInfo>
-      </p:ext>
-    </p:extLst>
-  </p:cm>
-  <p:cm authorId="2" dt="2020-04-21T14:44:51.512" idx="167">
-    <p:pos x="5653" y="384"/>
-    <p:text>Work 48</p:text>
-    <p:extLst>
-      <p:ext uri="{C676402C-5697-4E1C-873F-D02D1690AC5C}">
-        <p15:threadingInfo xmlns:p15="http://schemas.microsoft.com/office/powerpoint/2012/main" timeZoneBias="360"/>
-      </p:ext>
-    </p:extLst>
-  </p:cm>
-  <p:cm authorId="2" dt="2020-04-21T14:48:10.853" idx="169">
-    <p:pos x="5653" y="480"/>
-    <p:text>Display this information if the FG2 = A01, A02, A03, A04, A05, A06, A07, A08, A09, A10, A11or A12</p:text>
-    <p:extLst>
-      <p:ext uri="{C676402C-5697-4E1C-873F-D02D1690AC5C}">
-        <p15:threadingInfo xmlns:p15="http://schemas.microsoft.com/office/powerpoint/2012/main" timeZoneBias="360">
-          <p15:parentCm authorId="2" idx="167"/>
-        </p15:threadingInfo>
-      </p:ext>
-    </p:extLst>
-  </p:cm>
-</p:cmLst>
-</file>
-
-<file path=ppt/comments/comment2.xml><?xml version="1.0" encoding="utf-8"?>
 <p:cmLst xmlns:a="http://schemas.openxmlformats.org/drawingml/2006/main" xmlns:r="http://schemas.openxmlformats.org/officeDocument/2006/relationships" xmlns:p="http://schemas.openxmlformats.org/presentationml/2006/main">
   <p:cm authorId="1" dt="2019-08-21T09:04:33.456" idx="7">
     <p:pos x="5363" y="28"/>
@@ -1514,7 +1374,7 @@
 </p:cmLst>
 </file>
 
-<file path=ppt/comments/comment3.xml><?xml version="1.0" encoding="utf-8"?>
+<file path=ppt/comments/comment2.xml><?xml version="1.0" encoding="utf-8"?>
 <p:cmLst xmlns:a="http://schemas.openxmlformats.org/drawingml/2006/main" xmlns:r="http://schemas.openxmlformats.org/officeDocument/2006/relationships" xmlns:p="http://schemas.openxmlformats.org/presentationml/2006/main">
   <p:cm authorId="1" dt="2019-08-21T09:04:33.456" idx="7">
     <p:pos x="5363" y="28"/>
@@ -1574,7 +1434,7 @@
 </p:cmLst>
 </file>
 
-<file path=ppt/comments/comment4.xml><?xml version="1.0" encoding="utf-8"?>
+<file path=ppt/comments/comment3.xml><?xml version="1.0" encoding="utf-8"?>
 <p:cmLst xmlns:a="http://schemas.openxmlformats.org/drawingml/2006/main" xmlns:r="http://schemas.openxmlformats.org/officeDocument/2006/relationships" xmlns:p="http://schemas.openxmlformats.org/presentationml/2006/main">
   <p:cm authorId="1" dt="2019-08-21T09:04:33.456" idx="7">
     <p:pos x="5363" y="28"/>
@@ -1619,7 +1479,7 @@
 </p:cmLst>
 </file>
 
-<file path=ppt/comments/comment5.xml><?xml version="1.0" encoding="utf-8"?>
+<file path=ppt/comments/comment4.xml><?xml version="1.0" encoding="utf-8"?>
 <p:cmLst xmlns:a="http://schemas.openxmlformats.org/drawingml/2006/main" xmlns:r="http://schemas.openxmlformats.org/officeDocument/2006/relationships" xmlns:p="http://schemas.openxmlformats.org/presentationml/2006/main">
   <p:cm authorId="2" dt="2019-12-12T11:19:44.790" idx="138">
     <p:pos x="5648" y="2664"/>
@@ -1682,7 +1542,7 @@
 </p:cmLst>
 </file>
 
-<file path=ppt/comments/comment6.xml><?xml version="1.0" encoding="utf-8"?>
+<file path=ppt/comments/comment5.xml><?xml version="1.0" encoding="utf-8"?>
 <p:cmLst xmlns:a="http://schemas.openxmlformats.org/drawingml/2006/main" xmlns:r="http://schemas.openxmlformats.org/officeDocument/2006/relationships" xmlns:p="http://schemas.openxmlformats.org/presentationml/2006/main">
   <p:cm authorId="2" dt="2019-12-12T11:24:42.854" idx="145">
     <p:pos x="2644" y="1473"/>
@@ -1814,7 +1674,7 @@
           <a:p>
             <a:fld id="{D1F7B556-69F0-4ABF-AE4A-C8AA32FBA74A}" type="datetimeFigureOut">
               <a:rPr lang="es-GT" smtClean="0"/>
-              <a:t>28/05/2020</a:t>
+              <a:t>15/06/2020</a:t>
             </a:fld>
             <a:endParaRPr lang="es-GT"/>
           </a:p>
@@ -2222,7 +2082,21 @@
               </a:rPr>
               <a:t>This slide has to be display if FG2 = A13</a:t>
             </a:r>
-            <a:endParaRPr lang="es-GT" b="1" i="1" dirty="0">
+          </a:p>
+          <a:p>
+            <a:r>
+              <a:rPr lang="es-GT" b="1" i="1">
+                <a:effectLst>
+                  <a:outerShdw blurRad="38100" dist="38100" dir="2700000" algn="tl">
+                    <a:srgbClr val="000000">
+                      <a:alpha val="43137"/>
+                    </a:srgbClr>
+                  </a:outerShdw>
+                </a:effectLst>
+              </a:rPr>
+              <a:t>The Agent must capture the TPV ID number in order to release the call</a:t>
+            </a:r>
+            <a:endParaRPr lang="en-US" b="1" i="1">
               <a:effectLst>
                 <a:outerShdw blurRad="38100" dist="38100" dir="2700000" algn="tl">
                   <a:srgbClr val="000000">
@@ -2260,7 +2134,7 @@
     </p:spTree>
     <p:extLst>
       <p:ext uri="{BB962C8B-B14F-4D97-AF65-F5344CB8AC3E}">
-        <p14:creationId xmlns:p14="http://schemas.microsoft.com/office/powerpoint/2010/main" val="1745472087"/>
+        <p14:creationId xmlns:p14="http://schemas.microsoft.com/office/powerpoint/2010/main" val="2712140575"/>
       </p:ext>
     </p:extLst>
   </p:cSld>
@@ -2314,29 +2188,6 @@
           <a:bodyPr/>
           <a:lstStyle/>
           <a:p>
-            <a:r>
-              <a:rPr lang="en-US" b="1" i="1">
-                <a:effectLst>
-                  <a:outerShdw blurRad="38100" dist="38100" dir="2700000" algn="tl">
-                    <a:srgbClr val="000000">
-                      <a:alpha val="43137"/>
-                    </a:srgbClr>
-                  </a:outerShdw>
-                </a:effectLst>
-              </a:rPr>
-              <a:t>This slide has to be display if FG2 = A13</a:t>
-            </a:r>
-            <a:endParaRPr lang="es-GT" b="1" i="1">
-              <a:effectLst>
-                <a:outerShdw blurRad="38100" dist="38100" dir="2700000" algn="tl">
-                  <a:srgbClr val="000000">
-                    <a:alpha val="43137"/>
-                  </a:srgbClr>
-                </a:outerShdw>
-              </a:effectLst>
-            </a:endParaRPr>
-          </a:p>
-          <a:p>
             <a:endParaRPr lang="es-GT" b="1" i="1">
               <a:effectLst>
                 <a:outerShdw blurRad="38100" dist="38100" dir="2700000" algn="tl">
@@ -2375,7 +2226,7 @@
     </p:spTree>
     <p:extLst>
       <p:ext uri="{BB962C8B-B14F-4D97-AF65-F5344CB8AC3E}">
-        <p14:creationId xmlns:p14="http://schemas.microsoft.com/office/powerpoint/2010/main" val="2713133948"/>
+        <p14:creationId xmlns:p14="http://schemas.microsoft.com/office/powerpoint/2010/main" val="3389927652"/>
       </p:ext>
     </p:extLst>
   </p:cSld>
@@ -2386,216 +2237,6 @@
 </file>
 
 <file path=ppt/notesSlides/notesSlide12.xml><?xml version="1.0" encoding="utf-8"?>
-<p:notes xmlns:a="http://schemas.openxmlformats.org/drawingml/2006/main" xmlns:r="http://schemas.openxmlformats.org/officeDocument/2006/relationships" xmlns:p="http://schemas.openxmlformats.org/presentationml/2006/main">
-  <p:cSld>
-    <p:spTree>
-      <p:nvGrpSpPr>
-        <p:cNvPr id="1" name=""/>
-        <p:cNvGrpSpPr/>
-        <p:nvPr/>
-      </p:nvGrpSpPr>
-      <p:grpSpPr>
-        <a:xfrm>
-          <a:off x="0" y="0"/>
-          <a:ext cx="0" cy="0"/>
-          <a:chOff x="0" y="0"/>
-          <a:chExt cx="0" cy="0"/>
-        </a:xfrm>
-      </p:grpSpPr>
-      <p:sp>
-        <p:nvSpPr>
-          <p:cNvPr id="2" name="Marcador de imagen de diapositiva 1"/>
-          <p:cNvSpPr>
-            <a:spLocks noGrp="1" noRot="1" noChangeAspect="1"/>
-          </p:cNvSpPr>
-          <p:nvPr>
-            <p:ph type="sldImg"/>
-          </p:nvPr>
-        </p:nvSpPr>
-        <p:spPr/>
-      </p:sp>
-      <p:sp>
-        <p:nvSpPr>
-          <p:cNvPr id="3" name="Marcador de notas 2"/>
-          <p:cNvSpPr>
-            <a:spLocks noGrp="1"/>
-          </p:cNvSpPr>
-          <p:nvPr>
-            <p:ph type="body" idx="1"/>
-          </p:nvPr>
-        </p:nvSpPr>
-        <p:spPr/>
-        <p:txBody>
-          <a:bodyPr/>
-          <a:lstStyle/>
-          <a:p>
-            <a:r>
-              <a:rPr lang="en-US" b="1" i="1">
-                <a:effectLst>
-                  <a:outerShdw blurRad="38100" dist="38100" dir="2700000" algn="tl">
-                    <a:srgbClr val="000000">
-                      <a:alpha val="43137"/>
-                    </a:srgbClr>
-                  </a:outerShdw>
-                </a:effectLst>
-              </a:rPr>
-              <a:t>This slide has to be display if FG2 = A13</a:t>
-            </a:r>
-          </a:p>
-          <a:p>
-            <a:r>
-              <a:rPr lang="es-GT" b="1" i="1">
-                <a:effectLst>
-                  <a:outerShdw blurRad="38100" dist="38100" dir="2700000" algn="tl">
-                    <a:srgbClr val="000000">
-                      <a:alpha val="43137"/>
-                    </a:srgbClr>
-                  </a:outerShdw>
-                </a:effectLst>
-              </a:rPr>
-              <a:t>The Agent must capture the TPV ID number in order to release the call</a:t>
-            </a:r>
-            <a:endParaRPr lang="en-US" b="1" i="1">
-              <a:effectLst>
-                <a:outerShdw blurRad="38100" dist="38100" dir="2700000" algn="tl">
-                  <a:srgbClr val="000000">
-                    <a:alpha val="43137"/>
-                  </a:srgbClr>
-                </a:outerShdw>
-              </a:effectLst>
-            </a:endParaRPr>
-          </a:p>
-        </p:txBody>
-      </p:sp>
-      <p:sp>
-        <p:nvSpPr>
-          <p:cNvPr id="4" name="Marcador de número de diapositiva 3"/>
-          <p:cNvSpPr>
-            <a:spLocks noGrp="1"/>
-          </p:cNvSpPr>
-          <p:nvPr>
-            <p:ph type="sldNum" sz="quarter" idx="5"/>
-          </p:nvPr>
-        </p:nvSpPr>
-        <p:spPr/>
-        <p:txBody>
-          <a:bodyPr/>
-          <a:lstStyle/>
-          <a:p>
-            <a:fld id="{74D10A9D-B9FD-4A17-9981-D0B32E704CE8}" type="slidenum">
-              <a:rPr lang="en-US" smtClean="0"/>
-              <a:t>12</a:t>
-            </a:fld>
-            <a:endParaRPr lang="en-US"/>
-          </a:p>
-        </p:txBody>
-      </p:sp>
-    </p:spTree>
-    <p:extLst>
-      <p:ext uri="{BB962C8B-B14F-4D97-AF65-F5344CB8AC3E}">
-        <p14:creationId xmlns:p14="http://schemas.microsoft.com/office/powerpoint/2010/main" val="2712140575"/>
-      </p:ext>
-    </p:extLst>
-  </p:cSld>
-  <p:clrMapOvr>
-    <a:masterClrMapping/>
-  </p:clrMapOvr>
-</p:notes>
-</file>
-
-<file path=ppt/notesSlides/notesSlide13.xml><?xml version="1.0" encoding="utf-8"?>
-<p:notes xmlns:a="http://schemas.openxmlformats.org/drawingml/2006/main" xmlns:r="http://schemas.openxmlformats.org/officeDocument/2006/relationships" xmlns:p="http://schemas.openxmlformats.org/presentationml/2006/main">
-  <p:cSld>
-    <p:spTree>
-      <p:nvGrpSpPr>
-        <p:cNvPr id="1" name=""/>
-        <p:cNvGrpSpPr/>
-        <p:nvPr/>
-      </p:nvGrpSpPr>
-      <p:grpSpPr>
-        <a:xfrm>
-          <a:off x="0" y="0"/>
-          <a:ext cx="0" cy="0"/>
-          <a:chOff x="0" y="0"/>
-          <a:chExt cx="0" cy="0"/>
-        </a:xfrm>
-      </p:grpSpPr>
-      <p:sp>
-        <p:nvSpPr>
-          <p:cNvPr id="2" name="Marcador de imagen de diapositiva 1"/>
-          <p:cNvSpPr>
-            <a:spLocks noGrp="1" noRot="1" noChangeAspect="1"/>
-          </p:cNvSpPr>
-          <p:nvPr>
-            <p:ph type="sldImg"/>
-          </p:nvPr>
-        </p:nvSpPr>
-        <p:spPr/>
-      </p:sp>
-      <p:sp>
-        <p:nvSpPr>
-          <p:cNvPr id="3" name="Marcador de notas 2"/>
-          <p:cNvSpPr>
-            <a:spLocks noGrp="1"/>
-          </p:cNvSpPr>
-          <p:nvPr>
-            <p:ph type="body" idx="1"/>
-          </p:nvPr>
-        </p:nvSpPr>
-        <p:spPr/>
-        <p:txBody>
-          <a:bodyPr/>
-          <a:lstStyle/>
-          <a:p>
-            <a:endParaRPr lang="es-GT" b="1" i="1">
-              <a:effectLst>
-                <a:outerShdw blurRad="38100" dist="38100" dir="2700000" algn="tl">
-                  <a:srgbClr val="000000">
-                    <a:alpha val="43137"/>
-                  </a:srgbClr>
-                </a:outerShdw>
-              </a:effectLst>
-            </a:endParaRPr>
-          </a:p>
-        </p:txBody>
-      </p:sp>
-      <p:sp>
-        <p:nvSpPr>
-          <p:cNvPr id="4" name="Marcador de número de diapositiva 3"/>
-          <p:cNvSpPr>
-            <a:spLocks noGrp="1"/>
-          </p:cNvSpPr>
-          <p:nvPr>
-            <p:ph type="sldNum" sz="quarter" idx="5"/>
-          </p:nvPr>
-        </p:nvSpPr>
-        <p:spPr/>
-        <p:txBody>
-          <a:bodyPr/>
-          <a:lstStyle/>
-          <a:p>
-            <a:fld id="{74D10A9D-B9FD-4A17-9981-D0B32E704CE8}" type="slidenum">
-              <a:rPr lang="en-US" smtClean="0"/>
-              <a:t>13</a:t>
-            </a:fld>
-            <a:endParaRPr lang="en-US"/>
-          </a:p>
-        </p:txBody>
-      </p:sp>
-    </p:spTree>
-    <p:extLst>
-      <p:ext uri="{BB962C8B-B14F-4D97-AF65-F5344CB8AC3E}">
-        <p14:creationId xmlns:p14="http://schemas.microsoft.com/office/powerpoint/2010/main" val="3389927652"/>
-      </p:ext>
-    </p:extLst>
-  </p:cSld>
-  <p:clrMapOvr>
-    <a:masterClrMapping/>
-  </p:clrMapOvr>
-</p:notes>
-</file>
-
-<file path=ppt/notesSlides/notesSlide14.xml><?xml version="1.0" encoding="utf-8"?>
 <p:notes xmlns:a="http://schemas.openxmlformats.org/drawingml/2006/main" xmlns:r="http://schemas.openxmlformats.org/officeDocument/2006/relationships" xmlns:p="http://schemas.openxmlformats.org/presentationml/2006/main">
   <p:cSld>
     <p:spTree>
@@ -2878,7 +2519,7 @@
           <a:p>
             <a:fld id="{186BF174-8316-4236-A668-9FB02A0047AA}" type="slidenum">
               <a:rPr lang="es-GT" smtClean="0"/>
-              <a:t>16</a:t>
+              <a:t>14</a:t>
             </a:fld>
             <a:endParaRPr lang="es-GT"/>
           </a:p>
@@ -2941,25 +2582,8 @@
           <a:bodyPr/>
           <a:lstStyle/>
           <a:p>
-            <a:pPr marL="0" marR="0" lvl="0" indent="0" algn="l" defTabSz="914400" rtl="0" eaLnBrk="1" fontAlgn="auto" latinLnBrk="0" hangingPunct="1">
-              <a:lnSpc>
-                <a:spcPct val="100000"/>
-              </a:lnSpc>
-              <a:spcBef>
-                <a:spcPts val="0"/>
-              </a:spcBef>
-              <a:spcAft>
-                <a:spcPts val="0"/>
-              </a:spcAft>
-              <a:buClrTx/>
-              <a:buSzTx/>
-              <a:buFontTx/>
-              <a:buNone/>
-              <a:tabLst/>
-              <a:defRPr/>
-            </a:pPr>
-            <a:r>
-              <a:rPr lang="en-US" b="1" i="1">
+            <a:r>
+              <a:rPr lang="en-US" b="1" i="1" dirty="0">
                 <a:effectLst>
                   <a:outerShdw blurRad="38100" dist="38100" dir="2700000" algn="tl">
                     <a:srgbClr val="000000">
@@ -2970,7 +2594,7 @@
               </a:rPr>
               <a:t>This slide has to be display if FG2 = A13</a:t>
             </a:r>
-            <a:endParaRPr lang="es-GT" b="1" i="1">
+            <a:endParaRPr lang="es-GT" b="1" i="1" dirty="0">
               <a:effectLst>
                 <a:outerShdw blurRad="38100" dist="38100" dir="2700000" algn="tl">
                   <a:srgbClr val="000000">
@@ -3008,7 +2632,7 @@
     </p:spTree>
     <p:extLst>
       <p:ext uri="{BB962C8B-B14F-4D97-AF65-F5344CB8AC3E}">
-        <p14:creationId xmlns:p14="http://schemas.microsoft.com/office/powerpoint/2010/main" val="3782841162"/>
+        <p14:creationId xmlns:p14="http://schemas.microsoft.com/office/powerpoint/2010/main" val="271018781"/>
       </p:ext>
     </p:extLst>
   </p:cSld>
@@ -3072,6 +2696,56 @@
                   </a:outerShdw>
                 </a:effectLst>
               </a:rPr>
+              <a:t>The offer table has to display the offers depending of the conditions of the Offer table.</a:t>
+            </a:r>
+          </a:p>
+          <a:p>
+            <a:endParaRPr lang="en-US" b="1" i="1" dirty="0">
+              <a:effectLst>
+                <a:outerShdw blurRad="38100" dist="38100" dir="2700000" algn="tl">
+                  <a:srgbClr val="000000">
+                    <a:alpha val="43137"/>
+                  </a:srgbClr>
+                </a:outerShdw>
+              </a:effectLst>
+            </a:endParaRPr>
+          </a:p>
+          <a:p>
+            <a:r>
+              <a:rPr lang="en-US" b="1" i="1" dirty="0">
+                <a:effectLst>
+                  <a:outerShdw blurRad="38100" dist="38100" dir="2700000" algn="tl">
+                    <a:srgbClr val="000000">
+                      <a:alpha val="43137"/>
+                    </a:srgbClr>
+                  </a:outerShdw>
+                </a:effectLst>
+              </a:rPr>
+              <a:t>And if the Commodity type is M the Gas and Electricity option boxes must be display </a:t>
+            </a:r>
+          </a:p>
+          <a:p>
+            <a:endParaRPr lang="en-US" b="1" i="1" dirty="0">
+              <a:effectLst>
+                <a:outerShdw blurRad="38100" dist="38100" dir="2700000" algn="tl">
+                  <a:srgbClr val="000000">
+                    <a:alpha val="43137"/>
+                  </a:srgbClr>
+                </a:outerShdw>
+              </a:effectLst>
+            </a:endParaRPr>
+          </a:p>
+          <a:p>
+            <a:r>
+              <a:rPr lang="en-US" b="1" i="1" dirty="0">
+                <a:effectLst>
+                  <a:outerShdw blurRad="38100" dist="38100" dir="2700000" algn="tl">
+                    <a:srgbClr val="000000">
+                      <a:alpha val="43137"/>
+                    </a:srgbClr>
+                  </a:outerShdw>
+                </a:effectLst>
+              </a:rPr>
               <a:t>This slide has to be display if FG2 = A13</a:t>
             </a:r>
             <a:endParaRPr lang="es-GT" b="1" i="1" dirty="0">
@@ -3112,7 +2786,7 @@
     </p:spTree>
     <p:extLst>
       <p:ext uri="{BB962C8B-B14F-4D97-AF65-F5344CB8AC3E}">
-        <p14:creationId xmlns:p14="http://schemas.microsoft.com/office/powerpoint/2010/main" val="1476264744"/>
+        <p14:creationId xmlns:p14="http://schemas.microsoft.com/office/powerpoint/2010/main" val="3839010446"/>
       </p:ext>
     </p:extLst>
   </p:cSld>
@@ -3216,7 +2890,7 @@
     </p:spTree>
     <p:extLst>
       <p:ext uri="{BB962C8B-B14F-4D97-AF65-F5344CB8AC3E}">
-        <p14:creationId xmlns:p14="http://schemas.microsoft.com/office/powerpoint/2010/main" val="271018781"/>
+        <p14:creationId xmlns:p14="http://schemas.microsoft.com/office/powerpoint/2010/main" val="3409061671"/>
       </p:ext>
     </p:extLst>
   </p:cSld>
@@ -3271,57 +2945,7 @@
           <a:lstStyle/>
           <a:p>
             <a:r>
-              <a:rPr lang="en-US" b="1" i="1" dirty="0">
-                <a:effectLst>
-                  <a:outerShdw blurRad="38100" dist="38100" dir="2700000" algn="tl">
-                    <a:srgbClr val="000000">
-                      <a:alpha val="43137"/>
-                    </a:srgbClr>
-                  </a:outerShdw>
-                </a:effectLst>
-              </a:rPr>
-              <a:t>The offer table has to display the offers depending of the conditions of the Offer table.</a:t>
-            </a:r>
-          </a:p>
-          <a:p>
-            <a:endParaRPr lang="en-US" b="1" i="1" dirty="0">
-              <a:effectLst>
-                <a:outerShdw blurRad="38100" dist="38100" dir="2700000" algn="tl">
-                  <a:srgbClr val="000000">
-                    <a:alpha val="43137"/>
-                  </a:srgbClr>
-                </a:outerShdw>
-              </a:effectLst>
-            </a:endParaRPr>
-          </a:p>
-          <a:p>
-            <a:r>
-              <a:rPr lang="en-US" b="1" i="1" dirty="0">
-                <a:effectLst>
-                  <a:outerShdw blurRad="38100" dist="38100" dir="2700000" algn="tl">
-                    <a:srgbClr val="000000">
-                      <a:alpha val="43137"/>
-                    </a:srgbClr>
-                  </a:outerShdw>
-                </a:effectLst>
-              </a:rPr>
-              <a:t>And if the Commodity type is M the Gas and Electricity option boxes must be display </a:t>
-            </a:r>
-          </a:p>
-          <a:p>
-            <a:endParaRPr lang="en-US" b="1" i="1" dirty="0">
-              <a:effectLst>
-                <a:outerShdw blurRad="38100" dist="38100" dir="2700000" algn="tl">
-                  <a:srgbClr val="000000">
-                    <a:alpha val="43137"/>
-                  </a:srgbClr>
-                </a:outerShdw>
-              </a:effectLst>
-            </a:endParaRPr>
-          </a:p>
-          <a:p>
-            <a:r>
-              <a:rPr lang="en-US" b="1" i="1" dirty="0">
+              <a:rPr lang="en-US" b="1" i="1">
                 <a:effectLst>
                   <a:outerShdw blurRad="38100" dist="38100" dir="2700000" algn="tl">
                     <a:srgbClr val="000000">
@@ -3332,6 +2956,17 @@
               </a:rPr>
               <a:t>This slide has to be display if FG2 = A13</a:t>
             </a:r>
+            <a:endParaRPr lang="es-GT" b="1" i="1">
+              <a:effectLst>
+                <a:outerShdw blurRad="38100" dist="38100" dir="2700000" algn="tl">
+                  <a:srgbClr val="000000">
+                    <a:alpha val="43137"/>
+                  </a:srgbClr>
+                </a:outerShdw>
+              </a:effectLst>
+            </a:endParaRPr>
+          </a:p>
+          <a:p>
             <a:endParaRPr lang="es-GT" b="1" i="1" dirty="0">
               <a:effectLst>
                 <a:outerShdw blurRad="38100" dist="38100" dir="2700000" algn="tl">
@@ -3370,7 +3005,7 @@
     </p:spTree>
     <p:extLst>
       <p:ext uri="{BB962C8B-B14F-4D97-AF65-F5344CB8AC3E}">
-        <p14:creationId xmlns:p14="http://schemas.microsoft.com/office/powerpoint/2010/main" val="3839010446"/>
+        <p14:creationId xmlns:p14="http://schemas.microsoft.com/office/powerpoint/2010/main" val="473619436"/>
       </p:ext>
     </p:extLst>
   </p:cSld>
@@ -3425,7 +3060,7 @@
           <a:lstStyle/>
           <a:p>
             <a:r>
-              <a:rPr lang="en-US" b="1" i="1" dirty="0">
+              <a:rPr lang="en-US" b="1" i="1">
                 <a:effectLst>
                   <a:outerShdw blurRad="38100" dist="38100" dir="2700000" algn="tl">
                     <a:srgbClr val="000000">
@@ -3436,6 +3071,17 @@
               </a:rPr>
               <a:t>This slide has to be display if FG2 = A13</a:t>
             </a:r>
+            <a:endParaRPr lang="es-GT" b="1" i="1">
+              <a:effectLst>
+                <a:outerShdw blurRad="38100" dist="38100" dir="2700000" algn="tl">
+                  <a:srgbClr val="000000">
+                    <a:alpha val="43137"/>
+                  </a:srgbClr>
+                </a:outerShdw>
+              </a:effectLst>
+            </a:endParaRPr>
+          </a:p>
+          <a:p>
             <a:endParaRPr lang="es-GT" b="1" i="1" dirty="0">
               <a:effectLst>
                 <a:outerShdw blurRad="38100" dist="38100" dir="2700000" algn="tl">
@@ -3474,7 +3120,7 @@
     </p:spTree>
     <p:extLst>
       <p:ext uri="{BB962C8B-B14F-4D97-AF65-F5344CB8AC3E}">
-        <p14:creationId xmlns:p14="http://schemas.microsoft.com/office/powerpoint/2010/main" val="3409061671"/>
+        <p14:creationId xmlns:p14="http://schemas.microsoft.com/office/powerpoint/2010/main" val="3065301532"/>
       </p:ext>
     </p:extLst>
   </p:cSld>
@@ -3529,7 +3175,7 @@
           <a:lstStyle/>
           <a:p>
             <a:r>
-              <a:rPr lang="en-US" b="1" i="1">
+              <a:rPr lang="en-US" b="1" i="1" dirty="0">
                 <a:effectLst>
                   <a:outerShdw blurRad="38100" dist="38100" dir="2700000" algn="tl">
                     <a:srgbClr val="000000">
@@ -3540,17 +3186,6 @@
               </a:rPr>
               <a:t>This slide has to be display if FG2 = A13</a:t>
             </a:r>
-            <a:endParaRPr lang="es-GT" b="1" i="1">
-              <a:effectLst>
-                <a:outerShdw blurRad="38100" dist="38100" dir="2700000" algn="tl">
-                  <a:srgbClr val="000000">
-                    <a:alpha val="43137"/>
-                  </a:srgbClr>
-                </a:outerShdw>
-              </a:effectLst>
-            </a:endParaRPr>
-          </a:p>
-          <a:p>
             <a:endParaRPr lang="es-GT" b="1" i="1" dirty="0">
               <a:effectLst>
                 <a:outerShdw blurRad="38100" dist="38100" dir="2700000" algn="tl">
@@ -3589,7 +3224,7 @@
     </p:spTree>
     <p:extLst>
       <p:ext uri="{BB962C8B-B14F-4D97-AF65-F5344CB8AC3E}">
-        <p14:creationId xmlns:p14="http://schemas.microsoft.com/office/powerpoint/2010/main" val="473619436"/>
+        <p14:creationId xmlns:p14="http://schemas.microsoft.com/office/powerpoint/2010/main" val="2937888648"/>
       </p:ext>
     </p:extLst>
   </p:cSld>
@@ -3655,17 +3290,6 @@
               </a:rPr>
               <a:t>This slide has to be display if FG2 = A13</a:t>
             </a:r>
-            <a:endParaRPr lang="es-GT" b="1" i="1">
-              <a:effectLst>
-                <a:outerShdw blurRad="38100" dist="38100" dir="2700000" algn="tl">
-                  <a:srgbClr val="000000">
-                    <a:alpha val="43137"/>
-                  </a:srgbClr>
-                </a:outerShdw>
-              </a:effectLst>
-            </a:endParaRPr>
-          </a:p>
-          <a:p>
             <a:endParaRPr lang="es-GT" b="1" i="1" dirty="0">
               <a:effectLst>
                 <a:outerShdw blurRad="38100" dist="38100" dir="2700000" algn="tl">
@@ -3704,7 +3328,7 @@
     </p:spTree>
     <p:extLst>
       <p:ext uri="{BB962C8B-B14F-4D97-AF65-F5344CB8AC3E}">
-        <p14:creationId xmlns:p14="http://schemas.microsoft.com/office/powerpoint/2010/main" val="3065301532"/>
+        <p14:creationId xmlns:p14="http://schemas.microsoft.com/office/powerpoint/2010/main" val="1745472087"/>
       </p:ext>
     </p:extLst>
   </p:cSld>
@@ -3759,7 +3383,7 @@
           <a:lstStyle/>
           <a:p>
             <a:r>
-              <a:rPr lang="en-US" b="1" i="1" dirty="0">
+              <a:rPr lang="en-US" b="1" i="1">
                 <a:effectLst>
                   <a:outerShdw blurRad="38100" dist="38100" dir="2700000" algn="tl">
                     <a:srgbClr val="000000">
@@ -3770,7 +3394,18 @@
               </a:rPr>
               <a:t>This slide has to be display if FG2 = A13</a:t>
             </a:r>
-            <a:endParaRPr lang="es-GT" b="1" i="1" dirty="0">
+            <a:endParaRPr lang="es-GT" b="1" i="1">
+              <a:effectLst>
+                <a:outerShdw blurRad="38100" dist="38100" dir="2700000" algn="tl">
+                  <a:srgbClr val="000000">
+                    <a:alpha val="43137"/>
+                  </a:srgbClr>
+                </a:outerShdw>
+              </a:effectLst>
+            </a:endParaRPr>
+          </a:p>
+          <a:p>
+            <a:endParaRPr lang="es-GT" b="1" i="1">
               <a:effectLst>
                 <a:outerShdw blurRad="38100" dist="38100" dir="2700000" algn="tl">
                   <a:srgbClr val="000000">
@@ -3808,7 +3443,7 @@
     </p:spTree>
     <p:extLst>
       <p:ext uri="{BB962C8B-B14F-4D97-AF65-F5344CB8AC3E}">
-        <p14:creationId xmlns:p14="http://schemas.microsoft.com/office/powerpoint/2010/main" val="2937888648"/>
+        <p14:creationId xmlns:p14="http://schemas.microsoft.com/office/powerpoint/2010/main" val="2713133948"/>
       </p:ext>
     </p:extLst>
   </p:cSld>
@@ -3967,7 +3602,7 @@
           <a:p>
             <a:fld id="{CE5F67FA-03F2-4192-B418-C9EC7E89FE70}" type="datetimeFigureOut">
               <a:rPr lang="es-GT" smtClean="0"/>
-              <a:t>28/05/2020</a:t>
+              <a:t>15/06/2020</a:t>
             </a:fld>
             <a:endParaRPr lang="es-GT"/>
           </a:p>
@@ -4167,7 +3802,7 @@
           <a:p>
             <a:fld id="{CE5F67FA-03F2-4192-B418-C9EC7E89FE70}" type="datetimeFigureOut">
               <a:rPr lang="es-GT" smtClean="0"/>
-              <a:t>28/05/2020</a:t>
+              <a:t>15/06/2020</a:t>
             </a:fld>
             <a:endParaRPr lang="es-GT"/>
           </a:p>
@@ -4377,7 +4012,7 @@
           <a:p>
             <a:fld id="{CE5F67FA-03F2-4192-B418-C9EC7E89FE70}" type="datetimeFigureOut">
               <a:rPr lang="es-GT" smtClean="0"/>
-              <a:t>28/05/2020</a:t>
+              <a:t>15/06/2020</a:t>
             </a:fld>
             <a:endParaRPr lang="es-GT"/>
           </a:p>
@@ -4577,7 +4212,7 @@
           <a:p>
             <a:fld id="{CE5F67FA-03F2-4192-B418-C9EC7E89FE70}" type="datetimeFigureOut">
               <a:rPr lang="es-GT" smtClean="0"/>
-              <a:t>28/05/2020</a:t>
+              <a:t>15/06/2020</a:t>
             </a:fld>
             <a:endParaRPr lang="es-GT"/>
           </a:p>
@@ -4853,7 +4488,7 @@
           <a:p>
             <a:fld id="{CE5F67FA-03F2-4192-B418-C9EC7E89FE70}" type="datetimeFigureOut">
               <a:rPr lang="es-GT" smtClean="0"/>
-              <a:t>28/05/2020</a:t>
+              <a:t>15/06/2020</a:t>
             </a:fld>
             <a:endParaRPr lang="es-GT"/>
           </a:p>
@@ -5121,7 +4756,7 @@
           <a:p>
             <a:fld id="{CE5F67FA-03F2-4192-B418-C9EC7E89FE70}" type="datetimeFigureOut">
               <a:rPr lang="es-GT" smtClean="0"/>
-              <a:t>28/05/2020</a:t>
+              <a:t>15/06/2020</a:t>
             </a:fld>
             <a:endParaRPr lang="es-GT"/>
           </a:p>
@@ -5536,7 +5171,7 @@
           <a:p>
             <a:fld id="{CE5F67FA-03F2-4192-B418-C9EC7E89FE70}" type="datetimeFigureOut">
               <a:rPr lang="es-GT" smtClean="0"/>
-              <a:t>28/05/2020</a:t>
+              <a:t>15/06/2020</a:t>
             </a:fld>
             <a:endParaRPr lang="es-GT"/>
           </a:p>
@@ -5678,7 +5313,7 @@
           <a:p>
             <a:fld id="{CE5F67FA-03F2-4192-B418-C9EC7E89FE70}" type="datetimeFigureOut">
               <a:rPr lang="es-GT" smtClean="0"/>
-              <a:t>28/05/2020</a:t>
+              <a:t>15/06/2020</a:t>
             </a:fld>
             <a:endParaRPr lang="es-GT"/>
           </a:p>
@@ -5791,7 +5426,7 @@
           <a:p>
             <a:fld id="{CE5F67FA-03F2-4192-B418-C9EC7E89FE70}" type="datetimeFigureOut">
               <a:rPr lang="es-GT" smtClean="0"/>
-              <a:t>28/05/2020</a:t>
+              <a:t>15/06/2020</a:t>
             </a:fld>
             <a:endParaRPr lang="es-GT"/>
           </a:p>
@@ -6104,7 +5739,7 @@
           <a:p>
             <a:fld id="{CE5F67FA-03F2-4192-B418-C9EC7E89FE70}" type="datetimeFigureOut">
               <a:rPr lang="es-GT" smtClean="0"/>
-              <a:t>28/05/2020</a:t>
+              <a:t>15/06/2020</a:t>
             </a:fld>
             <a:endParaRPr lang="es-GT"/>
           </a:p>
@@ -6393,7 +6028,7 @@
           <a:p>
             <a:fld id="{CE5F67FA-03F2-4192-B418-C9EC7E89FE70}" type="datetimeFigureOut">
               <a:rPr lang="es-GT" smtClean="0"/>
-              <a:t>28/05/2020</a:t>
+              <a:t>15/06/2020</a:t>
             </a:fld>
             <a:endParaRPr lang="es-GT"/>
           </a:p>
@@ -6636,7 +6271,7 @@
           <a:p>
             <a:fld id="{CE5F67FA-03F2-4192-B418-C9EC7E89FE70}" type="datetimeFigureOut">
               <a:rPr lang="es-GT" smtClean="0"/>
-              <a:t>28/05/2020</a:t>
+              <a:t>15/06/2020</a:t>
             </a:fld>
             <a:endParaRPr lang="es-GT"/>
           </a:p>
@@ -7096,2202 +6731,6 @@
 </file>
 
 <file path=ppt/slides/slide10.xml><?xml version="1.0" encoding="utf-8"?>
-<p:sld xmlns:a="http://schemas.openxmlformats.org/drawingml/2006/main" xmlns:r="http://schemas.openxmlformats.org/officeDocument/2006/relationships" xmlns:p="http://schemas.openxmlformats.org/presentationml/2006/main">
-  <p:cSld>
-    <p:spTree>
-      <p:nvGrpSpPr>
-        <p:cNvPr id="1" name=""/>
-        <p:cNvGrpSpPr/>
-        <p:nvPr/>
-      </p:nvGrpSpPr>
-      <p:grpSpPr>
-        <a:xfrm>
-          <a:off x="0" y="0"/>
-          <a:ext cx="0" cy="0"/>
-          <a:chOff x="0" y="0"/>
-          <a:chExt cx="0" cy="0"/>
-        </a:xfrm>
-      </p:grpSpPr>
-      <p:sp>
-        <p:nvSpPr>
-          <p:cNvPr id="8" name="CuadroTexto 7">
-            <a:extLst>
-              <a:ext uri="{FF2B5EF4-FFF2-40B4-BE49-F238E27FC236}">
-                <a16:creationId xmlns:a16="http://schemas.microsoft.com/office/drawing/2014/main" id="{CE8A0B2B-D62B-44EA-9906-7AAEFA902B65}"/>
-              </a:ext>
-            </a:extLst>
-          </p:cNvPr>
-          <p:cNvSpPr txBox="1"/>
-          <p:nvPr/>
-        </p:nvSpPr>
-        <p:spPr>
-          <a:xfrm>
-            <a:off x="348175" y="1966325"/>
-            <a:ext cx="11495650" cy="2308324"/>
-          </a:xfrm>
-          <a:prstGeom prst="rect">
-            <a:avLst/>
-          </a:prstGeom>
-          <a:noFill/>
-          <a:ln>
-            <a:solidFill>
-              <a:schemeClr val="tx1"/>
-            </a:solidFill>
-          </a:ln>
-        </p:spPr>
-        <p:txBody>
-          <a:bodyPr wrap="square" rtlCol="0">
-            <a:spAutoFit/>
-          </a:bodyPr>
-          <a:lstStyle/>
-          <a:p>
-            <a:r>
-              <a:rPr lang="en-US" dirty="0">
-                <a:solidFill>
-                  <a:srgbClr val="00B0F0"/>
-                </a:solidFill>
-                <a:latin typeface="Arial" panose="020B0604020202020204" pitchFamily="34" charset="0"/>
-                <a:cs typeface="Arial" panose="020B0604020202020204" pitchFamily="34" charset="0"/>
-              </a:rPr>
-              <a:t>Please provide your full name (how it appears on your bill) and email address </a:t>
-            </a:r>
-          </a:p>
-          <a:p>
-            <a:endParaRPr lang="en-US" dirty="0">
-              <a:solidFill>
-                <a:srgbClr val="00B0F0"/>
-              </a:solidFill>
-              <a:latin typeface="Arial" panose="020B0604020202020204" pitchFamily="34" charset="0"/>
-              <a:cs typeface="Arial" panose="020B0604020202020204" pitchFamily="34" charset="0"/>
-            </a:endParaRPr>
-          </a:p>
-          <a:p>
-            <a:r>
-              <a:rPr lang="en-US" dirty="0">
-                <a:solidFill>
-                  <a:srgbClr val="00B0F0"/>
-                </a:solidFill>
-                <a:latin typeface="Arial" panose="020B0604020202020204" pitchFamily="34" charset="0"/>
-                <a:cs typeface="Arial" panose="020B0604020202020204" pitchFamily="34" charset="0"/>
-              </a:rPr>
-              <a:t>Great, now I need to confirm your intent to enroll and that you understand Cincinnati Bell Energy is not your current energy supplier and you always have the right to remain with [DUKE Energy] or select any other alternative energy supplier? May I please have a clear yes or no?</a:t>
-            </a:r>
-          </a:p>
-          <a:p>
-            <a:endParaRPr lang="en-US" dirty="0">
-              <a:solidFill>
-                <a:srgbClr val="00B0F0"/>
-              </a:solidFill>
-              <a:latin typeface="Arial" panose="020B0604020202020204" pitchFamily="34" charset="0"/>
-              <a:cs typeface="Arial" panose="020B0604020202020204" pitchFamily="34" charset="0"/>
-            </a:endParaRPr>
-          </a:p>
-          <a:p>
-            <a:r>
-              <a:rPr lang="en-US" dirty="0">
-                <a:solidFill>
-                  <a:srgbClr val="00B0F0"/>
-                </a:solidFill>
-                <a:latin typeface="Arial" panose="020B0604020202020204" pitchFamily="34" charset="0"/>
-                <a:cs typeface="Arial" panose="020B0604020202020204" pitchFamily="34" charset="0"/>
-              </a:rPr>
-              <a:t>Is your account tax exempt? (If YES) Please fax a copy of your tax-exempt certificate to taxexemptions@criusenergy.com</a:t>
-            </a:r>
-          </a:p>
-        </p:txBody>
-      </p:sp>
-      <p:sp>
-        <p:nvSpPr>
-          <p:cNvPr id="25" name="Rectángulo 18">
-            <a:extLst>
-              <a:ext uri="{FF2B5EF4-FFF2-40B4-BE49-F238E27FC236}">
-                <a16:creationId xmlns:a16="http://schemas.microsoft.com/office/drawing/2014/main" id="{798378AB-30E3-4E76-BC50-CACF1B259872}"/>
-              </a:ext>
-            </a:extLst>
-          </p:cNvPr>
-          <p:cNvSpPr/>
-          <p:nvPr/>
-        </p:nvSpPr>
-        <p:spPr>
-          <a:xfrm>
-            <a:off x="7187191" y="5726204"/>
-            <a:ext cx="1471245" cy="481874"/>
-          </a:xfrm>
-          <a:prstGeom prst="rect">
-            <a:avLst/>
-          </a:prstGeom>
-          <a:solidFill>
-            <a:schemeClr val="bg1">
-              <a:lumMod val="85000"/>
-            </a:schemeClr>
-          </a:solidFill>
-          <a:ln>
-            <a:solidFill>
-              <a:schemeClr val="tx1"/>
-            </a:solidFill>
-          </a:ln>
-        </p:spPr>
-        <p:style>
-          <a:lnRef idx="2">
-            <a:schemeClr val="accent1">
-              <a:shade val="50000"/>
-            </a:schemeClr>
-          </a:lnRef>
-          <a:fillRef idx="1">
-            <a:schemeClr val="accent1"/>
-          </a:fillRef>
-          <a:effectRef idx="0">
-            <a:schemeClr val="accent1"/>
-          </a:effectRef>
-          <a:fontRef idx="minor">
-            <a:schemeClr val="lt1"/>
-          </a:fontRef>
-        </p:style>
-        <p:txBody>
-          <a:bodyPr rtlCol="0" anchor="ctr"/>
-          <a:lstStyle/>
-          <a:p>
-            <a:pPr algn="ctr"/>
-            <a:r>
-              <a:rPr lang="es-GT" dirty="0">
-                <a:solidFill>
-                  <a:schemeClr val="tx1"/>
-                </a:solidFill>
-                <a:latin typeface="Arial" panose="020B0604020202020204" pitchFamily="34" charset="0"/>
-                <a:cs typeface="Arial" panose="020B0604020202020204" pitchFamily="34" charset="0"/>
-              </a:rPr>
-              <a:t>No</a:t>
-            </a:r>
-          </a:p>
-        </p:txBody>
-      </p:sp>
-      <p:sp>
-        <p:nvSpPr>
-          <p:cNvPr id="26" name="Rectángulo 19">
-            <a:extLst>
-              <a:ext uri="{FF2B5EF4-FFF2-40B4-BE49-F238E27FC236}">
-                <a16:creationId xmlns:a16="http://schemas.microsoft.com/office/drawing/2014/main" id="{5F379E26-4AE6-4DDB-9639-B5441ABF43EB}"/>
-              </a:ext>
-            </a:extLst>
-          </p:cNvPr>
-          <p:cNvSpPr/>
-          <p:nvPr/>
-        </p:nvSpPr>
-        <p:spPr>
-          <a:xfrm>
-            <a:off x="3217669" y="5726204"/>
-            <a:ext cx="1471245" cy="481874"/>
-          </a:xfrm>
-          <a:prstGeom prst="rect">
-            <a:avLst/>
-          </a:prstGeom>
-          <a:solidFill>
-            <a:schemeClr val="bg1">
-              <a:lumMod val="85000"/>
-            </a:schemeClr>
-          </a:solidFill>
-          <a:ln>
-            <a:solidFill>
-              <a:schemeClr val="tx1"/>
-            </a:solidFill>
-          </a:ln>
-        </p:spPr>
-        <p:style>
-          <a:lnRef idx="2">
-            <a:schemeClr val="accent1">
-              <a:shade val="50000"/>
-            </a:schemeClr>
-          </a:lnRef>
-          <a:fillRef idx="1">
-            <a:schemeClr val="accent1"/>
-          </a:fillRef>
-          <a:effectRef idx="0">
-            <a:schemeClr val="accent1"/>
-          </a:effectRef>
-          <a:fontRef idx="minor">
-            <a:schemeClr val="lt1"/>
-          </a:fontRef>
-        </p:style>
-        <p:txBody>
-          <a:bodyPr rtlCol="0" anchor="ctr"/>
-          <a:lstStyle/>
-          <a:p>
-            <a:pPr algn="ctr"/>
-            <a:r>
-              <a:rPr lang="es-GT" dirty="0">
-                <a:solidFill>
-                  <a:schemeClr val="tx1"/>
-                </a:solidFill>
-                <a:latin typeface="Arial" panose="020B0604020202020204" pitchFamily="34" charset="0"/>
-                <a:cs typeface="Arial" panose="020B0604020202020204" pitchFamily="34" charset="0"/>
-              </a:rPr>
-              <a:t>Yes</a:t>
-            </a:r>
-          </a:p>
-        </p:txBody>
-      </p:sp>
-      <p:sp>
-        <p:nvSpPr>
-          <p:cNvPr id="27" name="Rectángulo 5">
-            <a:extLst>
-              <a:ext uri="{FF2B5EF4-FFF2-40B4-BE49-F238E27FC236}">
-                <a16:creationId xmlns:a16="http://schemas.microsoft.com/office/drawing/2014/main" id="{F3D425EF-ED8C-4359-811A-1F79035681D6}"/>
-              </a:ext>
-            </a:extLst>
-          </p:cNvPr>
-          <p:cNvSpPr/>
-          <p:nvPr/>
-        </p:nvSpPr>
-        <p:spPr>
-          <a:xfrm>
-            <a:off x="351935" y="6281225"/>
-            <a:ext cx="1471245" cy="481874"/>
-          </a:xfrm>
-          <a:prstGeom prst="rect">
-            <a:avLst/>
-          </a:prstGeom>
-          <a:solidFill>
-            <a:schemeClr val="bg1">
-              <a:lumMod val="85000"/>
-            </a:schemeClr>
-          </a:solidFill>
-          <a:ln>
-            <a:solidFill>
-              <a:schemeClr val="tx1"/>
-            </a:solidFill>
-          </a:ln>
-        </p:spPr>
-        <p:style>
-          <a:lnRef idx="2">
-            <a:schemeClr val="accent1">
-              <a:shade val="50000"/>
-            </a:schemeClr>
-          </a:lnRef>
-          <a:fillRef idx="1">
-            <a:schemeClr val="accent1"/>
-          </a:fillRef>
-          <a:effectRef idx="0">
-            <a:schemeClr val="accent1"/>
-          </a:effectRef>
-          <a:fontRef idx="minor">
-            <a:schemeClr val="lt1"/>
-          </a:fontRef>
-        </p:style>
-        <p:txBody>
-          <a:bodyPr rtlCol="0" anchor="ctr"/>
-          <a:lstStyle/>
-          <a:p>
-            <a:pPr algn="ctr"/>
-            <a:r>
-              <a:rPr lang="es-GT" dirty="0">
-                <a:solidFill>
-                  <a:schemeClr val="tx1"/>
-                </a:solidFill>
-                <a:latin typeface="Arial" panose="020B0604020202020204" pitchFamily="34" charset="0"/>
-                <a:cs typeface="Arial" panose="020B0604020202020204" pitchFamily="34" charset="0"/>
-              </a:rPr>
-              <a:t>Back</a:t>
-            </a:r>
-          </a:p>
-        </p:txBody>
-      </p:sp>
-      <p:grpSp>
-        <p:nvGrpSpPr>
-          <p:cNvPr id="21" name="Group 20">
-            <a:extLst>
-              <a:ext uri="{FF2B5EF4-FFF2-40B4-BE49-F238E27FC236}">
-                <a16:creationId xmlns:a16="http://schemas.microsoft.com/office/drawing/2014/main" id="{600A7603-7011-4FCC-91DF-B78FFBB008AE}"/>
-              </a:ext>
-            </a:extLst>
-          </p:cNvPr>
-          <p:cNvGrpSpPr/>
-          <p:nvPr/>
-        </p:nvGrpSpPr>
-        <p:grpSpPr>
-          <a:xfrm>
-            <a:off x="1230924" y="576775"/>
-            <a:ext cx="10044332" cy="1229931"/>
-            <a:chOff x="1230924" y="576775"/>
-            <a:chExt cx="10044332" cy="1229931"/>
-          </a:xfrm>
-        </p:grpSpPr>
-        <p:grpSp>
-          <p:nvGrpSpPr>
-            <p:cNvPr id="22" name="Grupo 5">
-              <a:extLst>
-                <a:ext uri="{FF2B5EF4-FFF2-40B4-BE49-F238E27FC236}">
-                  <a16:creationId xmlns:a16="http://schemas.microsoft.com/office/drawing/2014/main" id="{74531C9C-0D8C-4DAD-8AFF-CD424BE3A88F}"/>
-                </a:ext>
-              </a:extLst>
-            </p:cNvPr>
-            <p:cNvGrpSpPr/>
-            <p:nvPr/>
-          </p:nvGrpSpPr>
-          <p:grpSpPr>
-            <a:xfrm>
-              <a:off x="1230924" y="576775"/>
-              <a:ext cx="10044332" cy="1229931"/>
-              <a:chOff x="1230924" y="576775"/>
-              <a:chExt cx="10044332" cy="1229931"/>
-            </a:xfrm>
-          </p:grpSpPr>
-          <p:sp>
-            <p:nvSpPr>
-              <p:cNvPr id="24" name="Rectángulo 1">
-                <a:extLst>
-                  <a:ext uri="{FF2B5EF4-FFF2-40B4-BE49-F238E27FC236}">
-                    <a16:creationId xmlns:a16="http://schemas.microsoft.com/office/drawing/2014/main" id="{28A4BB76-C0F2-4A42-A605-476C6C0C1C47}"/>
-                  </a:ext>
-                </a:extLst>
-              </p:cNvPr>
-              <p:cNvSpPr/>
-              <p:nvPr/>
-            </p:nvSpPr>
-            <p:spPr>
-              <a:xfrm>
-                <a:off x="1230924" y="576775"/>
-                <a:ext cx="10044332" cy="1181686"/>
-              </a:xfrm>
-              <a:prstGeom prst="rect">
-                <a:avLst/>
-              </a:prstGeom>
-              <a:solidFill>
-                <a:srgbClr val="0C8AAC"/>
-              </a:solidFill>
-            </p:spPr>
-            <p:style>
-              <a:lnRef idx="2">
-                <a:schemeClr val="accent1">
-                  <a:shade val="50000"/>
-                </a:schemeClr>
-              </a:lnRef>
-              <a:fillRef idx="1">
-                <a:schemeClr val="accent1"/>
-              </a:fillRef>
-              <a:effectRef idx="0">
-                <a:schemeClr val="accent1"/>
-              </a:effectRef>
-              <a:fontRef idx="minor">
-                <a:schemeClr val="lt1"/>
-              </a:fontRef>
-            </p:style>
-            <p:txBody>
-              <a:bodyPr rtlCol="0" anchor="ctr"/>
-              <a:lstStyle/>
-              <a:p>
-                <a:pPr algn="ctr"/>
-                <a:endParaRPr lang="es-GT" dirty="0">
-                  <a:ln>
-                    <a:solidFill>
-                      <a:schemeClr val="bg1"/>
-                    </a:solidFill>
-                  </a:ln>
-                </a:endParaRPr>
-              </a:p>
-            </p:txBody>
-          </p:sp>
-          <p:sp>
-            <p:nvSpPr>
-              <p:cNvPr id="28" name="CuadroTexto 3">
-                <a:extLst>
-                  <a:ext uri="{FF2B5EF4-FFF2-40B4-BE49-F238E27FC236}">
-                    <a16:creationId xmlns:a16="http://schemas.microsoft.com/office/drawing/2014/main" id="{74E9B0D0-1B4F-4677-9680-B3FCEA3A7A37}"/>
-                  </a:ext>
-                </a:extLst>
-              </p:cNvPr>
-              <p:cNvSpPr txBox="1"/>
-              <p:nvPr/>
-            </p:nvSpPr>
-            <p:spPr>
-              <a:xfrm>
-                <a:off x="1441939" y="597240"/>
-                <a:ext cx="2052375" cy="1200329"/>
-              </a:xfrm>
-              <a:prstGeom prst="rect">
-                <a:avLst/>
-              </a:prstGeom>
-              <a:noFill/>
-            </p:spPr>
-            <p:txBody>
-              <a:bodyPr wrap="square" rtlCol="0">
-                <a:spAutoFit/>
-              </a:bodyPr>
-              <a:lstStyle/>
-              <a:p>
-                <a:r>
-                  <a:rPr lang="es-GT" sz="1200" dirty="0" err="1">
-                    <a:solidFill>
-                      <a:schemeClr val="bg1"/>
-                    </a:solidFill>
-                    <a:latin typeface="Arial" panose="020B0604020202020204" pitchFamily="34" charset="0"/>
-                    <a:cs typeface="Arial" panose="020B0604020202020204" pitchFamily="34" charset="0"/>
-                  </a:rPr>
-                  <a:t>Customer</a:t>
-                </a:r>
-                <a:r>
-                  <a:rPr lang="es-GT" sz="1200" dirty="0">
-                    <a:solidFill>
-                      <a:schemeClr val="bg1"/>
-                    </a:solidFill>
-                    <a:latin typeface="Arial" panose="020B0604020202020204" pitchFamily="34" charset="0"/>
-                    <a:cs typeface="Arial" panose="020B0604020202020204" pitchFamily="34" charset="0"/>
-                  </a:rPr>
-                  <a:t> </a:t>
-                </a:r>
-                <a:r>
-                  <a:rPr lang="es-GT" sz="1200" dirty="0" err="1">
-                    <a:solidFill>
-                      <a:schemeClr val="bg1"/>
-                    </a:solidFill>
-                    <a:latin typeface="Arial" panose="020B0604020202020204" pitchFamily="34" charset="0"/>
-                    <a:cs typeface="Arial" panose="020B0604020202020204" pitchFamily="34" charset="0"/>
-                  </a:rPr>
-                  <a:t>Name</a:t>
-                </a:r>
-                <a:r>
-                  <a:rPr lang="es-GT" sz="1200" dirty="0">
-                    <a:solidFill>
-                      <a:schemeClr val="bg1"/>
-                    </a:solidFill>
-                    <a:latin typeface="Arial" panose="020B0604020202020204" pitchFamily="34" charset="0"/>
-                    <a:cs typeface="Arial" panose="020B0604020202020204" pitchFamily="34" charset="0"/>
-                  </a:rPr>
-                  <a:t>:</a:t>
-                </a:r>
-              </a:p>
-              <a:p>
-                <a:r>
-                  <a:rPr lang="es-GT" sz="1200" dirty="0" err="1">
-                    <a:solidFill>
-                      <a:schemeClr val="bg1"/>
-                    </a:solidFill>
-                    <a:latin typeface="Arial" panose="020B0604020202020204" pitchFamily="34" charset="0"/>
-                    <a:cs typeface="Arial" panose="020B0604020202020204" pitchFamily="34" charset="0"/>
-                  </a:rPr>
-                  <a:t>Issue</a:t>
-                </a:r>
-                <a:r>
-                  <a:rPr lang="es-GT" sz="1200" dirty="0">
-                    <a:solidFill>
-                      <a:schemeClr val="bg1"/>
-                    </a:solidFill>
-                    <a:latin typeface="Arial" panose="020B0604020202020204" pitchFamily="34" charset="0"/>
-                    <a:cs typeface="Arial" panose="020B0604020202020204" pitchFamily="34" charset="0"/>
-                  </a:rPr>
-                  <a:t> </a:t>
-                </a:r>
-                <a:r>
-                  <a:rPr lang="es-GT" sz="1200" dirty="0" err="1">
-                    <a:solidFill>
-                      <a:schemeClr val="bg1"/>
-                    </a:solidFill>
-                    <a:latin typeface="Arial" panose="020B0604020202020204" pitchFamily="34" charset="0"/>
-                    <a:cs typeface="Arial" panose="020B0604020202020204" pitchFamily="34" charset="0"/>
-                  </a:rPr>
-                  <a:t>Number</a:t>
-                </a:r>
-                <a:r>
-                  <a:rPr lang="es-GT" sz="1200" dirty="0">
-                    <a:solidFill>
-                      <a:schemeClr val="bg1"/>
-                    </a:solidFill>
-                    <a:latin typeface="Arial" panose="020B0604020202020204" pitchFamily="34" charset="0"/>
-                    <a:cs typeface="Arial" panose="020B0604020202020204" pitchFamily="34" charset="0"/>
-                  </a:rPr>
-                  <a:t>:</a:t>
-                </a:r>
-              </a:p>
-              <a:p>
-                <a:r>
-                  <a:rPr lang="es-GT" sz="1200" dirty="0" err="1">
-                    <a:solidFill>
-                      <a:schemeClr val="bg1"/>
-                    </a:solidFill>
-                    <a:latin typeface="Arial" panose="020B0604020202020204" pitchFamily="34" charset="0"/>
-                    <a:cs typeface="Arial" panose="020B0604020202020204" pitchFamily="34" charset="0"/>
-                  </a:rPr>
-                  <a:t>Resi</a:t>
-                </a:r>
-                <a:r>
-                  <a:rPr lang="es-GT" sz="1200" dirty="0">
-                    <a:solidFill>
-                      <a:schemeClr val="bg1"/>
-                    </a:solidFill>
-                    <a:latin typeface="Arial" panose="020B0604020202020204" pitchFamily="34" charset="0"/>
-                    <a:cs typeface="Arial" panose="020B0604020202020204" pitchFamily="34" charset="0"/>
-                  </a:rPr>
-                  <a:t> </a:t>
-                </a:r>
-                <a:r>
-                  <a:rPr lang="es-GT" sz="1200" dirty="0" err="1">
-                    <a:solidFill>
-                      <a:schemeClr val="bg1"/>
-                    </a:solidFill>
-                    <a:latin typeface="Arial" panose="020B0604020202020204" pitchFamily="34" charset="0"/>
-                    <a:cs typeface="Arial" panose="020B0604020202020204" pitchFamily="34" charset="0"/>
-                  </a:rPr>
-                  <a:t>or</a:t>
-                </a:r>
-                <a:r>
-                  <a:rPr lang="es-GT" sz="1200" dirty="0">
-                    <a:solidFill>
-                      <a:schemeClr val="bg1"/>
-                    </a:solidFill>
-                    <a:latin typeface="Arial" panose="020B0604020202020204" pitchFamily="34" charset="0"/>
-                    <a:cs typeface="Arial" panose="020B0604020202020204" pitchFamily="34" charset="0"/>
-                  </a:rPr>
-                  <a:t> </a:t>
-                </a:r>
-                <a:r>
-                  <a:rPr lang="es-GT" sz="1200" dirty="0" err="1">
-                    <a:solidFill>
-                      <a:schemeClr val="bg1"/>
-                    </a:solidFill>
-                    <a:latin typeface="Arial" panose="020B0604020202020204" pitchFamily="34" charset="0"/>
-                    <a:cs typeface="Arial" panose="020B0604020202020204" pitchFamily="34" charset="0"/>
-                  </a:rPr>
-                  <a:t>Comm</a:t>
-                </a:r>
-                <a:r>
-                  <a:rPr lang="es-GT" sz="1200" dirty="0">
-                    <a:solidFill>
-                      <a:schemeClr val="bg1"/>
-                    </a:solidFill>
-                    <a:latin typeface="Arial" panose="020B0604020202020204" pitchFamily="34" charset="0"/>
-                    <a:cs typeface="Arial" panose="020B0604020202020204" pitchFamily="34" charset="0"/>
-                  </a:rPr>
-                  <a:t>:</a:t>
-                </a:r>
-              </a:p>
-              <a:p>
-                <a:r>
-                  <a:rPr lang="es-GT" sz="1200" dirty="0" err="1">
-                    <a:solidFill>
-                      <a:schemeClr val="bg1"/>
-                    </a:solidFill>
-                    <a:latin typeface="Arial" panose="020B0604020202020204" pitchFamily="34" charset="0"/>
-                    <a:cs typeface="Arial" panose="020B0604020202020204" pitchFamily="34" charset="0"/>
-                  </a:rPr>
-                  <a:t>State</a:t>
-                </a:r>
-                <a:r>
-                  <a:rPr lang="es-GT" sz="1200" dirty="0">
-                    <a:solidFill>
-                      <a:schemeClr val="bg1"/>
-                    </a:solidFill>
-                    <a:latin typeface="Arial" panose="020B0604020202020204" pitchFamily="34" charset="0"/>
-                    <a:cs typeface="Arial" panose="020B0604020202020204" pitchFamily="34" charset="0"/>
-                  </a:rPr>
-                  <a:t>:</a:t>
-                </a:r>
-              </a:p>
-              <a:p>
-                <a:r>
-                  <a:rPr lang="es-GT" sz="1200" dirty="0" err="1">
-                    <a:solidFill>
-                      <a:schemeClr val="bg1"/>
-                    </a:solidFill>
-                    <a:latin typeface="Arial" panose="020B0604020202020204" pitchFamily="34" charset="0"/>
-                    <a:cs typeface="Arial" panose="020B0604020202020204" pitchFamily="34" charset="0"/>
-                  </a:rPr>
-                  <a:t>Utility</a:t>
-                </a:r>
-                <a:r>
-                  <a:rPr lang="es-GT" sz="1200" dirty="0">
-                    <a:solidFill>
-                      <a:schemeClr val="bg1"/>
-                    </a:solidFill>
-                    <a:latin typeface="Arial" panose="020B0604020202020204" pitchFamily="34" charset="0"/>
-                    <a:cs typeface="Arial" panose="020B0604020202020204" pitchFamily="34" charset="0"/>
-                  </a:rPr>
-                  <a:t>:</a:t>
-                </a:r>
-              </a:p>
-              <a:p>
-                <a:r>
-                  <a:rPr lang="es-GT" sz="1200" dirty="0">
-                    <a:solidFill>
-                      <a:schemeClr val="bg1"/>
-                    </a:solidFill>
-                    <a:latin typeface="Arial" panose="020B0604020202020204" pitchFamily="34" charset="0"/>
-                    <a:cs typeface="Arial" panose="020B0604020202020204" pitchFamily="34" charset="0"/>
-                  </a:rPr>
-                  <a:t>Brand:</a:t>
-                </a:r>
-              </a:p>
-            </p:txBody>
-          </p:sp>
-          <p:sp>
-            <p:nvSpPr>
-              <p:cNvPr id="29" name="CuadroTexto 4">
-                <a:extLst>
-                  <a:ext uri="{FF2B5EF4-FFF2-40B4-BE49-F238E27FC236}">
-                    <a16:creationId xmlns:a16="http://schemas.microsoft.com/office/drawing/2014/main" id="{2F5FABEA-C818-474F-AC9F-BD0C17C983D7}"/>
-                  </a:ext>
-                </a:extLst>
-              </p:cNvPr>
-              <p:cNvSpPr txBox="1"/>
-              <p:nvPr/>
-            </p:nvSpPr>
-            <p:spPr>
-              <a:xfrm>
-                <a:off x="5260399" y="606377"/>
-                <a:ext cx="1548614" cy="1200329"/>
-              </a:xfrm>
-              <a:prstGeom prst="rect">
-                <a:avLst/>
-              </a:prstGeom>
-              <a:noFill/>
-            </p:spPr>
-            <p:txBody>
-              <a:bodyPr wrap="square" rtlCol="0">
-                <a:spAutoFit/>
-              </a:bodyPr>
-              <a:lstStyle/>
-              <a:p>
-                <a:r>
-                  <a:rPr lang="es-GT" sz="1200" dirty="0" err="1">
-                    <a:solidFill>
-                      <a:schemeClr val="bg1"/>
-                    </a:solidFill>
-                    <a:latin typeface="Arial" panose="020B0604020202020204" pitchFamily="34" charset="0"/>
-                    <a:cs typeface="Arial" panose="020B0604020202020204" pitchFamily="34" charset="0"/>
-                  </a:rPr>
-                  <a:t>Drop</a:t>
-                </a:r>
-                <a:r>
-                  <a:rPr lang="es-GT" sz="1200" dirty="0">
-                    <a:solidFill>
-                      <a:schemeClr val="bg1"/>
-                    </a:solidFill>
-                    <a:latin typeface="Arial" panose="020B0604020202020204" pitchFamily="34" charset="0"/>
-                    <a:cs typeface="Arial" panose="020B0604020202020204" pitchFamily="34" charset="0"/>
-                  </a:rPr>
-                  <a:t> Reason:</a:t>
-                </a:r>
-              </a:p>
-              <a:p>
-                <a:r>
-                  <a:rPr lang="es-GT" sz="1200" dirty="0" err="1">
-                    <a:solidFill>
-                      <a:schemeClr val="bg1"/>
-                    </a:solidFill>
-                    <a:latin typeface="Arial" panose="020B0604020202020204" pitchFamily="34" charset="0"/>
-                    <a:cs typeface="Arial" panose="020B0604020202020204" pitchFamily="34" charset="0"/>
-                  </a:rPr>
-                  <a:t>Utility</a:t>
-                </a:r>
-                <a:r>
-                  <a:rPr lang="es-GT" sz="1200" dirty="0">
-                    <a:solidFill>
-                      <a:schemeClr val="bg1"/>
-                    </a:solidFill>
-                    <a:latin typeface="Arial" panose="020B0604020202020204" pitchFamily="34" charset="0"/>
-                    <a:cs typeface="Arial" panose="020B0604020202020204" pitchFamily="34" charset="0"/>
-                  </a:rPr>
-                  <a:t> </a:t>
-                </a:r>
-                <a:r>
-                  <a:rPr lang="es-GT" sz="1200" dirty="0" err="1">
-                    <a:solidFill>
-                      <a:schemeClr val="bg1"/>
-                    </a:solidFill>
-                    <a:latin typeface="Arial" panose="020B0604020202020204" pitchFamily="34" charset="0"/>
-                    <a:cs typeface="Arial" panose="020B0604020202020204" pitchFamily="34" charset="0"/>
-                  </a:rPr>
-                  <a:t>Acct</a:t>
-                </a:r>
-                <a:r>
-                  <a:rPr lang="es-GT" sz="1200" dirty="0">
-                    <a:solidFill>
-                      <a:schemeClr val="bg1"/>
-                    </a:solidFill>
-                    <a:latin typeface="Arial" panose="020B0604020202020204" pitchFamily="34" charset="0"/>
-                    <a:cs typeface="Arial" panose="020B0604020202020204" pitchFamily="34" charset="0"/>
-                  </a:rPr>
-                  <a:t> No.:</a:t>
-                </a:r>
-              </a:p>
-              <a:p>
-                <a:r>
-                  <a:rPr lang="es-GT" sz="1200" dirty="0" err="1">
-                    <a:solidFill>
-                      <a:schemeClr val="bg1"/>
-                    </a:solidFill>
-                    <a:latin typeface="Arial" panose="020B0604020202020204" pitchFamily="34" charset="0"/>
-                    <a:cs typeface="Arial" panose="020B0604020202020204" pitchFamily="34" charset="0"/>
-                  </a:rPr>
-                  <a:t>Drop</a:t>
-                </a:r>
-                <a:r>
-                  <a:rPr lang="es-GT" sz="1200" dirty="0">
-                    <a:solidFill>
-                      <a:schemeClr val="bg1"/>
-                    </a:solidFill>
-                    <a:latin typeface="Arial" panose="020B0604020202020204" pitchFamily="34" charset="0"/>
-                    <a:cs typeface="Arial" panose="020B0604020202020204" pitchFamily="34" charset="0"/>
-                  </a:rPr>
-                  <a:t> Date:</a:t>
-                </a:r>
-              </a:p>
-              <a:p>
-                <a:r>
-                  <a:rPr lang="es-GT" sz="1200" dirty="0" err="1">
-                    <a:solidFill>
-                      <a:schemeClr val="bg1"/>
-                    </a:solidFill>
-                    <a:latin typeface="Arial" panose="020B0604020202020204" pitchFamily="34" charset="0"/>
-                    <a:cs typeface="Arial" panose="020B0604020202020204" pitchFamily="34" charset="0"/>
-                  </a:rPr>
-                  <a:t>Campaign</a:t>
-                </a:r>
-                <a:r>
-                  <a:rPr lang="es-GT" sz="1200" dirty="0">
-                    <a:solidFill>
-                      <a:schemeClr val="bg1"/>
-                    </a:solidFill>
-                    <a:latin typeface="Arial" panose="020B0604020202020204" pitchFamily="34" charset="0"/>
-                    <a:cs typeface="Arial" panose="020B0604020202020204" pitchFamily="34" charset="0"/>
-                  </a:rPr>
-                  <a:t>:</a:t>
-                </a:r>
-              </a:p>
-              <a:p>
-                <a:r>
-                  <a:rPr lang="es-GT" sz="1200" dirty="0" err="1">
-                    <a:solidFill>
-                      <a:schemeClr val="bg1"/>
-                    </a:solidFill>
-                    <a:latin typeface="Arial" panose="020B0604020202020204" pitchFamily="34" charset="0"/>
-                    <a:cs typeface="Arial" panose="020B0604020202020204" pitchFamily="34" charset="0"/>
-                  </a:rPr>
-                  <a:t>Row</a:t>
-                </a:r>
-                <a:r>
-                  <a:rPr lang="es-GT" sz="1200" dirty="0">
-                    <a:solidFill>
-                      <a:schemeClr val="bg1"/>
-                    </a:solidFill>
-                    <a:latin typeface="Arial" panose="020B0604020202020204" pitchFamily="34" charset="0"/>
-                    <a:cs typeface="Arial" panose="020B0604020202020204" pitchFamily="34" charset="0"/>
-                  </a:rPr>
-                  <a:t> ID:</a:t>
-                </a:r>
-              </a:p>
-              <a:p>
-                <a:r>
-                  <a:rPr lang="es-GT" sz="1200" dirty="0" err="1">
-                    <a:solidFill>
-                      <a:schemeClr val="bg1"/>
-                    </a:solidFill>
-                    <a:latin typeface="Arial" panose="020B0604020202020204" pitchFamily="34" charset="0"/>
-                    <a:cs typeface="Arial" panose="020B0604020202020204" pitchFamily="34" charset="0"/>
-                  </a:rPr>
-                  <a:t>Commodity</a:t>
-                </a:r>
-                <a:r>
-                  <a:rPr lang="es-GT" sz="1200" dirty="0">
-                    <a:solidFill>
-                      <a:schemeClr val="bg1"/>
-                    </a:solidFill>
-                    <a:latin typeface="Arial" panose="020B0604020202020204" pitchFamily="34" charset="0"/>
-                    <a:cs typeface="Arial" panose="020B0604020202020204" pitchFamily="34" charset="0"/>
-                  </a:rPr>
-                  <a:t>:</a:t>
-                </a:r>
-              </a:p>
-            </p:txBody>
-          </p:sp>
-          <p:sp>
-            <p:nvSpPr>
-              <p:cNvPr id="30" name="CuadroTexto 12">
-                <a:extLst>
-                  <a:ext uri="{FF2B5EF4-FFF2-40B4-BE49-F238E27FC236}">
-                    <a16:creationId xmlns:a16="http://schemas.microsoft.com/office/drawing/2014/main" id="{FBC9BA5B-503A-426D-98C6-E0A4D8A9600B}"/>
-                  </a:ext>
-                </a:extLst>
-              </p:cNvPr>
-              <p:cNvSpPr txBox="1"/>
-              <p:nvPr/>
-            </p:nvSpPr>
-            <p:spPr>
-              <a:xfrm>
-                <a:off x="9808343" y="1423846"/>
-                <a:ext cx="1359877" cy="369332"/>
-              </a:xfrm>
-              <a:prstGeom prst="rect">
-                <a:avLst/>
-              </a:prstGeom>
-              <a:noFill/>
-            </p:spPr>
-            <p:txBody>
-              <a:bodyPr wrap="square" rtlCol="0">
-                <a:spAutoFit/>
-              </a:bodyPr>
-              <a:lstStyle/>
-              <a:p>
-                <a:pPr algn="ctr"/>
-                <a:r>
-                  <a:rPr lang="es-GT" i="1" dirty="0">
-                    <a:solidFill>
-                      <a:schemeClr val="bg1"/>
-                    </a:solidFill>
-                    <a:latin typeface="Arial" panose="020B0604020202020204" pitchFamily="34" charset="0"/>
-                    <a:cs typeface="Arial" panose="020B0604020202020204" pitchFamily="34" charset="0"/>
-                  </a:rPr>
-                  <a:t>Lead </a:t>
-                </a:r>
-                <a:r>
-                  <a:rPr lang="es-GT" i="1" dirty="0" err="1">
-                    <a:solidFill>
-                      <a:schemeClr val="bg1"/>
-                    </a:solidFill>
-                    <a:latin typeface="Arial" panose="020B0604020202020204" pitchFamily="34" charset="0"/>
-                    <a:cs typeface="Arial" panose="020B0604020202020204" pitchFamily="34" charset="0"/>
-                  </a:rPr>
-                  <a:t>Type</a:t>
-                </a:r>
-                <a:endParaRPr lang="es-GT" i="1" dirty="0">
-                  <a:solidFill>
-                    <a:schemeClr val="bg1"/>
-                  </a:solidFill>
-                  <a:latin typeface="Arial" panose="020B0604020202020204" pitchFamily="34" charset="0"/>
-                  <a:cs typeface="Arial" panose="020B0604020202020204" pitchFamily="34" charset="0"/>
-                </a:endParaRPr>
-              </a:p>
-            </p:txBody>
-          </p:sp>
-        </p:grpSp>
-        <p:pic>
-          <p:nvPicPr>
-            <p:cNvPr id="23" name="Picture 22" descr="A picture containing clipart&#10;&#10;Description automatically generated">
-              <a:extLst>
-                <a:ext uri="{FF2B5EF4-FFF2-40B4-BE49-F238E27FC236}">
-                  <a16:creationId xmlns:a16="http://schemas.microsoft.com/office/drawing/2014/main" id="{7CA75E60-E8F3-48FD-83DE-72BB79E3FCD0}"/>
-                </a:ext>
-              </a:extLst>
-            </p:cNvPr>
-            <p:cNvPicPr>
-              <a:picLocks noChangeAspect="1"/>
-            </p:cNvPicPr>
-            <p:nvPr/>
-          </p:nvPicPr>
-          <p:blipFill>
-            <a:blip r:embed="rId3">
-              <a:extLst>
-                <a:ext uri="{28A0092B-C50C-407E-A947-70E740481C1C}">
-                  <a14:useLocalDpi xmlns:a14="http://schemas.microsoft.com/office/drawing/2010/main" val="0"/>
-                </a:ext>
-              </a:extLst>
-            </a:blip>
-            <a:stretch>
-              <a:fillRect/>
-            </a:stretch>
-          </p:blipFill>
-          <p:spPr>
-            <a:xfrm>
-              <a:off x="9562679" y="581121"/>
-              <a:ext cx="1712577" cy="897064"/>
-            </a:xfrm>
-            <a:prstGeom prst="rect">
-              <a:avLst/>
-            </a:prstGeom>
-          </p:spPr>
-        </p:pic>
-      </p:grpSp>
-      <p:sp>
-        <p:nvSpPr>
-          <p:cNvPr id="14" name="Title 1">
-            <a:extLst>
-              <a:ext uri="{FF2B5EF4-FFF2-40B4-BE49-F238E27FC236}">
-                <a16:creationId xmlns:a16="http://schemas.microsoft.com/office/drawing/2014/main" id="{43E26D98-ABEA-4CBC-9C1C-DF2342532723}"/>
-              </a:ext>
-            </a:extLst>
-          </p:cNvPr>
-          <p:cNvSpPr>
-            <a:spLocks noGrp="1"/>
-          </p:cNvSpPr>
-          <p:nvPr>
-            <p:ph type="title"/>
-          </p:nvPr>
-        </p:nvSpPr>
-        <p:spPr>
-          <a:xfrm>
-            <a:off x="445476" y="18999"/>
-            <a:ext cx="10515600" cy="592064"/>
-          </a:xfrm>
-        </p:spPr>
-        <p:txBody>
-          <a:bodyPr>
-            <a:normAutofit/>
-          </a:bodyPr>
-          <a:lstStyle/>
-          <a:p>
-            <a:pPr algn="ctr"/>
-            <a:r>
-              <a:rPr lang="it-IT" sz="3200" b="1" dirty="0"/>
-              <a:t>Additional Sale Confirmation - Ohio Cincinatti </a:t>
-            </a:r>
-          </a:p>
-        </p:txBody>
-      </p:sp>
-    </p:spTree>
-    <p:extLst>
-      <p:ext uri="{BB962C8B-B14F-4D97-AF65-F5344CB8AC3E}">
-        <p14:creationId xmlns:p14="http://schemas.microsoft.com/office/powerpoint/2010/main" val="1532602696"/>
-      </p:ext>
-    </p:extLst>
-  </p:cSld>
-  <p:clrMapOvr>
-    <a:masterClrMapping/>
-  </p:clrMapOvr>
-</p:sld>
-</file>
-
-<file path=ppt/slides/slide11.xml><?xml version="1.0" encoding="utf-8"?>
-<p:sld xmlns:a="http://schemas.openxmlformats.org/drawingml/2006/main" xmlns:r="http://schemas.openxmlformats.org/officeDocument/2006/relationships" xmlns:p="http://schemas.openxmlformats.org/presentationml/2006/main">
-  <p:cSld>
-    <p:spTree>
-      <p:nvGrpSpPr>
-        <p:cNvPr id="1" name=""/>
-        <p:cNvGrpSpPr/>
-        <p:nvPr/>
-      </p:nvGrpSpPr>
-      <p:grpSpPr>
-        <a:xfrm>
-          <a:off x="0" y="0"/>
-          <a:ext cx="0" cy="0"/>
-          <a:chOff x="0" y="0"/>
-          <a:chExt cx="0" cy="0"/>
-        </a:xfrm>
-      </p:grpSpPr>
-      <p:sp>
-        <p:nvSpPr>
-          <p:cNvPr id="8" name="CuadroTexto 7">
-            <a:extLst>
-              <a:ext uri="{FF2B5EF4-FFF2-40B4-BE49-F238E27FC236}">
-                <a16:creationId xmlns:a16="http://schemas.microsoft.com/office/drawing/2014/main" id="{CE8A0B2B-D62B-44EA-9906-7AAEFA902B65}"/>
-              </a:ext>
-            </a:extLst>
-          </p:cNvPr>
-          <p:cNvSpPr txBox="1"/>
-          <p:nvPr/>
-        </p:nvSpPr>
-        <p:spPr>
-          <a:xfrm>
-            <a:off x="348175" y="1966325"/>
-            <a:ext cx="11495650" cy="2308324"/>
-          </a:xfrm>
-          <a:prstGeom prst="rect">
-            <a:avLst/>
-          </a:prstGeom>
-          <a:noFill/>
-          <a:ln>
-            <a:solidFill>
-              <a:schemeClr val="tx1"/>
-            </a:solidFill>
-          </a:ln>
-        </p:spPr>
-        <p:txBody>
-          <a:bodyPr wrap="square" rtlCol="0">
-            <a:spAutoFit/>
-          </a:bodyPr>
-          <a:lstStyle/>
-          <a:p>
-            <a:r>
-              <a:rPr lang="en-US" dirty="0">
-                <a:solidFill>
-                  <a:srgbClr val="00B0F0"/>
-                </a:solidFill>
-                <a:latin typeface="Arial" panose="020B0604020202020204" pitchFamily="34" charset="0"/>
-                <a:cs typeface="Arial" panose="020B0604020202020204" pitchFamily="34" charset="0"/>
-              </a:rPr>
-              <a:t>Do you have a pen handy? Please write this on your bill: Todays date and time is &lt;Current Date&gt;/&lt;Current Time&gt;.  My name [Agent Name] is (Give your first and last name) and you can reach me, toll free, at </a:t>
-            </a:r>
-            <a:r>
-              <a:rPr lang="en-US" dirty="0">
-                <a:solidFill>
-                  <a:srgbClr val="00B0F0"/>
-                </a:solidFill>
-                <a:highlight>
-                  <a:srgbClr val="FFFF00"/>
-                </a:highlight>
-                <a:latin typeface="Arial" panose="020B0604020202020204" pitchFamily="34" charset="0"/>
-                <a:cs typeface="Arial" panose="020B0604020202020204" pitchFamily="34" charset="0"/>
-              </a:rPr>
-              <a:t>[CID Number]</a:t>
-            </a:r>
-            <a:r>
-              <a:rPr lang="en-US" dirty="0">
-                <a:solidFill>
-                  <a:srgbClr val="00B0F0"/>
-                </a:solidFill>
-                <a:latin typeface="Arial" panose="020B0604020202020204" pitchFamily="34" charset="0"/>
-                <a:cs typeface="Arial" panose="020B0604020202020204" pitchFamily="34" charset="0"/>
-              </a:rPr>
-              <a:t> </a:t>
-            </a:r>
-            <a:r>
-              <a:rPr lang="en-US" dirty="0">
-                <a:latin typeface="Arial" panose="020B0604020202020204" pitchFamily="34" charset="0"/>
-                <a:cs typeface="Arial" panose="020B0604020202020204" pitchFamily="34" charset="0"/>
-              </a:rPr>
-              <a:t>if you have any questions. Also write down our website, https://www.cincinnatibell.com/shop-cincinnati-bell/energy and visit it to learn more about our company and the energy efficient products we offer online. </a:t>
-            </a:r>
-          </a:p>
-          <a:p>
-            <a:endParaRPr lang="en-US" dirty="0">
-              <a:latin typeface="Arial" panose="020B0604020202020204" pitchFamily="34" charset="0"/>
-              <a:cs typeface="Arial" panose="020B0604020202020204" pitchFamily="34" charset="0"/>
-            </a:endParaRPr>
-          </a:p>
-          <a:p>
-            <a:r>
-              <a:rPr lang="en-US" dirty="0">
-                <a:solidFill>
-                  <a:srgbClr val="00B0F0"/>
-                </a:solidFill>
-                <a:latin typeface="Arial" panose="020B0604020202020204" pitchFamily="34" charset="0"/>
-                <a:cs typeface="Arial" panose="020B0604020202020204" pitchFamily="34" charset="0"/>
-              </a:rPr>
-              <a:t>Lastly, write down Cincinnati Bell Energy. We will be supplying all the energy for your account(s). Just remember that with this program; you understand that you’re enrolling with Cincinnati Bell Energy, a licensed supplier in the State of Ohio, to receive our rates, OK? </a:t>
-            </a:r>
-          </a:p>
-        </p:txBody>
-      </p:sp>
-      <p:sp>
-        <p:nvSpPr>
-          <p:cNvPr id="6" name="Rectángulo 5">
-            <a:extLst>
-              <a:ext uri="{FF2B5EF4-FFF2-40B4-BE49-F238E27FC236}">
-                <a16:creationId xmlns:a16="http://schemas.microsoft.com/office/drawing/2014/main" id="{3C511622-D2E1-4618-BA19-CD13882A5BE1}"/>
-              </a:ext>
-            </a:extLst>
-          </p:cNvPr>
-          <p:cNvSpPr/>
-          <p:nvPr/>
-        </p:nvSpPr>
-        <p:spPr>
-          <a:xfrm>
-            <a:off x="181688" y="6246401"/>
-            <a:ext cx="1471245" cy="481874"/>
-          </a:xfrm>
-          <a:prstGeom prst="rect">
-            <a:avLst/>
-          </a:prstGeom>
-          <a:solidFill>
-            <a:schemeClr val="bg1">
-              <a:lumMod val="85000"/>
-            </a:schemeClr>
-          </a:solidFill>
-          <a:ln>
-            <a:solidFill>
-              <a:schemeClr val="tx1"/>
-            </a:solidFill>
-          </a:ln>
-        </p:spPr>
-        <p:style>
-          <a:lnRef idx="2">
-            <a:schemeClr val="accent1">
-              <a:shade val="50000"/>
-            </a:schemeClr>
-          </a:lnRef>
-          <a:fillRef idx="1">
-            <a:schemeClr val="accent1"/>
-          </a:fillRef>
-          <a:effectRef idx="0">
-            <a:schemeClr val="accent1"/>
-          </a:effectRef>
-          <a:fontRef idx="minor">
-            <a:schemeClr val="lt1"/>
-          </a:fontRef>
-        </p:style>
-        <p:txBody>
-          <a:bodyPr rtlCol="0" anchor="ctr"/>
-          <a:lstStyle/>
-          <a:p>
-            <a:pPr algn="ctr"/>
-            <a:r>
-              <a:rPr lang="es-GT">
-                <a:solidFill>
-                  <a:schemeClr val="tx1"/>
-                </a:solidFill>
-                <a:latin typeface="Arial" panose="020B0604020202020204" pitchFamily="34" charset="0"/>
-                <a:cs typeface="Arial" panose="020B0604020202020204" pitchFamily="34" charset="0"/>
-              </a:rPr>
-              <a:t>Transfer</a:t>
-            </a:r>
-          </a:p>
-        </p:txBody>
-      </p:sp>
-      <p:sp>
-        <p:nvSpPr>
-          <p:cNvPr id="14" name="Rectángulo 13">
-            <a:extLst>
-              <a:ext uri="{FF2B5EF4-FFF2-40B4-BE49-F238E27FC236}">
-                <a16:creationId xmlns:a16="http://schemas.microsoft.com/office/drawing/2014/main" id="{500FBC82-A3AC-4646-98D1-51B98E4BEF58}"/>
-              </a:ext>
-            </a:extLst>
-          </p:cNvPr>
-          <p:cNvSpPr/>
-          <p:nvPr/>
-        </p:nvSpPr>
-        <p:spPr>
-          <a:xfrm>
-            <a:off x="1853262" y="6246055"/>
-            <a:ext cx="1471245" cy="481874"/>
-          </a:xfrm>
-          <a:prstGeom prst="rect">
-            <a:avLst/>
-          </a:prstGeom>
-          <a:solidFill>
-            <a:schemeClr val="bg1">
-              <a:lumMod val="85000"/>
-            </a:schemeClr>
-          </a:solidFill>
-          <a:ln>
-            <a:solidFill>
-              <a:schemeClr val="tx1"/>
-            </a:solidFill>
-          </a:ln>
-        </p:spPr>
-        <p:style>
-          <a:lnRef idx="2">
-            <a:schemeClr val="accent1">
-              <a:shade val="50000"/>
-            </a:schemeClr>
-          </a:lnRef>
-          <a:fillRef idx="1">
-            <a:schemeClr val="accent1"/>
-          </a:fillRef>
-          <a:effectRef idx="0">
-            <a:schemeClr val="accent1"/>
-          </a:effectRef>
-          <a:fontRef idx="minor">
-            <a:schemeClr val="lt1"/>
-          </a:fontRef>
-        </p:style>
-        <p:txBody>
-          <a:bodyPr rtlCol="0" anchor="ctr"/>
-          <a:lstStyle/>
-          <a:p>
-            <a:pPr algn="ctr"/>
-            <a:r>
-              <a:rPr lang="es-GT">
-                <a:solidFill>
-                  <a:schemeClr val="tx1"/>
-                </a:solidFill>
-                <a:latin typeface="Arial" panose="020B0604020202020204" pitchFamily="34" charset="0"/>
-                <a:cs typeface="Arial" panose="020B0604020202020204" pitchFamily="34" charset="0"/>
-              </a:rPr>
-              <a:t>DNC </a:t>
-            </a:r>
-            <a:r>
-              <a:rPr lang="es-GT" err="1">
-                <a:solidFill>
-                  <a:schemeClr val="tx1"/>
-                </a:solidFill>
-                <a:latin typeface="Arial" panose="020B0604020202020204" pitchFamily="34" charset="0"/>
-                <a:cs typeface="Arial" panose="020B0604020202020204" pitchFamily="34" charset="0"/>
-              </a:rPr>
-              <a:t>Request</a:t>
-            </a:r>
-            <a:endParaRPr lang="es-GT">
-              <a:solidFill>
-                <a:schemeClr val="tx1"/>
-              </a:solidFill>
-              <a:latin typeface="Arial" panose="020B0604020202020204" pitchFamily="34" charset="0"/>
-              <a:cs typeface="Arial" panose="020B0604020202020204" pitchFamily="34" charset="0"/>
-            </a:endParaRPr>
-          </a:p>
-        </p:txBody>
-      </p:sp>
-      <p:sp>
-        <p:nvSpPr>
-          <p:cNvPr id="18" name="Rectángulo 17">
-            <a:extLst>
-              <a:ext uri="{FF2B5EF4-FFF2-40B4-BE49-F238E27FC236}">
-                <a16:creationId xmlns:a16="http://schemas.microsoft.com/office/drawing/2014/main" id="{B9BFB3A6-0AC2-42EC-8C04-D885D73AF4F5}"/>
-              </a:ext>
-            </a:extLst>
-          </p:cNvPr>
-          <p:cNvSpPr/>
-          <p:nvPr/>
-        </p:nvSpPr>
-        <p:spPr>
-          <a:xfrm>
-            <a:off x="3431347" y="6246055"/>
-            <a:ext cx="1471245" cy="481874"/>
-          </a:xfrm>
-          <a:prstGeom prst="rect">
-            <a:avLst/>
-          </a:prstGeom>
-          <a:solidFill>
-            <a:schemeClr val="bg1">
-              <a:lumMod val="85000"/>
-            </a:schemeClr>
-          </a:solidFill>
-          <a:ln>
-            <a:solidFill>
-              <a:schemeClr val="tx1"/>
-            </a:solidFill>
-          </a:ln>
-        </p:spPr>
-        <p:style>
-          <a:lnRef idx="2">
-            <a:schemeClr val="accent1">
-              <a:shade val="50000"/>
-            </a:schemeClr>
-          </a:lnRef>
-          <a:fillRef idx="1">
-            <a:schemeClr val="accent1"/>
-          </a:fillRef>
-          <a:effectRef idx="0">
-            <a:schemeClr val="accent1"/>
-          </a:effectRef>
-          <a:fontRef idx="minor">
-            <a:schemeClr val="lt1"/>
-          </a:fontRef>
-        </p:style>
-        <p:txBody>
-          <a:bodyPr rtlCol="0" anchor="ctr"/>
-          <a:lstStyle/>
-          <a:p>
-            <a:pPr algn="ctr"/>
-            <a:r>
-              <a:rPr lang="es-GT" err="1">
-                <a:solidFill>
-                  <a:schemeClr val="tx1"/>
-                </a:solidFill>
-                <a:latin typeface="Arial" panose="020B0604020202020204" pitchFamily="34" charset="0"/>
-                <a:cs typeface="Arial" panose="020B0604020202020204" pitchFamily="34" charset="0"/>
-              </a:rPr>
-              <a:t>Call</a:t>
-            </a:r>
-            <a:r>
-              <a:rPr lang="es-GT">
-                <a:solidFill>
-                  <a:schemeClr val="tx1"/>
-                </a:solidFill>
-                <a:latin typeface="Arial" panose="020B0604020202020204" pitchFamily="34" charset="0"/>
-                <a:cs typeface="Arial" panose="020B0604020202020204" pitchFamily="34" charset="0"/>
-              </a:rPr>
-              <a:t> Back</a:t>
-            </a:r>
-          </a:p>
-        </p:txBody>
-      </p:sp>
-      <p:sp>
-        <p:nvSpPr>
-          <p:cNvPr id="22" name="Rectángulo 21">
-            <a:extLst>
-              <a:ext uri="{FF2B5EF4-FFF2-40B4-BE49-F238E27FC236}">
-                <a16:creationId xmlns:a16="http://schemas.microsoft.com/office/drawing/2014/main" id="{DD8F6038-7FEF-4FAD-9C2D-47B8C2BCF7AD}"/>
-              </a:ext>
-            </a:extLst>
-          </p:cNvPr>
-          <p:cNvSpPr/>
-          <p:nvPr/>
-        </p:nvSpPr>
-        <p:spPr>
-          <a:xfrm>
-            <a:off x="10534949" y="6246055"/>
-            <a:ext cx="1471245" cy="481874"/>
-          </a:xfrm>
-          <a:prstGeom prst="rect">
-            <a:avLst/>
-          </a:prstGeom>
-          <a:solidFill>
-            <a:schemeClr val="bg1">
-              <a:lumMod val="85000"/>
-            </a:schemeClr>
-          </a:solidFill>
-          <a:ln>
-            <a:solidFill>
-              <a:schemeClr val="tx1"/>
-            </a:solidFill>
-          </a:ln>
-        </p:spPr>
-        <p:style>
-          <a:lnRef idx="2">
-            <a:schemeClr val="accent1">
-              <a:shade val="50000"/>
-            </a:schemeClr>
-          </a:lnRef>
-          <a:fillRef idx="1">
-            <a:schemeClr val="accent1"/>
-          </a:fillRef>
-          <a:effectRef idx="0">
-            <a:schemeClr val="accent1"/>
-          </a:effectRef>
-          <a:fontRef idx="minor">
-            <a:schemeClr val="lt1"/>
-          </a:fontRef>
-        </p:style>
-        <p:txBody>
-          <a:bodyPr rtlCol="0" anchor="ctr"/>
-          <a:lstStyle/>
-          <a:p>
-            <a:pPr algn="ctr"/>
-            <a:r>
-              <a:rPr lang="es-GT" err="1">
-                <a:solidFill>
-                  <a:schemeClr val="tx1"/>
-                </a:solidFill>
-                <a:latin typeface="Arial" panose="020B0604020202020204" pitchFamily="34" charset="0"/>
-                <a:cs typeface="Arial" panose="020B0604020202020204" pitchFamily="34" charset="0"/>
-              </a:rPr>
-              <a:t>Continue</a:t>
-            </a:r>
-            <a:endParaRPr lang="es-GT">
-              <a:solidFill>
-                <a:schemeClr val="tx1"/>
-              </a:solidFill>
-              <a:latin typeface="Arial" panose="020B0604020202020204" pitchFamily="34" charset="0"/>
-              <a:cs typeface="Arial" panose="020B0604020202020204" pitchFamily="34" charset="0"/>
-            </a:endParaRPr>
-          </a:p>
-        </p:txBody>
-      </p:sp>
-      <p:sp>
-        <p:nvSpPr>
-          <p:cNvPr id="17" name="Rectángulo 5">
-            <a:extLst>
-              <a:ext uri="{FF2B5EF4-FFF2-40B4-BE49-F238E27FC236}">
-                <a16:creationId xmlns:a16="http://schemas.microsoft.com/office/drawing/2014/main" id="{338AA3B0-BC4E-4E78-810D-9F82BEC77106}"/>
-              </a:ext>
-            </a:extLst>
-          </p:cNvPr>
-          <p:cNvSpPr/>
-          <p:nvPr/>
-        </p:nvSpPr>
-        <p:spPr>
-          <a:xfrm>
-            <a:off x="199561" y="5653292"/>
-            <a:ext cx="1471245" cy="481874"/>
-          </a:xfrm>
-          <a:prstGeom prst="rect">
-            <a:avLst/>
-          </a:prstGeom>
-          <a:solidFill>
-            <a:schemeClr val="bg1">
-              <a:lumMod val="85000"/>
-            </a:schemeClr>
-          </a:solidFill>
-          <a:ln>
-            <a:solidFill>
-              <a:schemeClr val="tx1"/>
-            </a:solidFill>
-          </a:ln>
-        </p:spPr>
-        <p:style>
-          <a:lnRef idx="2">
-            <a:schemeClr val="accent1">
-              <a:shade val="50000"/>
-            </a:schemeClr>
-          </a:lnRef>
-          <a:fillRef idx="1">
-            <a:schemeClr val="accent1"/>
-          </a:fillRef>
-          <a:effectRef idx="0">
-            <a:schemeClr val="accent1"/>
-          </a:effectRef>
-          <a:fontRef idx="minor">
-            <a:schemeClr val="lt1"/>
-          </a:fontRef>
-        </p:style>
-        <p:txBody>
-          <a:bodyPr rtlCol="0" anchor="ctr"/>
-          <a:lstStyle/>
-          <a:p>
-            <a:pPr algn="ctr"/>
-            <a:r>
-              <a:rPr lang="es-GT">
-                <a:solidFill>
-                  <a:schemeClr val="tx1"/>
-                </a:solidFill>
-                <a:latin typeface="Arial" panose="020B0604020202020204" pitchFamily="34" charset="0"/>
-                <a:cs typeface="Arial" panose="020B0604020202020204" pitchFamily="34" charset="0"/>
-              </a:rPr>
-              <a:t>Back</a:t>
-            </a:r>
-          </a:p>
-        </p:txBody>
-      </p:sp>
-      <p:sp>
-        <p:nvSpPr>
-          <p:cNvPr id="19" name="Title 1">
-            <a:extLst>
-              <a:ext uri="{FF2B5EF4-FFF2-40B4-BE49-F238E27FC236}">
-                <a16:creationId xmlns:a16="http://schemas.microsoft.com/office/drawing/2014/main" id="{09C60C1B-3202-4D59-A19E-1893F7BD6587}"/>
-              </a:ext>
-            </a:extLst>
-          </p:cNvPr>
-          <p:cNvSpPr>
-            <a:spLocks noGrp="1"/>
-          </p:cNvSpPr>
-          <p:nvPr>
-            <p:ph type="title"/>
-          </p:nvPr>
-        </p:nvSpPr>
-        <p:spPr>
-          <a:xfrm>
-            <a:off x="838200" y="-13116"/>
-            <a:ext cx="10515600" cy="592064"/>
-          </a:xfrm>
-        </p:spPr>
-        <p:txBody>
-          <a:bodyPr>
-            <a:normAutofit/>
-          </a:bodyPr>
-          <a:lstStyle/>
-          <a:p>
-            <a:pPr algn="ctr"/>
-            <a:r>
-              <a:rPr lang="it-IT" sz="3200" b="1"/>
-              <a:t>Info Shared- Ohio Cincinatti </a:t>
-            </a:r>
-          </a:p>
-        </p:txBody>
-      </p:sp>
-      <p:grpSp>
-        <p:nvGrpSpPr>
-          <p:cNvPr id="16" name="Group 15">
-            <a:extLst>
-              <a:ext uri="{FF2B5EF4-FFF2-40B4-BE49-F238E27FC236}">
-                <a16:creationId xmlns:a16="http://schemas.microsoft.com/office/drawing/2014/main" id="{8942722E-B2D4-493F-9F67-1688AFC190FE}"/>
-              </a:ext>
-            </a:extLst>
-          </p:cNvPr>
-          <p:cNvGrpSpPr/>
-          <p:nvPr/>
-        </p:nvGrpSpPr>
-        <p:grpSpPr>
-          <a:xfrm>
-            <a:off x="1230924" y="576775"/>
-            <a:ext cx="10044332" cy="1229931"/>
-            <a:chOff x="1230924" y="576775"/>
-            <a:chExt cx="10044332" cy="1229931"/>
-          </a:xfrm>
-        </p:grpSpPr>
-        <p:grpSp>
-          <p:nvGrpSpPr>
-            <p:cNvPr id="24" name="Grupo 5">
-              <a:extLst>
-                <a:ext uri="{FF2B5EF4-FFF2-40B4-BE49-F238E27FC236}">
-                  <a16:creationId xmlns:a16="http://schemas.microsoft.com/office/drawing/2014/main" id="{75D5C34A-A47C-4522-B3CD-75646E52F763}"/>
-                </a:ext>
-              </a:extLst>
-            </p:cNvPr>
-            <p:cNvGrpSpPr/>
-            <p:nvPr/>
-          </p:nvGrpSpPr>
-          <p:grpSpPr>
-            <a:xfrm>
-              <a:off x="1230924" y="576775"/>
-              <a:ext cx="10044332" cy="1229931"/>
-              <a:chOff x="1230924" y="576775"/>
-              <a:chExt cx="10044332" cy="1229931"/>
-            </a:xfrm>
-          </p:grpSpPr>
-          <p:sp>
-            <p:nvSpPr>
-              <p:cNvPr id="29" name="Rectángulo 1">
-                <a:extLst>
-                  <a:ext uri="{FF2B5EF4-FFF2-40B4-BE49-F238E27FC236}">
-                    <a16:creationId xmlns:a16="http://schemas.microsoft.com/office/drawing/2014/main" id="{86A79808-B6C0-43ED-9240-7838080D892D}"/>
-                  </a:ext>
-                </a:extLst>
-              </p:cNvPr>
-              <p:cNvSpPr/>
-              <p:nvPr/>
-            </p:nvSpPr>
-            <p:spPr>
-              <a:xfrm>
-                <a:off x="1230924" y="576775"/>
-                <a:ext cx="10044332" cy="1181686"/>
-              </a:xfrm>
-              <a:prstGeom prst="rect">
-                <a:avLst/>
-              </a:prstGeom>
-              <a:solidFill>
-                <a:srgbClr val="0C8AAC"/>
-              </a:solidFill>
-            </p:spPr>
-            <p:style>
-              <a:lnRef idx="2">
-                <a:schemeClr val="accent1">
-                  <a:shade val="50000"/>
-                </a:schemeClr>
-              </a:lnRef>
-              <a:fillRef idx="1">
-                <a:schemeClr val="accent1"/>
-              </a:fillRef>
-              <a:effectRef idx="0">
-                <a:schemeClr val="accent1"/>
-              </a:effectRef>
-              <a:fontRef idx="minor">
-                <a:schemeClr val="lt1"/>
-              </a:fontRef>
-            </p:style>
-            <p:txBody>
-              <a:bodyPr rtlCol="0" anchor="ctr"/>
-              <a:lstStyle/>
-              <a:p>
-                <a:pPr algn="ctr"/>
-                <a:endParaRPr lang="es-GT">
-                  <a:ln>
-                    <a:solidFill>
-                      <a:schemeClr val="bg1"/>
-                    </a:solidFill>
-                  </a:ln>
-                </a:endParaRPr>
-              </a:p>
-            </p:txBody>
-          </p:sp>
-          <p:sp>
-            <p:nvSpPr>
-              <p:cNvPr id="30" name="CuadroTexto 3">
-                <a:extLst>
-                  <a:ext uri="{FF2B5EF4-FFF2-40B4-BE49-F238E27FC236}">
-                    <a16:creationId xmlns:a16="http://schemas.microsoft.com/office/drawing/2014/main" id="{F59F1DDF-29AC-43BB-BC2F-053DAE3F596E}"/>
-                  </a:ext>
-                </a:extLst>
-              </p:cNvPr>
-              <p:cNvSpPr txBox="1"/>
-              <p:nvPr/>
-            </p:nvSpPr>
-            <p:spPr>
-              <a:xfrm>
-                <a:off x="1441939" y="597240"/>
-                <a:ext cx="2052375" cy="1200329"/>
-              </a:xfrm>
-              <a:prstGeom prst="rect">
-                <a:avLst/>
-              </a:prstGeom>
-              <a:noFill/>
-            </p:spPr>
-            <p:txBody>
-              <a:bodyPr wrap="square" rtlCol="0">
-                <a:spAutoFit/>
-              </a:bodyPr>
-              <a:lstStyle/>
-              <a:p>
-                <a:r>
-                  <a:rPr lang="es-GT" sz="1200" err="1">
-                    <a:solidFill>
-                      <a:schemeClr val="bg1"/>
-                    </a:solidFill>
-                    <a:latin typeface="Arial" panose="020B0604020202020204" pitchFamily="34" charset="0"/>
-                    <a:cs typeface="Arial" panose="020B0604020202020204" pitchFamily="34" charset="0"/>
-                  </a:rPr>
-                  <a:t>Customer</a:t>
-                </a:r>
-                <a:r>
-                  <a:rPr lang="es-GT" sz="1200">
-                    <a:solidFill>
-                      <a:schemeClr val="bg1"/>
-                    </a:solidFill>
-                    <a:latin typeface="Arial" panose="020B0604020202020204" pitchFamily="34" charset="0"/>
-                    <a:cs typeface="Arial" panose="020B0604020202020204" pitchFamily="34" charset="0"/>
-                  </a:rPr>
-                  <a:t> </a:t>
-                </a:r>
-                <a:r>
-                  <a:rPr lang="es-GT" sz="1200" err="1">
-                    <a:solidFill>
-                      <a:schemeClr val="bg1"/>
-                    </a:solidFill>
-                    <a:latin typeface="Arial" panose="020B0604020202020204" pitchFamily="34" charset="0"/>
-                    <a:cs typeface="Arial" panose="020B0604020202020204" pitchFamily="34" charset="0"/>
-                  </a:rPr>
-                  <a:t>Name</a:t>
-                </a:r>
-                <a:r>
-                  <a:rPr lang="es-GT" sz="1200">
-                    <a:solidFill>
-                      <a:schemeClr val="bg1"/>
-                    </a:solidFill>
-                    <a:latin typeface="Arial" panose="020B0604020202020204" pitchFamily="34" charset="0"/>
-                    <a:cs typeface="Arial" panose="020B0604020202020204" pitchFamily="34" charset="0"/>
-                  </a:rPr>
-                  <a:t>:</a:t>
-                </a:r>
-              </a:p>
-              <a:p>
-                <a:r>
-                  <a:rPr lang="es-GT" sz="1200" err="1">
-                    <a:solidFill>
-                      <a:schemeClr val="bg1"/>
-                    </a:solidFill>
-                    <a:latin typeface="Arial" panose="020B0604020202020204" pitchFamily="34" charset="0"/>
-                    <a:cs typeface="Arial" panose="020B0604020202020204" pitchFamily="34" charset="0"/>
-                  </a:rPr>
-                  <a:t>Issue</a:t>
-                </a:r>
-                <a:r>
-                  <a:rPr lang="es-GT" sz="1200">
-                    <a:solidFill>
-                      <a:schemeClr val="bg1"/>
-                    </a:solidFill>
-                    <a:latin typeface="Arial" panose="020B0604020202020204" pitchFamily="34" charset="0"/>
-                    <a:cs typeface="Arial" panose="020B0604020202020204" pitchFamily="34" charset="0"/>
-                  </a:rPr>
-                  <a:t> </a:t>
-                </a:r>
-                <a:r>
-                  <a:rPr lang="es-GT" sz="1200" err="1">
-                    <a:solidFill>
-                      <a:schemeClr val="bg1"/>
-                    </a:solidFill>
-                    <a:latin typeface="Arial" panose="020B0604020202020204" pitchFamily="34" charset="0"/>
-                    <a:cs typeface="Arial" panose="020B0604020202020204" pitchFamily="34" charset="0"/>
-                  </a:rPr>
-                  <a:t>Number</a:t>
-                </a:r>
-                <a:r>
-                  <a:rPr lang="es-GT" sz="1200">
-                    <a:solidFill>
-                      <a:schemeClr val="bg1"/>
-                    </a:solidFill>
-                    <a:latin typeface="Arial" panose="020B0604020202020204" pitchFamily="34" charset="0"/>
-                    <a:cs typeface="Arial" panose="020B0604020202020204" pitchFamily="34" charset="0"/>
-                  </a:rPr>
-                  <a:t>:</a:t>
-                </a:r>
-              </a:p>
-              <a:p>
-                <a:r>
-                  <a:rPr lang="es-GT" sz="1200" err="1">
-                    <a:solidFill>
-                      <a:schemeClr val="bg1"/>
-                    </a:solidFill>
-                    <a:latin typeface="Arial" panose="020B0604020202020204" pitchFamily="34" charset="0"/>
-                    <a:cs typeface="Arial" panose="020B0604020202020204" pitchFamily="34" charset="0"/>
-                  </a:rPr>
-                  <a:t>Resi</a:t>
-                </a:r>
-                <a:r>
-                  <a:rPr lang="es-GT" sz="1200">
-                    <a:solidFill>
-                      <a:schemeClr val="bg1"/>
-                    </a:solidFill>
-                    <a:latin typeface="Arial" panose="020B0604020202020204" pitchFamily="34" charset="0"/>
-                    <a:cs typeface="Arial" panose="020B0604020202020204" pitchFamily="34" charset="0"/>
-                  </a:rPr>
-                  <a:t> </a:t>
-                </a:r>
-                <a:r>
-                  <a:rPr lang="es-GT" sz="1200" err="1">
-                    <a:solidFill>
-                      <a:schemeClr val="bg1"/>
-                    </a:solidFill>
-                    <a:latin typeface="Arial" panose="020B0604020202020204" pitchFamily="34" charset="0"/>
-                    <a:cs typeface="Arial" panose="020B0604020202020204" pitchFamily="34" charset="0"/>
-                  </a:rPr>
-                  <a:t>or</a:t>
-                </a:r>
-                <a:r>
-                  <a:rPr lang="es-GT" sz="1200">
-                    <a:solidFill>
-                      <a:schemeClr val="bg1"/>
-                    </a:solidFill>
-                    <a:latin typeface="Arial" panose="020B0604020202020204" pitchFamily="34" charset="0"/>
-                    <a:cs typeface="Arial" panose="020B0604020202020204" pitchFamily="34" charset="0"/>
-                  </a:rPr>
-                  <a:t> </a:t>
-                </a:r>
-                <a:r>
-                  <a:rPr lang="es-GT" sz="1200" err="1">
-                    <a:solidFill>
-                      <a:schemeClr val="bg1"/>
-                    </a:solidFill>
-                    <a:latin typeface="Arial" panose="020B0604020202020204" pitchFamily="34" charset="0"/>
-                    <a:cs typeface="Arial" panose="020B0604020202020204" pitchFamily="34" charset="0"/>
-                  </a:rPr>
-                  <a:t>Comm</a:t>
-                </a:r>
-                <a:r>
-                  <a:rPr lang="es-GT" sz="1200">
-                    <a:solidFill>
-                      <a:schemeClr val="bg1"/>
-                    </a:solidFill>
-                    <a:latin typeface="Arial" panose="020B0604020202020204" pitchFamily="34" charset="0"/>
-                    <a:cs typeface="Arial" panose="020B0604020202020204" pitchFamily="34" charset="0"/>
-                  </a:rPr>
-                  <a:t>:</a:t>
-                </a:r>
-              </a:p>
-              <a:p>
-                <a:r>
-                  <a:rPr lang="es-GT" sz="1200" err="1">
-                    <a:solidFill>
-                      <a:schemeClr val="bg1"/>
-                    </a:solidFill>
-                    <a:latin typeface="Arial" panose="020B0604020202020204" pitchFamily="34" charset="0"/>
-                    <a:cs typeface="Arial" panose="020B0604020202020204" pitchFamily="34" charset="0"/>
-                  </a:rPr>
-                  <a:t>State</a:t>
-                </a:r>
-                <a:r>
-                  <a:rPr lang="es-GT" sz="1200">
-                    <a:solidFill>
-                      <a:schemeClr val="bg1"/>
-                    </a:solidFill>
-                    <a:latin typeface="Arial" panose="020B0604020202020204" pitchFamily="34" charset="0"/>
-                    <a:cs typeface="Arial" panose="020B0604020202020204" pitchFamily="34" charset="0"/>
-                  </a:rPr>
-                  <a:t>:</a:t>
-                </a:r>
-              </a:p>
-              <a:p>
-                <a:r>
-                  <a:rPr lang="es-GT" sz="1200" err="1">
-                    <a:solidFill>
-                      <a:schemeClr val="bg1"/>
-                    </a:solidFill>
-                    <a:latin typeface="Arial" panose="020B0604020202020204" pitchFamily="34" charset="0"/>
-                    <a:cs typeface="Arial" panose="020B0604020202020204" pitchFamily="34" charset="0"/>
-                  </a:rPr>
-                  <a:t>Utility</a:t>
-                </a:r>
-                <a:r>
-                  <a:rPr lang="es-GT" sz="1200">
-                    <a:solidFill>
-                      <a:schemeClr val="bg1"/>
-                    </a:solidFill>
-                    <a:latin typeface="Arial" panose="020B0604020202020204" pitchFamily="34" charset="0"/>
-                    <a:cs typeface="Arial" panose="020B0604020202020204" pitchFamily="34" charset="0"/>
-                  </a:rPr>
-                  <a:t>:</a:t>
-                </a:r>
-              </a:p>
-              <a:p>
-                <a:r>
-                  <a:rPr lang="es-GT" sz="1200">
-                    <a:solidFill>
-                      <a:schemeClr val="bg1"/>
-                    </a:solidFill>
-                    <a:latin typeface="Arial" panose="020B0604020202020204" pitchFamily="34" charset="0"/>
-                    <a:cs typeface="Arial" panose="020B0604020202020204" pitchFamily="34" charset="0"/>
-                  </a:rPr>
-                  <a:t>Brand:</a:t>
-                </a:r>
-              </a:p>
-            </p:txBody>
-          </p:sp>
-          <p:sp>
-            <p:nvSpPr>
-              <p:cNvPr id="31" name="CuadroTexto 4">
-                <a:extLst>
-                  <a:ext uri="{FF2B5EF4-FFF2-40B4-BE49-F238E27FC236}">
-                    <a16:creationId xmlns:a16="http://schemas.microsoft.com/office/drawing/2014/main" id="{3162CE19-9239-4428-8147-5C04981D89CE}"/>
-                  </a:ext>
-                </a:extLst>
-              </p:cNvPr>
-              <p:cNvSpPr txBox="1"/>
-              <p:nvPr/>
-            </p:nvSpPr>
-            <p:spPr>
-              <a:xfrm>
-                <a:off x="5260399" y="606377"/>
-                <a:ext cx="4302280" cy="1200329"/>
-              </a:xfrm>
-              <a:prstGeom prst="rect">
-                <a:avLst/>
-              </a:prstGeom>
-              <a:noFill/>
-            </p:spPr>
-            <p:txBody>
-              <a:bodyPr wrap="square" rtlCol="0">
-                <a:spAutoFit/>
-              </a:bodyPr>
-              <a:lstStyle/>
-              <a:p>
-                <a:r>
-                  <a:rPr lang="es-GT" sz="1200" err="1">
-                    <a:solidFill>
-                      <a:schemeClr val="bg1"/>
-                    </a:solidFill>
-                    <a:latin typeface="Arial" panose="020B0604020202020204" pitchFamily="34" charset="0"/>
-                    <a:cs typeface="Arial" panose="020B0604020202020204" pitchFamily="34" charset="0"/>
-                  </a:rPr>
-                  <a:t>Drop</a:t>
-                </a:r>
-                <a:r>
-                  <a:rPr lang="es-GT" sz="1200">
-                    <a:solidFill>
-                      <a:schemeClr val="bg1"/>
-                    </a:solidFill>
-                    <a:latin typeface="Arial" panose="020B0604020202020204" pitchFamily="34" charset="0"/>
-                    <a:cs typeface="Arial" panose="020B0604020202020204" pitchFamily="34" charset="0"/>
-                  </a:rPr>
-                  <a:t> Reason:	</a:t>
-                </a:r>
-                <a:r>
-                  <a:rPr lang="es-GT" sz="1200" err="1">
-                    <a:solidFill>
-                      <a:schemeClr val="bg1"/>
-                    </a:solidFill>
-                    <a:latin typeface="Arial" panose="020B0604020202020204" pitchFamily="34" charset="0"/>
-                    <a:cs typeface="Arial" panose="020B0604020202020204" pitchFamily="34" charset="0"/>
-                  </a:rPr>
-                  <a:t>Monthly</a:t>
-                </a:r>
-                <a:r>
-                  <a:rPr lang="es-GT" sz="1200">
-                    <a:solidFill>
-                      <a:schemeClr val="bg1"/>
-                    </a:solidFill>
-                    <a:latin typeface="Arial" panose="020B0604020202020204" pitchFamily="34" charset="0"/>
-                    <a:cs typeface="Arial" panose="020B0604020202020204" pitchFamily="34" charset="0"/>
-                  </a:rPr>
-                  <a:t> </a:t>
-                </a:r>
-                <a:r>
-                  <a:rPr lang="es-GT" sz="1200" err="1">
-                    <a:solidFill>
-                      <a:schemeClr val="bg1"/>
-                    </a:solidFill>
-                    <a:latin typeface="Arial" panose="020B0604020202020204" pitchFamily="34" charset="0"/>
-                    <a:cs typeface="Arial" panose="020B0604020202020204" pitchFamily="34" charset="0"/>
-                  </a:rPr>
-                  <a:t>Reward</a:t>
-                </a:r>
-                <a:r>
-                  <a:rPr lang="es-GT" sz="1200">
-                    <a:solidFill>
-                      <a:schemeClr val="bg1"/>
-                    </a:solidFill>
-                    <a:latin typeface="Arial" panose="020B0604020202020204" pitchFamily="34" charset="0"/>
-                    <a:cs typeface="Arial" panose="020B0604020202020204" pitchFamily="34" charset="0"/>
-                  </a:rPr>
-                  <a:t> </a:t>
-                </a:r>
-                <a:r>
-                  <a:rPr lang="es-GT" sz="1200" err="1">
-                    <a:solidFill>
-                      <a:schemeClr val="bg1"/>
-                    </a:solidFill>
-                    <a:latin typeface="Arial" panose="020B0604020202020204" pitchFamily="34" charset="0"/>
-                    <a:cs typeface="Arial" panose="020B0604020202020204" pitchFamily="34" charset="0"/>
-                  </a:rPr>
-                  <a:t>Value</a:t>
-                </a:r>
-                <a:r>
-                  <a:rPr lang="es-GT" sz="1200">
-                    <a:solidFill>
-                      <a:schemeClr val="bg1"/>
-                    </a:solidFill>
-                    <a:latin typeface="Arial" panose="020B0604020202020204" pitchFamily="34" charset="0"/>
-                    <a:cs typeface="Arial" panose="020B0604020202020204" pitchFamily="34" charset="0"/>
-                  </a:rPr>
-                  <a:t>: </a:t>
-                </a:r>
-              </a:p>
-              <a:p>
-                <a:r>
-                  <a:rPr lang="es-GT" sz="1200" err="1">
-                    <a:solidFill>
-                      <a:schemeClr val="bg1"/>
-                    </a:solidFill>
-                    <a:latin typeface="Arial" panose="020B0604020202020204" pitchFamily="34" charset="0"/>
-                    <a:cs typeface="Arial" panose="020B0604020202020204" pitchFamily="34" charset="0"/>
-                  </a:rPr>
-                  <a:t>Utility</a:t>
-                </a:r>
-                <a:r>
-                  <a:rPr lang="es-GT" sz="1200">
-                    <a:solidFill>
-                      <a:schemeClr val="bg1"/>
-                    </a:solidFill>
-                    <a:latin typeface="Arial" panose="020B0604020202020204" pitchFamily="34" charset="0"/>
-                    <a:cs typeface="Arial" panose="020B0604020202020204" pitchFamily="34" charset="0"/>
-                  </a:rPr>
-                  <a:t> </a:t>
-                </a:r>
-                <a:r>
-                  <a:rPr lang="es-GT" sz="1200" err="1">
-                    <a:solidFill>
-                      <a:schemeClr val="bg1"/>
-                    </a:solidFill>
-                    <a:latin typeface="Arial" panose="020B0604020202020204" pitchFamily="34" charset="0"/>
-                    <a:cs typeface="Arial" panose="020B0604020202020204" pitchFamily="34" charset="0"/>
-                  </a:rPr>
-                  <a:t>Acct</a:t>
-                </a:r>
-                <a:r>
-                  <a:rPr lang="es-GT" sz="1200">
-                    <a:solidFill>
-                      <a:schemeClr val="bg1"/>
-                    </a:solidFill>
-                    <a:latin typeface="Arial" panose="020B0604020202020204" pitchFamily="34" charset="0"/>
-                    <a:cs typeface="Arial" panose="020B0604020202020204" pitchFamily="34" charset="0"/>
-                  </a:rPr>
-                  <a:t> No.:	Total </a:t>
-                </a:r>
-                <a:r>
-                  <a:rPr lang="es-GT" sz="1200" err="1">
-                    <a:solidFill>
-                      <a:schemeClr val="bg1"/>
-                    </a:solidFill>
-                    <a:latin typeface="Arial" panose="020B0604020202020204" pitchFamily="34" charset="0"/>
-                    <a:cs typeface="Arial" panose="020B0604020202020204" pitchFamily="34" charset="0"/>
-                  </a:rPr>
-                  <a:t>Reward</a:t>
-                </a:r>
-                <a:r>
-                  <a:rPr lang="es-GT" sz="1200">
-                    <a:solidFill>
-                      <a:schemeClr val="bg1"/>
-                    </a:solidFill>
-                    <a:latin typeface="Arial" panose="020B0604020202020204" pitchFamily="34" charset="0"/>
-                    <a:cs typeface="Arial" panose="020B0604020202020204" pitchFamily="34" charset="0"/>
-                  </a:rPr>
-                  <a:t> </a:t>
-                </a:r>
-                <a:r>
-                  <a:rPr lang="es-GT" sz="1200" err="1">
-                    <a:solidFill>
-                      <a:schemeClr val="bg1"/>
-                    </a:solidFill>
-                    <a:latin typeface="Arial" panose="020B0604020202020204" pitchFamily="34" charset="0"/>
-                    <a:cs typeface="Arial" panose="020B0604020202020204" pitchFamily="34" charset="0"/>
-                  </a:rPr>
-                  <a:t>Value</a:t>
-                </a:r>
-                <a:r>
-                  <a:rPr lang="es-GT" sz="1200">
-                    <a:solidFill>
-                      <a:schemeClr val="bg1"/>
-                    </a:solidFill>
-                    <a:latin typeface="Arial" panose="020B0604020202020204" pitchFamily="34" charset="0"/>
-                    <a:cs typeface="Arial" panose="020B0604020202020204" pitchFamily="34" charset="0"/>
-                  </a:rPr>
-                  <a:t> </a:t>
-                </a:r>
-                <a:r>
-                  <a:rPr lang="es-GT" sz="1200" err="1">
-                    <a:solidFill>
-                      <a:schemeClr val="bg1"/>
-                    </a:solidFill>
-                    <a:latin typeface="Arial" panose="020B0604020202020204" pitchFamily="34" charset="0"/>
-                    <a:cs typeface="Arial" panose="020B0604020202020204" pitchFamily="34" charset="0"/>
-                  </a:rPr>
-                  <a:t>Earned</a:t>
-                </a:r>
-                <a:r>
-                  <a:rPr lang="es-GT" sz="1200">
-                    <a:solidFill>
-                      <a:schemeClr val="bg1"/>
-                    </a:solidFill>
-                    <a:latin typeface="Arial" panose="020B0604020202020204" pitchFamily="34" charset="0"/>
-                    <a:cs typeface="Arial" panose="020B0604020202020204" pitchFamily="34" charset="0"/>
-                  </a:rPr>
-                  <a:t>: </a:t>
-                </a:r>
-              </a:p>
-              <a:p>
-                <a:r>
-                  <a:rPr lang="es-GT" sz="1200" err="1">
-                    <a:solidFill>
-                      <a:schemeClr val="bg1"/>
-                    </a:solidFill>
-                    <a:latin typeface="Arial" panose="020B0604020202020204" pitchFamily="34" charset="0"/>
-                    <a:cs typeface="Arial" panose="020B0604020202020204" pitchFamily="34" charset="0"/>
-                  </a:rPr>
-                  <a:t>Drop</a:t>
-                </a:r>
-                <a:r>
-                  <a:rPr lang="es-GT" sz="1200">
-                    <a:solidFill>
-                      <a:schemeClr val="bg1"/>
-                    </a:solidFill>
-                    <a:latin typeface="Arial" panose="020B0604020202020204" pitchFamily="34" charset="0"/>
-                    <a:cs typeface="Arial" panose="020B0604020202020204" pitchFamily="34" charset="0"/>
-                  </a:rPr>
-                  <a:t> Date:		</a:t>
-                </a:r>
-              </a:p>
-              <a:p>
-                <a:r>
-                  <a:rPr lang="es-GT" sz="1200" err="1">
-                    <a:solidFill>
-                      <a:schemeClr val="bg1"/>
-                    </a:solidFill>
-                    <a:latin typeface="Arial" panose="020B0604020202020204" pitchFamily="34" charset="0"/>
-                    <a:cs typeface="Arial" panose="020B0604020202020204" pitchFamily="34" charset="0"/>
-                  </a:rPr>
-                  <a:t>Campaign</a:t>
-                </a:r>
-                <a:r>
-                  <a:rPr lang="es-GT" sz="1200">
-                    <a:solidFill>
-                      <a:schemeClr val="bg1"/>
-                    </a:solidFill>
-                    <a:latin typeface="Arial" panose="020B0604020202020204" pitchFamily="34" charset="0"/>
-                    <a:cs typeface="Arial" panose="020B0604020202020204" pitchFamily="34" charset="0"/>
-                  </a:rPr>
-                  <a:t>:</a:t>
-                </a:r>
-              </a:p>
-              <a:p>
-                <a:r>
-                  <a:rPr lang="es-GT" sz="1200" err="1">
-                    <a:solidFill>
-                      <a:schemeClr val="bg1"/>
-                    </a:solidFill>
-                    <a:latin typeface="Arial" panose="020B0604020202020204" pitchFamily="34" charset="0"/>
-                    <a:cs typeface="Arial" panose="020B0604020202020204" pitchFamily="34" charset="0"/>
-                  </a:rPr>
-                  <a:t>Row</a:t>
-                </a:r>
-                <a:r>
-                  <a:rPr lang="es-GT" sz="1200">
-                    <a:solidFill>
-                      <a:schemeClr val="bg1"/>
-                    </a:solidFill>
-                    <a:latin typeface="Arial" panose="020B0604020202020204" pitchFamily="34" charset="0"/>
-                    <a:cs typeface="Arial" panose="020B0604020202020204" pitchFamily="34" charset="0"/>
-                  </a:rPr>
-                  <a:t> ID:</a:t>
-                </a:r>
-              </a:p>
-              <a:p>
-                <a:r>
-                  <a:rPr lang="es-GT" sz="1200" err="1">
-                    <a:solidFill>
-                      <a:schemeClr val="bg1"/>
-                    </a:solidFill>
-                    <a:latin typeface="Arial" panose="020B0604020202020204" pitchFamily="34" charset="0"/>
-                    <a:cs typeface="Arial" panose="020B0604020202020204" pitchFamily="34" charset="0"/>
-                  </a:rPr>
-                  <a:t>Commodity</a:t>
-                </a:r>
-                <a:r>
-                  <a:rPr lang="es-GT" sz="1200">
-                    <a:solidFill>
-                      <a:schemeClr val="bg1"/>
-                    </a:solidFill>
-                    <a:latin typeface="Arial" panose="020B0604020202020204" pitchFamily="34" charset="0"/>
-                    <a:cs typeface="Arial" panose="020B0604020202020204" pitchFamily="34" charset="0"/>
-                  </a:rPr>
-                  <a:t>:</a:t>
-                </a:r>
-              </a:p>
-            </p:txBody>
-          </p:sp>
-          <p:sp>
-            <p:nvSpPr>
-              <p:cNvPr id="32" name="CuadroTexto 12">
-                <a:extLst>
-                  <a:ext uri="{FF2B5EF4-FFF2-40B4-BE49-F238E27FC236}">
-                    <a16:creationId xmlns:a16="http://schemas.microsoft.com/office/drawing/2014/main" id="{9E237C78-8125-4E78-9E7A-3DFDE290455D}"/>
-                  </a:ext>
-                </a:extLst>
-              </p:cNvPr>
-              <p:cNvSpPr txBox="1"/>
-              <p:nvPr/>
-            </p:nvSpPr>
-            <p:spPr>
-              <a:xfrm>
-                <a:off x="9808343" y="1423846"/>
-                <a:ext cx="1359877" cy="369332"/>
-              </a:xfrm>
-              <a:prstGeom prst="rect">
-                <a:avLst/>
-              </a:prstGeom>
-              <a:noFill/>
-            </p:spPr>
-            <p:txBody>
-              <a:bodyPr wrap="square" rtlCol="0">
-                <a:spAutoFit/>
-              </a:bodyPr>
-              <a:lstStyle/>
-              <a:p>
-                <a:pPr algn="ctr"/>
-                <a:r>
-                  <a:rPr lang="es-GT" i="1">
-                    <a:solidFill>
-                      <a:schemeClr val="bg1"/>
-                    </a:solidFill>
-                    <a:latin typeface="Arial" panose="020B0604020202020204" pitchFamily="34" charset="0"/>
-                    <a:cs typeface="Arial" panose="020B0604020202020204" pitchFamily="34" charset="0"/>
-                  </a:rPr>
-                  <a:t>Lead </a:t>
-                </a:r>
-                <a:r>
-                  <a:rPr lang="es-GT" i="1" err="1">
-                    <a:solidFill>
-                      <a:schemeClr val="bg1"/>
-                    </a:solidFill>
-                    <a:latin typeface="Arial" panose="020B0604020202020204" pitchFamily="34" charset="0"/>
-                    <a:cs typeface="Arial" panose="020B0604020202020204" pitchFamily="34" charset="0"/>
-                  </a:rPr>
-                  <a:t>Type</a:t>
-                </a:r>
-                <a:endParaRPr lang="es-GT" i="1">
-                  <a:solidFill>
-                    <a:schemeClr val="bg1"/>
-                  </a:solidFill>
-                  <a:latin typeface="Arial" panose="020B0604020202020204" pitchFamily="34" charset="0"/>
-                  <a:cs typeface="Arial" panose="020B0604020202020204" pitchFamily="34" charset="0"/>
-                </a:endParaRPr>
-              </a:p>
-            </p:txBody>
-          </p:sp>
-        </p:grpSp>
-        <p:pic>
-          <p:nvPicPr>
-            <p:cNvPr id="28" name="Picture 27" descr="A picture containing clipart&#10;&#10;Description automatically generated">
-              <a:extLst>
-                <a:ext uri="{FF2B5EF4-FFF2-40B4-BE49-F238E27FC236}">
-                  <a16:creationId xmlns:a16="http://schemas.microsoft.com/office/drawing/2014/main" id="{F2B7E3DA-9638-4F2A-905E-B78D75A773ED}"/>
-                </a:ext>
-              </a:extLst>
-            </p:cNvPr>
-            <p:cNvPicPr>
-              <a:picLocks noChangeAspect="1"/>
-            </p:cNvPicPr>
-            <p:nvPr/>
-          </p:nvPicPr>
-          <p:blipFill>
-            <a:blip r:embed="rId3">
-              <a:extLst>
-                <a:ext uri="{28A0092B-C50C-407E-A947-70E740481C1C}">
-                  <a14:useLocalDpi xmlns:a14="http://schemas.microsoft.com/office/drawing/2010/main" val="0"/>
-                </a:ext>
-              </a:extLst>
-            </a:blip>
-            <a:stretch>
-              <a:fillRect/>
-            </a:stretch>
-          </p:blipFill>
-          <p:spPr>
-            <a:xfrm>
-              <a:off x="9562679" y="581121"/>
-              <a:ext cx="1712577" cy="897064"/>
-            </a:xfrm>
-            <a:prstGeom prst="rect">
-              <a:avLst/>
-            </a:prstGeom>
-          </p:spPr>
-        </p:pic>
-      </p:grpSp>
-    </p:spTree>
-    <p:extLst>
-      <p:ext uri="{BB962C8B-B14F-4D97-AF65-F5344CB8AC3E}">
-        <p14:creationId xmlns:p14="http://schemas.microsoft.com/office/powerpoint/2010/main" val="2669834656"/>
-      </p:ext>
-    </p:extLst>
-  </p:cSld>
-  <p:clrMapOvr>
-    <a:masterClrMapping/>
-  </p:clrMapOvr>
-</p:sld>
-</file>
-
-<file path=ppt/slides/slide12.xml><?xml version="1.0" encoding="utf-8"?>
 <p:sld xmlns:a="http://schemas.openxmlformats.org/drawingml/2006/main" xmlns:r="http://schemas.openxmlformats.org/officeDocument/2006/relationships" xmlns:p="http://schemas.openxmlformats.org/presentationml/2006/main">
   <p:cSld>
     <p:spTree>
@@ -10958,7 +8397,7 @@
 </p:sld>
 </file>
 
-<file path=ppt/slides/slide13.xml><?xml version="1.0" encoding="utf-8"?>
+<file path=ppt/slides/slide11.xml><?xml version="1.0" encoding="utf-8"?>
 <p:sld xmlns:a="http://schemas.openxmlformats.org/drawingml/2006/main" xmlns:r="http://schemas.openxmlformats.org/officeDocument/2006/relationships" xmlns:p="http://schemas.openxmlformats.org/presentationml/2006/main">
   <p:cSld>
     <p:spTree>
@@ -12333,7 +9772,7 @@
 </p:sld>
 </file>
 
-<file path=ppt/slides/slide14.xml><?xml version="1.0" encoding="utf-8"?>
+<file path=ppt/slides/slide12.xml><?xml version="1.0" encoding="utf-8"?>
 <p:sld xmlns:a="http://schemas.openxmlformats.org/drawingml/2006/main" xmlns:r="http://schemas.openxmlformats.org/officeDocument/2006/relationships" xmlns:p="http://schemas.openxmlformats.org/presentationml/2006/main">
   <p:cSld>
     <p:spTree>
@@ -13308,7 +10747,7 @@
 </p:sld>
 </file>
 
-<file path=ppt/slides/slide15.xml><?xml version="1.0" encoding="utf-8"?>
+<file path=ppt/slides/slide13.xml><?xml version="1.0" encoding="utf-8"?>
 <p:sld xmlns:a="http://schemas.openxmlformats.org/drawingml/2006/main" xmlns:r="http://schemas.openxmlformats.org/officeDocument/2006/relationships" xmlns:p="http://schemas.openxmlformats.org/presentationml/2006/main">
   <p:cSld>
     <p:spTree>
@@ -14536,7 +11975,7 @@
 </p:sld>
 </file>
 
-<file path=ppt/slides/slide16.xml><?xml version="1.0" encoding="utf-8"?>
+<file path=ppt/slides/slide14.xml><?xml version="1.0" encoding="utf-8"?>
 <p:sld xmlns:a="http://schemas.openxmlformats.org/drawingml/2006/main" xmlns:r="http://schemas.openxmlformats.org/officeDocument/2006/relationships" xmlns:p="http://schemas.openxmlformats.org/presentationml/2006/main">
   <p:cSld>
     <p:spTree>
@@ -16420,7 +13859,7 @@
 </p:sld>
 </file>
 
-<file path=ppt/slides/slide17.xml><?xml version="1.0" encoding="utf-8"?>
+<file path=ppt/slides/slide15.xml><?xml version="1.0" encoding="utf-8"?>
 <p:sld xmlns:a="http://schemas.openxmlformats.org/drawingml/2006/main" xmlns:r="http://schemas.openxmlformats.org/officeDocument/2006/relationships" xmlns:p="http://schemas.openxmlformats.org/presentationml/2006/main">
   <p:cSld>
     <p:spTree>
@@ -17647,7 +15086,7 @@
 </p:sld>
 </file>
 
-<file path=ppt/slides/slide18.xml><?xml version="1.0" encoding="utf-8"?>
+<file path=ppt/slides/slide16.xml><?xml version="1.0" encoding="utf-8"?>
 <p:sld xmlns:a="http://schemas.openxmlformats.org/drawingml/2006/main" xmlns:r="http://schemas.openxmlformats.org/officeDocument/2006/relationships" xmlns:p="http://schemas.openxmlformats.org/presentationml/2006/main">
   <p:cSld>
     <p:spTree>
@@ -18085,2823 +15524,6 @@
         <p:spPr>
           <a:xfrm>
             <a:off x="348175" y="1966325"/>
-            <a:ext cx="11495650" cy="3139321"/>
-          </a:xfrm>
-          <a:prstGeom prst="rect">
-            <a:avLst/>
-          </a:prstGeom>
-          <a:noFill/>
-          <a:ln>
-            <a:solidFill>
-              <a:schemeClr val="tx1"/>
-            </a:solidFill>
-          </a:ln>
-        </p:spPr>
-        <p:txBody>
-          <a:bodyPr wrap="square" rtlCol="0">
-            <a:spAutoFit/>
-          </a:bodyPr>
-          <a:lstStyle/>
-          <a:p>
-            <a:pPr algn="just"/>
-            <a:r>
-              <a:rPr lang="en-US">
-                <a:solidFill>
-                  <a:sysClr val="windowText" lastClr="000000"/>
-                </a:solidFill>
-                <a:latin typeface="Arial" panose="020B0604020202020204" pitchFamily="34" charset="0"/>
-                <a:cs typeface="Arial" panose="020B0604020202020204" pitchFamily="34" charset="0"/>
-              </a:rPr>
-              <a:t>Thank you for calling [State Company] my name is </a:t>
-            </a:r>
-            <a:r>
-              <a:rPr lang="en-US">
-                <a:solidFill>
-                  <a:srgbClr val="00B0F0"/>
-                </a:solidFill>
-                <a:latin typeface="Arial" panose="020B0604020202020204" pitchFamily="34" charset="0"/>
-                <a:cs typeface="Arial" panose="020B0604020202020204" pitchFamily="34" charset="0"/>
-              </a:rPr>
-              <a:t>[AGENT NAME],</a:t>
-            </a:r>
-            <a:r>
-              <a:rPr lang="en-US">
-                <a:solidFill>
-                  <a:sysClr val="windowText" lastClr="000000"/>
-                </a:solidFill>
-                <a:latin typeface="Arial" panose="020B0604020202020204" pitchFamily="34" charset="0"/>
-                <a:cs typeface="Arial" panose="020B0604020202020204" pitchFamily="34" charset="0"/>
-              </a:rPr>
-              <a:t> how may I help you? </a:t>
-            </a:r>
-          </a:p>
-          <a:p>
-            <a:pPr algn="just"/>
-            <a:r>
-              <a:rPr lang="en-US">
-                <a:solidFill>
-                  <a:srgbClr val="C00000"/>
-                </a:solidFill>
-                <a:latin typeface="Arial" panose="020B0604020202020204" pitchFamily="34" charset="0"/>
-                <a:cs typeface="Arial" panose="020B0604020202020204" pitchFamily="34" charset="0"/>
-              </a:rPr>
-              <a:t>TSR Note: Wait for customer to confirm.</a:t>
-            </a:r>
-          </a:p>
-          <a:p>
-            <a:pPr algn="just"/>
-            <a:r>
-              <a:rPr lang="en-US">
-                <a:solidFill>
-                  <a:sysClr val="windowText" lastClr="000000"/>
-                </a:solidFill>
-                <a:latin typeface="Arial" panose="020B0604020202020204" pitchFamily="34" charset="0"/>
-                <a:cs typeface="Arial" panose="020B0604020202020204" pitchFamily="34" charset="0"/>
-              </a:rPr>
-              <a:t>I can definitely help you with that,</a:t>
-            </a:r>
-            <a:r>
-              <a:rPr lang="en-US">
-                <a:solidFill>
-                  <a:srgbClr val="00B0F0"/>
-                </a:solidFill>
-                <a:latin typeface="Arial" panose="020B0604020202020204" pitchFamily="34" charset="0"/>
-                <a:cs typeface="Arial" panose="020B0604020202020204" pitchFamily="34" charset="0"/>
-              </a:rPr>
-              <a:t> as you are aware this call may be recorded for quality assurance purposes.</a:t>
-            </a:r>
-            <a:endParaRPr lang="en-US">
-              <a:solidFill>
-                <a:sysClr val="windowText" lastClr="000000"/>
-              </a:solidFill>
-              <a:latin typeface="Arial" panose="020B0604020202020204" pitchFamily="34" charset="0"/>
-              <a:cs typeface="Arial" panose="020B0604020202020204" pitchFamily="34" charset="0"/>
-            </a:endParaRPr>
-          </a:p>
-          <a:p>
-            <a:pPr algn="just"/>
-            <a:endParaRPr lang="en-US">
-              <a:solidFill>
-                <a:sysClr val="windowText" lastClr="000000"/>
-              </a:solidFill>
-              <a:latin typeface="Arial" panose="020B0604020202020204" pitchFamily="34" charset="0"/>
-              <a:cs typeface="Arial" panose="020B0604020202020204" pitchFamily="34" charset="0"/>
-            </a:endParaRPr>
-          </a:p>
-          <a:p>
-            <a:pPr algn="just"/>
-            <a:r>
-              <a:rPr lang="en-US">
-                <a:solidFill>
-                  <a:sysClr val="windowText" lastClr="000000"/>
-                </a:solidFill>
-                <a:latin typeface="Arial" panose="020B0604020202020204" pitchFamily="34" charset="0"/>
-                <a:cs typeface="Arial" panose="020B0604020202020204" pitchFamily="34" charset="0"/>
-              </a:rPr>
-              <a:t>Before I continue, I need to verify some information.</a:t>
-            </a:r>
-          </a:p>
-          <a:p>
-            <a:pPr algn="just"/>
-            <a:endParaRPr lang="en-US">
-              <a:solidFill>
-                <a:sysClr val="windowText" lastClr="000000"/>
-              </a:solidFill>
-              <a:latin typeface="Arial" panose="020B0604020202020204" pitchFamily="34" charset="0"/>
-              <a:cs typeface="Arial" panose="020B0604020202020204" pitchFamily="34" charset="0"/>
-            </a:endParaRPr>
-          </a:p>
-          <a:p>
-            <a:pPr algn="just"/>
-            <a:r>
-              <a:rPr lang="en-US">
-                <a:solidFill>
-                  <a:sysClr val="windowText" lastClr="000000"/>
-                </a:solidFill>
-                <a:latin typeface="Arial" panose="020B0604020202020204" pitchFamily="34" charset="0"/>
-                <a:cs typeface="Arial" panose="020B0604020202020204" pitchFamily="34" charset="0"/>
-              </a:rPr>
-              <a:t>Who do I have the pleasure of speaking with today?</a:t>
-            </a:r>
-          </a:p>
-          <a:p>
-            <a:pPr algn="just"/>
-            <a:endParaRPr lang="en-US">
-              <a:solidFill>
-                <a:sysClr val="windowText" lastClr="000000"/>
-              </a:solidFill>
-              <a:latin typeface="Arial" panose="020B0604020202020204" pitchFamily="34" charset="0"/>
-              <a:cs typeface="Arial" panose="020B0604020202020204" pitchFamily="34" charset="0"/>
-            </a:endParaRPr>
-          </a:p>
-          <a:p>
-            <a:pPr algn="just"/>
-            <a:r>
-              <a:rPr lang="en-US">
-                <a:solidFill>
-                  <a:sysClr val="windowText" lastClr="000000"/>
-                </a:solidFill>
-                <a:latin typeface="Arial" panose="020B0604020202020204" pitchFamily="34" charset="0"/>
-                <a:cs typeface="Arial" panose="020B0604020202020204" pitchFamily="34" charset="0"/>
-              </a:rPr>
-              <a:t>Would you mind to confirm the service address and the telephone number please?</a:t>
-            </a:r>
-          </a:p>
-          <a:p>
-            <a:pPr algn="just"/>
-            <a:endParaRPr lang="en-US">
-              <a:solidFill>
-                <a:sysClr val="windowText" lastClr="000000"/>
-              </a:solidFill>
-              <a:latin typeface="Arial" panose="020B0604020202020204" pitchFamily="34" charset="0"/>
-              <a:cs typeface="Arial" panose="020B0604020202020204" pitchFamily="34" charset="0"/>
-            </a:endParaRPr>
-          </a:p>
-          <a:p>
-            <a:pPr algn="just"/>
-            <a:r>
-              <a:rPr lang="en-US">
-                <a:solidFill>
-                  <a:sysClr val="windowText" lastClr="000000"/>
-                </a:solidFill>
-                <a:latin typeface="Arial" panose="020B0604020202020204" pitchFamily="34" charset="0"/>
-                <a:cs typeface="Arial" panose="020B0604020202020204" pitchFamily="34" charset="0"/>
-              </a:rPr>
-              <a:t>Are you the one in charge of this service?</a:t>
-            </a:r>
-          </a:p>
-        </p:txBody>
-      </p:sp>
-      <p:sp>
-        <p:nvSpPr>
-          <p:cNvPr id="6" name="Rectángulo 5">
-            <a:extLst>
-              <a:ext uri="{FF2B5EF4-FFF2-40B4-BE49-F238E27FC236}">
-                <a16:creationId xmlns:a16="http://schemas.microsoft.com/office/drawing/2014/main" id="{3C511622-D2E1-4618-BA19-CD13882A5BE1}"/>
-              </a:ext>
-            </a:extLst>
-          </p:cNvPr>
-          <p:cNvSpPr/>
-          <p:nvPr/>
-        </p:nvSpPr>
-        <p:spPr>
-          <a:xfrm>
-            <a:off x="185806" y="6281225"/>
-            <a:ext cx="1471245" cy="481874"/>
-          </a:xfrm>
-          <a:prstGeom prst="rect">
-            <a:avLst/>
-          </a:prstGeom>
-          <a:solidFill>
-            <a:schemeClr val="bg1">
-              <a:lumMod val="85000"/>
-            </a:schemeClr>
-          </a:solidFill>
-          <a:ln>
-            <a:solidFill>
-              <a:schemeClr val="tx1"/>
-            </a:solidFill>
-          </a:ln>
-        </p:spPr>
-        <p:style>
-          <a:lnRef idx="2">
-            <a:schemeClr val="accent1">
-              <a:shade val="50000"/>
-            </a:schemeClr>
-          </a:lnRef>
-          <a:fillRef idx="1">
-            <a:schemeClr val="accent1"/>
-          </a:fillRef>
-          <a:effectRef idx="0">
-            <a:schemeClr val="accent1"/>
-          </a:effectRef>
-          <a:fontRef idx="minor">
-            <a:schemeClr val="lt1"/>
-          </a:fontRef>
-        </p:style>
-        <p:txBody>
-          <a:bodyPr rtlCol="0" anchor="ctr"/>
-          <a:lstStyle/>
-          <a:p>
-            <a:pPr algn="ctr"/>
-            <a:r>
-              <a:rPr lang="es-GT">
-                <a:solidFill>
-                  <a:schemeClr val="tx1"/>
-                </a:solidFill>
-                <a:latin typeface="Arial" panose="020B0604020202020204" pitchFamily="34" charset="0"/>
-                <a:cs typeface="Arial" panose="020B0604020202020204" pitchFamily="34" charset="0"/>
-              </a:rPr>
-              <a:t>Transfer</a:t>
-            </a:r>
-          </a:p>
-        </p:txBody>
-      </p:sp>
-      <p:sp>
-        <p:nvSpPr>
-          <p:cNvPr id="14" name="Rectángulo 13">
-            <a:extLst>
-              <a:ext uri="{FF2B5EF4-FFF2-40B4-BE49-F238E27FC236}">
-                <a16:creationId xmlns:a16="http://schemas.microsoft.com/office/drawing/2014/main" id="{500FBC82-A3AC-4646-98D1-51B98E4BEF58}"/>
-              </a:ext>
-            </a:extLst>
-          </p:cNvPr>
-          <p:cNvSpPr/>
-          <p:nvPr/>
-        </p:nvSpPr>
-        <p:spPr>
-          <a:xfrm>
-            <a:off x="1831139" y="6281571"/>
-            <a:ext cx="1471245" cy="481874"/>
-          </a:xfrm>
-          <a:prstGeom prst="rect">
-            <a:avLst/>
-          </a:prstGeom>
-          <a:solidFill>
-            <a:schemeClr val="bg1">
-              <a:lumMod val="85000"/>
-            </a:schemeClr>
-          </a:solidFill>
-          <a:ln>
-            <a:solidFill>
-              <a:schemeClr val="tx1"/>
-            </a:solidFill>
-          </a:ln>
-        </p:spPr>
-        <p:style>
-          <a:lnRef idx="2">
-            <a:schemeClr val="accent1">
-              <a:shade val="50000"/>
-            </a:schemeClr>
-          </a:lnRef>
-          <a:fillRef idx="1">
-            <a:schemeClr val="accent1"/>
-          </a:fillRef>
-          <a:effectRef idx="0">
-            <a:schemeClr val="accent1"/>
-          </a:effectRef>
-          <a:fontRef idx="minor">
-            <a:schemeClr val="lt1"/>
-          </a:fontRef>
-        </p:style>
-        <p:txBody>
-          <a:bodyPr rtlCol="0" anchor="ctr"/>
-          <a:lstStyle/>
-          <a:p>
-            <a:pPr algn="ctr"/>
-            <a:r>
-              <a:rPr lang="es-GT">
-                <a:solidFill>
-                  <a:schemeClr val="tx1"/>
-                </a:solidFill>
-                <a:latin typeface="Arial" panose="020B0604020202020204" pitchFamily="34" charset="0"/>
-                <a:cs typeface="Arial" panose="020B0604020202020204" pitchFamily="34" charset="0"/>
-              </a:rPr>
-              <a:t>DNC </a:t>
-            </a:r>
-            <a:r>
-              <a:rPr lang="es-GT" err="1">
-                <a:solidFill>
-                  <a:schemeClr val="tx1"/>
-                </a:solidFill>
-                <a:latin typeface="Arial" panose="020B0604020202020204" pitchFamily="34" charset="0"/>
-                <a:cs typeface="Arial" panose="020B0604020202020204" pitchFamily="34" charset="0"/>
-              </a:rPr>
-              <a:t>Request</a:t>
-            </a:r>
-            <a:endParaRPr lang="es-GT">
-              <a:solidFill>
-                <a:schemeClr val="tx1"/>
-              </a:solidFill>
-              <a:latin typeface="Arial" panose="020B0604020202020204" pitchFamily="34" charset="0"/>
-              <a:cs typeface="Arial" panose="020B0604020202020204" pitchFamily="34" charset="0"/>
-            </a:endParaRPr>
-          </a:p>
-        </p:txBody>
-      </p:sp>
-      <p:sp>
-        <p:nvSpPr>
-          <p:cNvPr id="18" name="Rectángulo 17">
-            <a:extLst>
-              <a:ext uri="{FF2B5EF4-FFF2-40B4-BE49-F238E27FC236}">
-                <a16:creationId xmlns:a16="http://schemas.microsoft.com/office/drawing/2014/main" id="{B9BFB3A6-0AC2-42EC-8C04-D885D73AF4F5}"/>
-              </a:ext>
-            </a:extLst>
-          </p:cNvPr>
-          <p:cNvSpPr/>
-          <p:nvPr/>
-        </p:nvSpPr>
-        <p:spPr>
-          <a:xfrm>
-            <a:off x="3393949" y="6281225"/>
-            <a:ext cx="1471245" cy="481874"/>
-          </a:xfrm>
-          <a:prstGeom prst="rect">
-            <a:avLst/>
-          </a:prstGeom>
-          <a:solidFill>
-            <a:schemeClr val="bg1">
-              <a:lumMod val="85000"/>
-            </a:schemeClr>
-          </a:solidFill>
-          <a:ln>
-            <a:solidFill>
-              <a:schemeClr val="tx1"/>
-            </a:solidFill>
-          </a:ln>
-        </p:spPr>
-        <p:style>
-          <a:lnRef idx="2">
-            <a:schemeClr val="accent1">
-              <a:shade val="50000"/>
-            </a:schemeClr>
-          </a:lnRef>
-          <a:fillRef idx="1">
-            <a:schemeClr val="accent1"/>
-          </a:fillRef>
-          <a:effectRef idx="0">
-            <a:schemeClr val="accent1"/>
-          </a:effectRef>
-          <a:fontRef idx="minor">
-            <a:schemeClr val="lt1"/>
-          </a:fontRef>
-        </p:style>
-        <p:txBody>
-          <a:bodyPr rtlCol="0" anchor="ctr"/>
-          <a:lstStyle/>
-          <a:p>
-            <a:pPr algn="ctr"/>
-            <a:r>
-              <a:rPr lang="es-GT" err="1">
-                <a:solidFill>
-                  <a:schemeClr val="tx1"/>
-                </a:solidFill>
-                <a:latin typeface="Arial" panose="020B0604020202020204" pitchFamily="34" charset="0"/>
-                <a:cs typeface="Arial" panose="020B0604020202020204" pitchFamily="34" charset="0"/>
-              </a:rPr>
-              <a:t>Call</a:t>
-            </a:r>
-            <a:r>
-              <a:rPr lang="es-GT">
-                <a:solidFill>
-                  <a:schemeClr val="tx1"/>
-                </a:solidFill>
-                <a:latin typeface="Arial" panose="020B0604020202020204" pitchFamily="34" charset="0"/>
-                <a:cs typeface="Arial" panose="020B0604020202020204" pitchFamily="34" charset="0"/>
-              </a:rPr>
-              <a:t> Back</a:t>
-            </a:r>
-          </a:p>
-        </p:txBody>
-      </p:sp>
-      <p:sp>
-        <p:nvSpPr>
-          <p:cNvPr id="20" name="Rectángulo 19">
-            <a:extLst>
-              <a:ext uri="{FF2B5EF4-FFF2-40B4-BE49-F238E27FC236}">
-                <a16:creationId xmlns:a16="http://schemas.microsoft.com/office/drawing/2014/main" id="{44691D03-A9F3-4811-8E0E-79B812B85DB3}"/>
-              </a:ext>
-            </a:extLst>
-          </p:cNvPr>
-          <p:cNvSpPr/>
-          <p:nvPr/>
-        </p:nvSpPr>
-        <p:spPr>
-          <a:xfrm>
-            <a:off x="5076679" y="6281225"/>
-            <a:ext cx="1471245" cy="481874"/>
-          </a:xfrm>
-          <a:prstGeom prst="rect">
-            <a:avLst/>
-          </a:prstGeom>
-          <a:solidFill>
-            <a:schemeClr val="bg1">
-              <a:lumMod val="85000"/>
-            </a:schemeClr>
-          </a:solidFill>
-          <a:ln>
-            <a:solidFill>
-              <a:schemeClr val="tx1"/>
-            </a:solidFill>
-          </a:ln>
-        </p:spPr>
-        <p:style>
-          <a:lnRef idx="2">
-            <a:schemeClr val="accent1">
-              <a:shade val="50000"/>
-            </a:schemeClr>
-          </a:lnRef>
-          <a:fillRef idx="1">
-            <a:schemeClr val="accent1"/>
-          </a:fillRef>
-          <a:effectRef idx="0">
-            <a:schemeClr val="accent1"/>
-          </a:effectRef>
-          <a:fontRef idx="minor">
-            <a:schemeClr val="lt1"/>
-          </a:fontRef>
-        </p:style>
-        <p:txBody>
-          <a:bodyPr rtlCol="0" anchor="ctr"/>
-          <a:lstStyle/>
-          <a:p>
-            <a:pPr algn="ctr"/>
-            <a:r>
-              <a:rPr lang="es-GT">
-                <a:solidFill>
-                  <a:schemeClr val="tx1"/>
-                </a:solidFill>
-                <a:latin typeface="Arial" panose="020B0604020202020204" pitchFamily="34" charset="0"/>
-                <a:cs typeface="Arial" panose="020B0604020202020204" pitchFamily="34" charset="0"/>
-              </a:rPr>
-              <a:t>No Sale </a:t>
-            </a:r>
-            <a:r>
-              <a:rPr lang="es-GT" err="1">
-                <a:solidFill>
-                  <a:schemeClr val="tx1"/>
-                </a:solidFill>
-                <a:latin typeface="Arial" panose="020B0604020202020204" pitchFamily="34" charset="0"/>
-                <a:cs typeface="Arial" panose="020B0604020202020204" pitchFamily="34" charset="0"/>
-              </a:rPr>
-              <a:t>Close</a:t>
-            </a:r>
-            <a:endParaRPr lang="es-GT">
-              <a:solidFill>
-                <a:schemeClr val="tx1"/>
-              </a:solidFill>
-              <a:latin typeface="Arial" panose="020B0604020202020204" pitchFamily="34" charset="0"/>
-              <a:cs typeface="Arial" panose="020B0604020202020204" pitchFamily="34" charset="0"/>
-            </a:endParaRPr>
-          </a:p>
-        </p:txBody>
-      </p:sp>
-      <p:sp>
-        <p:nvSpPr>
-          <p:cNvPr id="22" name="Rectángulo 21">
-            <a:extLst>
-              <a:ext uri="{FF2B5EF4-FFF2-40B4-BE49-F238E27FC236}">
-                <a16:creationId xmlns:a16="http://schemas.microsoft.com/office/drawing/2014/main" id="{DD8F6038-7FEF-4FAD-9C2D-47B8C2BCF7AD}"/>
-              </a:ext>
-            </a:extLst>
-          </p:cNvPr>
-          <p:cNvSpPr/>
-          <p:nvPr/>
-        </p:nvSpPr>
-        <p:spPr>
-          <a:xfrm>
-            <a:off x="10534949" y="6246055"/>
-            <a:ext cx="1471245" cy="481874"/>
-          </a:xfrm>
-          <a:prstGeom prst="rect">
-            <a:avLst/>
-          </a:prstGeom>
-          <a:solidFill>
-            <a:schemeClr val="bg1">
-              <a:lumMod val="85000"/>
-            </a:schemeClr>
-          </a:solidFill>
-          <a:ln>
-            <a:solidFill>
-              <a:schemeClr val="tx1"/>
-            </a:solidFill>
-          </a:ln>
-        </p:spPr>
-        <p:style>
-          <a:lnRef idx="2">
-            <a:schemeClr val="accent1">
-              <a:shade val="50000"/>
-            </a:schemeClr>
-          </a:lnRef>
-          <a:fillRef idx="1">
-            <a:schemeClr val="accent1"/>
-          </a:fillRef>
-          <a:effectRef idx="0">
-            <a:schemeClr val="accent1"/>
-          </a:effectRef>
-          <a:fontRef idx="minor">
-            <a:schemeClr val="lt1"/>
-          </a:fontRef>
-        </p:style>
-        <p:txBody>
-          <a:bodyPr rtlCol="0" anchor="ctr"/>
-          <a:lstStyle/>
-          <a:p>
-            <a:pPr algn="ctr"/>
-            <a:r>
-              <a:rPr lang="es-GT" err="1">
-                <a:solidFill>
-                  <a:schemeClr val="tx1"/>
-                </a:solidFill>
-                <a:latin typeface="Arial" panose="020B0604020202020204" pitchFamily="34" charset="0"/>
-                <a:cs typeface="Arial" panose="020B0604020202020204" pitchFamily="34" charset="0"/>
-              </a:rPr>
-              <a:t>Continue</a:t>
-            </a:r>
-            <a:endParaRPr lang="es-GT">
-              <a:solidFill>
-                <a:schemeClr val="tx1"/>
-              </a:solidFill>
-              <a:latin typeface="Arial" panose="020B0604020202020204" pitchFamily="34" charset="0"/>
-              <a:cs typeface="Arial" panose="020B0604020202020204" pitchFamily="34" charset="0"/>
-            </a:endParaRPr>
-          </a:p>
-        </p:txBody>
-      </p:sp>
-      <p:sp>
-        <p:nvSpPr>
-          <p:cNvPr id="2" name="Rectangle 1">
-            <a:extLst>
-              <a:ext uri="{FF2B5EF4-FFF2-40B4-BE49-F238E27FC236}">
-                <a16:creationId xmlns:a16="http://schemas.microsoft.com/office/drawing/2014/main" id="{34CAA06D-C58C-41ED-A877-F4AEB4B76151}"/>
-              </a:ext>
-            </a:extLst>
-          </p:cNvPr>
-          <p:cNvSpPr/>
-          <p:nvPr/>
-        </p:nvSpPr>
-        <p:spPr>
-          <a:xfrm>
-            <a:off x="5076679" y="5233266"/>
-            <a:ext cx="4731664" cy="249875"/>
-          </a:xfrm>
-          <a:prstGeom prst="rect">
-            <a:avLst/>
-          </a:prstGeom>
-        </p:spPr>
-        <p:style>
-          <a:lnRef idx="2">
-            <a:schemeClr val="dk1"/>
-          </a:lnRef>
-          <a:fillRef idx="1">
-            <a:schemeClr val="lt1"/>
-          </a:fillRef>
-          <a:effectRef idx="0">
-            <a:schemeClr val="dk1"/>
-          </a:effectRef>
-          <a:fontRef idx="minor">
-            <a:schemeClr val="dk1"/>
-          </a:fontRef>
-        </p:style>
-        <p:txBody>
-          <a:bodyPr rtlCol="0" anchor="ctr"/>
-          <a:lstStyle/>
-          <a:p>
-            <a:pPr algn="ctr"/>
-            <a:endParaRPr lang="es-GT"/>
-          </a:p>
-        </p:txBody>
-      </p:sp>
-      <p:sp>
-        <p:nvSpPr>
-          <p:cNvPr id="16" name="Rectangle 15">
-            <a:extLst>
-              <a:ext uri="{FF2B5EF4-FFF2-40B4-BE49-F238E27FC236}">
-                <a16:creationId xmlns:a16="http://schemas.microsoft.com/office/drawing/2014/main" id="{D48B1797-75B0-4865-AACA-205BFD2B38A0}"/>
-              </a:ext>
-            </a:extLst>
-          </p:cNvPr>
-          <p:cNvSpPr/>
-          <p:nvPr/>
-        </p:nvSpPr>
-        <p:spPr>
-          <a:xfrm>
-            <a:off x="3877055" y="5233266"/>
-            <a:ext cx="1199623" cy="249875"/>
-          </a:xfrm>
-          <a:prstGeom prst="rect">
-            <a:avLst/>
-          </a:prstGeom>
-          <a:ln>
-            <a:noFill/>
-          </a:ln>
-        </p:spPr>
-        <p:style>
-          <a:lnRef idx="2">
-            <a:schemeClr val="dk1"/>
-          </a:lnRef>
-          <a:fillRef idx="1">
-            <a:schemeClr val="lt1"/>
-          </a:fillRef>
-          <a:effectRef idx="0">
-            <a:schemeClr val="dk1"/>
-          </a:effectRef>
-          <a:fontRef idx="minor">
-            <a:schemeClr val="dk1"/>
-          </a:fontRef>
-        </p:style>
-        <p:txBody>
-          <a:bodyPr rtlCol="0" anchor="ctr"/>
-          <a:lstStyle/>
-          <a:p>
-            <a:pPr algn="ctr"/>
-            <a:r>
-              <a:rPr lang="en-US"/>
-              <a:t>Row ID:</a:t>
-            </a:r>
-            <a:endParaRPr lang="es-GT"/>
-          </a:p>
-        </p:txBody>
-      </p:sp>
-      <p:sp>
-        <p:nvSpPr>
-          <p:cNvPr id="21" name="Rectangle 20">
-            <a:extLst>
-              <a:ext uri="{FF2B5EF4-FFF2-40B4-BE49-F238E27FC236}">
-                <a16:creationId xmlns:a16="http://schemas.microsoft.com/office/drawing/2014/main" id="{9EF47C2B-BBAE-46BF-84C1-4AC99D5E3A22}"/>
-              </a:ext>
-            </a:extLst>
-          </p:cNvPr>
-          <p:cNvSpPr/>
-          <p:nvPr/>
-        </p:nvSpPr>
-        <p:spPr>
-          <a:xfrm>
-            <a:off x="5082775" y="5531970"/>
-            <a:ext cx="4731664" cy="249875"/>
-          </a:xfrm>
-          <a:prstGeom prst="rect">
-            <a:avLst/>
-          </a:prstGeom>
-        </p:spPr>
-        <p:style>
-          <a:lnRef idx="2">
-            <a:schemeClr val="dk1"/>
-          </a:lnRef>
-          <a:fillRef idx="1">
-            <a:schemeClr val="lt1"/>
-          </a:fillRef>
-          <a:effectRef idx="0">
-            <a:schemeClr val="dk1"/>
-          </a:effectRef>
-          <a:fontRef idx="minor">
-            <a:schemeClr val="dk1"/>
-          </a:fontRef>
-        </p:style>
-        <p:txBody>
-          <a:bodyPr rtlCol="0" anchor="ctr"/>
-          <a:lstStyle/>
-          <a:p>
-            <a:pPr algn="ctr"/>
-            <a:endParaRPr lang="es-GT"/>
-          </a:p>
-        </p:txBody>
-      </p:sp>
-      <p:sp>
-        <p:nvSpPr>
-          <p:cNvPr id="25" name="Rectangle 24">
-            <a:extLst>
-              <a:ext uri="{FF2B5EF4-FFF2-40B4-BE49-F238E27FC236}">
-                <a16:creationId xmlns:a16="http://schemas.microsoft.com/office/drawing/2014/main" id="{318C9F96-97B0-4364-A178-1CDAB7178D28}"/>
-              </a:ext>
-            </a:extLst>
-          </p:cNvPr>
-          <p:cNvSpPr/>
-          <p:nvPr/>
-        </p:nvSpPr>
-        <p:spPr>
-          <a:xfrm>
-            <a:off x="3605433" y="5458818"/>
-            <a:ext cx="1471245" cy="371760"/>
-          </a:xfrm>
-          <a:prstGeom prst="rect">
-            <a:avLst/>
-          </a:prstGeom>
-          <a:ln>
-            <a:noFill/>
-          </a:ln>
-        </p:spPr>
-        <p:style>
-          <a:lnRef idx="2">
-            <a:schemeClr val="dk1"/>
-          </a:lnRef>
-          <a:fillRef idx="1">
-            <a:schemeClr val="lt1"/>
-          </a:fillRef>
-          <a:effectRef idx="0">
-            <a:schemeClr val="dk1"/>
-          </a:effectRef>
-          <a:fontRef idx="minor">
-            <a:schemeClr val="dk1"/>
-          </a:fontRef>
-        </p:style>
-        <p:txBody>
-          <a:bodyPr rtlCol="0" anchor="ctr"/>
-          <a:lstStyle/>
-          <a:p>
-            <a:pPr algn="ctr"/>
-            <a:r>
-              <a:rPr lang="en-US"/>
-              <a:t>Telephone:</a:t>
-            </a:r>
-            <a:endParaRPr lang="es-GT"/>
-          </a:p>
-        </p:txBody>
-      </p:sp>
-      <p:grpSp>
-        <p:nvGrpSpPr>
-          <p:cNvPr id="30" name="Group 29">
-            <a:extLst>
-              <a:ext uri="{FF2B5EF4-FFF2-40B4-BE49-F238E27FC236}">
-                <a16:creationId xmlns:a16="http://schemas.microsoft.com/office/drawing/2014/main" id="{569032DF-9FD6-4246-A23C-BD99481B99B3}"/>
-              </a:ext>
-            </a:extLst>
-          </p:cNvPr>
-          <p:cNvGrpSpPr/>
-          <p:nvPr/>
-        </p:nvGrpSpPr>
-        <p:grpSpPr>
-          <a:xfrm>
-            <a:off x="1230924" y="576775"/>
-            <a:ext cx="10044332" cy="1229931"/>
-            <a:chOff x="1230924" y="576775"/>
-            <a:chExt cx="10044332" cy="1229931"/>
-          </a:xfrm>
-        </p:grpSpPr>
-        <p:grpSp>
-          <p:nvGrpSpPr>
-            <p:cNvPr id="31" name="Grupo 5">
-              <a:extLst>
-                <a:ext uri="{FF2B5EF4-FFF2-40B4-BE49-F238E27FC236}">
-                  <a16:creationId xmlns:a16="http://schemas.microsoft.com/office/drawing/2014/main" id="{62DB17D4-0F24-4B98-84FB-89E802AD8C5D}"/>
-                </a:ext>
-              </a:extLst>
-            </p:cNvPr>
-            <p:cNvGrpSpPr/>
-            <p:nvPr/>
-          </p:nvGrpSpPr>
-          <p:grpSpPr>
-            <a:xfrm>
-              <a:off x="1230924" y="576775"/>
-              <a:ext cx="10044332" cy="1229931"/>
-              <a:chOff x="1230924" y="576775"/>
-              <a:chExt cx="10044332" cy="1229931"/>
-            </a:xfrm>
-          </p:grpSpPr>
-          <p:sp>
-            <p:nvSpPr>
-              <p:cNvPr id="33" name="Rectángulo 1">
-                <a:extLst>
-                  <a:ext uri="{FF2B5EF4-FFF2-40B4-BE49-F238E27FC236}">
-                    <a16:creationId xmlns:a16="http://schemas.microsoft.com/office/drawing/2014/main" id="{CB2B1523-B3F5-421E-8E8C-76D590A97DE3}"/>
-                  </a:ext>
-                </a:extLst>
-              </p:cNvPr>
-              <p:cNvSpPr/>
-              <p:nvPr/>
-            </p:nvSpPr>
-            <p:spPr>
-              <a:xfrm>
-                <a:off x="1230924" y="576775"/>
-                <a:ext cx="10044332" cy="1181686"/>
-              </a:xfrm>
-              <a:prstGeom prst="rect">
-                <a:avLst/>
-              </a:prstGeom>
-              <a:solidFill>
-                <a:srgbClr val="0C8AAC"/>
-              </a:solidFill>
-            </p:spPr>
-            <p:style>
-              <a:lnRef idx="2">
-                <a:schemeClr val="accent1">
-                  <a:shade val="50000"/>
-                </a:schemeClr>
-              </a:lnRef>
-              <a:fillRef idx="1">
-                <a:schemeClr val="accent1"/>
-              </a:fillRef>
-              <a:effectRef idx="0">
-                <a:schemeClr val="accent1"/>
-              </a:effectRef>
-              <a:fontRef idx="minor">
-                <a:schemeClr val="lt1"/>
-              </a:fontRef>
-            </p:style>
-            <p:txBody>
-              <a:bodyPr rtlCol="0" anchor="ctr"/>
-              <a:lstStyle/>
-              <a:p>
-                <a:pPr algn="ctr"/>
-                <a:endParaRPr lang="es-GT">
-                  <a:ln>
-                    <a:solidFill>
-                      <a:schemeClr val="bg1"/>
-                    </a:solidFill>
-                  </a:ln>
-                </a:endParaRPr>
-              </a:p>
-            </p:txBody>
-          </p:sp>
-          <p:sp>
-            <p:nvSpPr>
-              <p:cNvPr id="34" name="CuadroTexto 3">
-                <a:extLst>
-                  <a:ext uri="{FF2B5EF4-FFF2-40B4-BE49-F238E27FC236}">
-                    <a16:creationId xmlns:a16="http://schemas.microsoft.com/office/drawing/2014/main" id="{27A7DB5E-3AD9-4FF2-AC25-883450463E51}"/>
-                  </a:ext>
-                </a:extLst>
-              </p:cNvPr>
-              <p:cNvSpPr txBox="1"/>
-              <p:nvPr/>
-            </p:nvSpPr>
-            <p:spPr>
-              <a:xfrm>
-                <a:off x="1441939" y="597240"/>
-                <a:ext cx="2052375" cy="1200329"/>
-              </a:xfrm>
-              <a:prstGeom prst="rect">
-                <a:avLst/>
-              </a:prstGeom>
-              <a:noFill/>
-            </p:spPr>
-            <p:txBody>
-              <a:bodyPr wrap="square" rtlCol="0">
-                <a:spAutoFit/>
-              </a:bodyPr>
-              <a:lstStyle/>
-              <a:p>
-                <a:r>
-                  <a:rPr lang="es-GT" sz="1200" err="1">
-                    <a:solidFill>
-                      <a:schemeClr val="bg1"/>
-                    </a:solidFill>
-                    <a:latin typeface="Arial" panose="020B0604020202020204" pitchFamily="34" charset="0"/>
-                    <a:cs typeface="Arial" panose="020B0604020202020204" pitchFamily="34" charset="0"/>
-                  </a:rPr>
-                  <a:t>Customer</a:t>
-                </a:r>
-                <a:r>
-                  <a:rPr lang="es-GT" sz="1200">
-                    <a:solidFill>
-                      <a:schemeClr val="bg1"/>
-                    </a:solidFill>
-                    <a:latin typeface="Arial" panose="020B0604020202020204" pitchFamily="34" charset="0"/>
-                    <a:cs typeface="Arial" panose="020B0604020202020204" pitchFamily="34" charset="0"/>
-                  </a:rPr>
-                  <a:t> </a:t>
-                </a:r>
-                <a:r>
-                  <a:rPr lang="es-GT" sz="1200" err="1">
-                    <a:solidFill>
-                      <a:schemeClr val="bg1"/>
-                    </a:solidFill>
-                    <a:latin typeface="Arial" panose="020B0604020202020204" pitchFamily="34" charset="0"/>
-                    <a:cs typeface="Arial" panose="020B0604020202020204" pitchFamily="34" charset="0"/>
-                  </a:rPr>
-                  <a:t>Name</a:t>
-                </a:r>
-                <a:r>
-                  <a:rPr lang="es-GT" sz="1200">
-                    <a:solidFill>
-                      <a:schemeClr val="bg1"/>
-                    </a:solidFill>
-                    <a:latin typeface="Arial" panose="020B0604020202020204" pitchFamily="34" charset="0"/>
-                    <a:cs typeface="Arial" panose="020B0604020202020204" pitchFamily="34" charset="0"/>
-                  </a:rPr>
-                  <a:t>:</a:t>
-                </a:r>
-              </a:p>
-              <a:p>
-                <a:r>
-                  <a:rPr lang="es-GT" sz="1200" err="1">
-                    <a:solidFill>
-                      <a:schemeClr val="bg1"/>
-                    </a:solidFill>
-                    <a:latin typeface="Arial" panose="020B0604020202020204" pitchFamily="34" charset="0"/>
-                    <a:cs typeface="Arial" panose="020B0604020202020204" pitchFamily="34" charset="0"/>
-                  </a:rPr>
-                  <a:t>Issue</a:t>
-                </a:r>
-                <a:r>
-                  <a:rPr lang="es-GT" sz="1200">
-                    <a:solidFill>
-                      <a:schemeClr val="bg1"/>
-                    </a:solidFill>
-                    <a:latin typeface="Arial" panose="020B0604020202020204" pitchFamily="34" charset="0"/>
-                    <a:cs typeface="Arial" panose="020B0604020202020204" pitchFamily="34" charset="0"/>
-                  </a:rPr>
-                  <a:t> </a:t>
-                </a:r>
-                <a:r>
-                  <a:rPr lang="es-GT" sz="1200" err="1">
-                    <a:solidFill>
-                      <a:schemeClr val="bg1"/>
-                    </a:solidFill>
-                    <a:latin typeface="Arial" panose="020B0604020202020204" pitchFamily="34" charset="0"/>
-                    <a:cs typeface="Arial" panose="020B0604020202020204" pitchFamily="34" charset="0"/>
-                  </a:rPr>
-                  <a:t>Number</a:t>
-                </a:r>
-                <a:r>
-                  <a:rPr lang="es-GT" sz="1200">
-                    <a:solidFill>
-                      <a:schemeClr val="bg1"/>
-                    </a:solidFill>
-                    <a:latin typeface="Arial" panose="020B0604020202020204" pitchFamily="34" charset="0"/>
-                    <a:cs typeface="Arial" panose="020B0604020202020204" pitchFamily="34" charset="0"/>
-                  </a:rPr>
-                  <a:t>:</a:t>
-                </a:r>
-              </a:p>
-              <a:p>
-                <a:r>
-                  <a:rPr lang="es-GT" sz="1200" err="1">
-                    <a:solidFill>
-                      <a:schemeClr val="bg1"/>
-                    </a:solidFill>
-                    <a:latin typeface="Arial" panose="020B0604020202020204" pitchFamily="34" charset="0"/>
-                    <a:cs typeface="Arial" panose="020B0604020202020204" pitchFamily="34" charset="0"/>
-                  </a:rPr>
-                  <a:t>Resi</a:t>
-                </a:r>
-                <a:r>
-                  <a:rPr lang="es-GT" sz="1200">
-                    <a:solidFill>
-                      <a:schemeClr val="bg1"/>
-                    </a:solidFill>
-                    <a:latin typeface="Arial" panose="020B0604020202020204" pitchFamily="34" charset="0"/>
-                    <a:cs typeface="Arial" panose="020B0604020202020204" pitchFamily="34" charset="0"/>
-                  </a:rPr>
-                  <a:t> </a:t>
-                </a:r>
-                <a:r>
-                  <a:rPr lang="es-GT" sz="1200" err="1">
-                    <a:solidFill>
-                      <a:schemeClr val="bg1"/>
-                    </a:solidFill>
-                    <a:latin typeface="Arial" panose="020B0604020202020204" pitchFamily="34" charset="0"/>
-                    <a:cs typeface="Arial" panose="020B0604020202020204" pitchFamily="34" charset="0"/>
-                  </a:rPr>
-                  <a:t>or</a:t>
-                </a:r>
-                <a:r>
-                  <a:rPr lang="es-GT" sz="1200">
-                    <a:solidFill>
-                      <a:schemeClr val="bg1"/>
-                    </a:solidFill>
-                    <a:latin typeface="Arial" panose="020B0604020202020204" pitchFamily="34" charset="0"/>
-                    <a:cs typeface="Arial" panose="020B0604020202020204" pitchFamily="34" charset="0"/>
-                  </a:rPr>
-                  <a:t> </a:t>
-                </a:r>
-                <a:r>
-                  <a:rPr lang="es-GT" sz="1200" err="1">
-                    <a:solidFill>
-                      <a:schemeClr val="bg1"/>
-                    </a:solidFill>
-                    <a:latin typeface="Arial" panose="020B0604020202020204" pitchFamily="34" charset="0"/>
-                    <a:cs typeface="Arial" panose="020B0604020202020204" pitchFamily="34" charset="0"/>
-                  </a:rPr>
-                  <a:t>Comm</a:t>
-                </a:r>
-                <a:r>
-                  <a:rPr lang="es-GT" sz="1200">
-                    <a:solidFill>
-                      <a:schemeClr val="bg1"/>
-                    </a:solidFill>
-                    <a:latin typeface="Arial" panose="020B0604020202020204" pitchFamily="34" charset="0"/>
-                    <a:cs typeface="Arial" panose="020B0604020202020204" pitchFamily="34" charset="0"/>
-                  </a:rPr>
-                  <a:t>:</a:t>
-                </a:r>
-              </a:p>
-              <a:p>
-                <a:r>
-                  <a:rPr lang="es-GT" sz="1200" err="1">
-                    <a:solidFill>
-                      <a:schemeClr val="bg1"/>
-                    </a:solidFill>
-                    <a:latin typeface="Arial" panose="020B0604020202020204" pitchFamily="34" charset="0"/>
-                    <a:cs typeface="Arial" panose="020B0604020202020204" pitchFamily="34" charset="0"/>
-                  </a:rPr>
-                  <a:t>State</a:t>
-                </a:r>
-                <a:r>
-                  <a:rPr lang="es-GT" sz="1200">
-                    <a:solidFill>
-                      <a:schemeClr val="bg1"/>
-                    </a:solidFill>
-                    <a:latin typeface="Arial" panose="020B0604020202020204" pitchFamily="34" charset="0"/>
-                    <a:cs typeface="Arial" panose="020B0604020202020204" pitchFamily="34" charset="0"/>
-                  </a:rPr>
-                  <a:t>:</a:t>
-                </a:r>
-              </a:p>
-              <a:p>
-                <a:r>
-                  <a:rPr lang="es-GT" sz="1200" err="1">
-                    <a:solidFill>
-                      <a:schemeClr val="bg1"/>
-                    </a:solidFill>
-                    <a:latin typeface="Arial" panose="020B0604020202020204" pitchFamily="34" charset="0"/>
-                    <a:cs typeface="Arial" panose="020B0604020202020204" pitchFamily="34" charset="0"/>
-                  </a:rPr>
-                  <a:t>Utility</a:t>
-                </a:r>
-                <a:r>
-                  <a:rPr lang="es-GT" sz="1200">
-                    <a:solidFill>
-                      <a:schemeClr val="bg1"/>
-                    </a:solidFill>
-                    <a:latin typeface="Arial" panose="020B0604020202020204" pitchFamily="34" charset="0"/>
-                    <a:cs typeface="Arial" panose="020B0604020202020204" pitchFamily="34" charset="0"/>
-                  </a:rPr>
-                  <a:t>:</a:t>
-                </a:r>
-              </a:p>
-              <a:p>
-                <a:r>
-                  <a:rPr lang="es-GT" sz="1200">
-                    <a:solidFill>
-                      <a:schemeClr val="bg1"/>
-                    </a:solidFill>
-                    <a:latin typeface="Arial" panose="020B0604020202020204" pitchFamily="34" charset="0"/>
-                    <a:cs typeface="Arial" panose="020B0604020202020204" pitchFamily="34" charset="0"/>
-                  </a:rPr>
-                  <a:t>Brand:</a:t>
-                </a:r>
-              </a:p>
-            </p:txBody>
-          </p:sp>
-          <p:sp>
-            <p:nvSpPr>
-              <p:cNvPr id="35" name="CuadroTexto 4">
-                <a:extLst>
-                  <a:ext uri="{FF2B5EF4-FFF2-40B4-BE49-F238E27FC236}">
-                    <a16:creationId xmlns:a16="http://schemas.microsoft.com/office/drawing/2014/main" id="{0B5AF882-1699-4C09-A821-A002969BFB06}"/>
-                  </a:ext>
-                </a:extLst>
-              </p:cNvPr>
-              <p:cNvSpPr txBox="1"/>
-              <p:nvPr/>
-            </p:nvSpPr>
-            <p:spPr>
-              <a:xfrm>
-                <a:off x="5260399" y="606377"/>
-                <a:ext cx="4302280" cy="1200329"/>
-              </a:xfrm>
-              <a:prstGeom prst="rect">
-                <a:avLst/>
-              </a:prstGeom>
-              <a:noFill/>
-            </p:spPr>
-            <p:txBody>
-              <a:bodyPr wrap="square" rtlCol="0">
-                <a:spAutoFit/>
-              </a:bodyPr>
-              <a:lstStyle/>
-              <a:p>
-                <a:r>
-                  <a:rPr lang="es-GT" sz="1200" err="1">
-                    <a:solidFill>
-                      <a:schemeClr val="bg1"/>
-                    </a:solidFill>
-                    <a:latin typeface="Arial" panose="020B0604020202020204" pitchFamily="34" charset="0"/>
-                    <a:cs typeface="Arial" panose="020B0604020202020204" pitchFamily="34" charset="0"/>
-                  </a:rPr>
-                  <a:t>Drop</a:t>
-                </a:r>
-                <a:r>
-                  <a:rPr lang="es-GT" sz="1200">
-                    <a:solidFill>
-                      <a:schemeClr val="bg1"/>
-                    </a:solidFill>
-                    <a:latin typeface="Arial" panose="020B0604020202020204" pitchFamily="34" charset="0"/>
-                    <a:cs typeface="Arial" panose="020B0604020202020204" pitchFamily="34" charset="0"/>
-                  </a:rPr>
-                  <a:t> Reason:	</a:t>
-                </a:r>
-                <a:r>
-                  <a:rPr lang="es-GT" sz="1200" err="1">
-                    <a:solidFill>
-                      <a:schemeClr val="bg1"/>
-                    </a:solidFill>
-                    <a:latin typeface="Arial" panose="020B0604020202020204" pitchFamily="34" charset="0"/>
-                    <a:cs typeface="Arial" panose="020B0604020202020204" pitchFamily="34" charset="0"/>
-                  </a:rPr>
-                  <a:t>Monthly</a:t>
-                </a:r>
-                <a:r>
-                  <a:rPr lang="es-GT" sz="1200">
-                    <a:solidFill>
-                      <a:schemeClr val="bg1"/>
-                    </a:solidFill>
-                    <a:latin typeface="Arial" panose="020B0604020202020204" pitchFamily="34" charset="0"/>
-                    <a:cs typeface="Arial" panose="020B0604020202020204" pitchFamily="34" charset="0"/>
-                  </a:rPr>
-                  <a:t> </a:t>
-                </a:r>
-                <a:r>
-                  <a:rPr lang="es-GT" sz="1200" err="1">
-                    <a:solidFill>
-                      <a:schemeClr val="bg1"/>
-                    </a:solidFill>
-                    <a:latin typeface="Arial" panose="020B0604020202020204" pitchFamily="34" charset="0"/>
-                    <a:cs typeface="Arial" panose="020B0604020202020204" pitchFamily="34" charset="0"/>
-                  </a:rPr>
-                  <a:t>Reward</a:t>
-                </a:r>
-                <a:r>
-                  <a:rPr lang="es-GT" sz="1200">
-                    <a:solidFill>
-                      <a:schemeClr val="bg1"/>
-                    </a:solidFill>
-                    <a:latin typeface="Arial" panose="020B0604020202020204" pitchFamily="34" charset="0"/>
-                    <a:cs typeface="Arial" panose="020B0604020202020204" pitchFamily="34" charset="0"/>
-                  </a:rPr>
-                  <a:t> </a:t>
-                </a:r>
-                <a:r>
-                  <a:rPr lang="es-GT" sz="1200" err="1">
-                    <a:solidFill>
-                      <a:schemeClr val="bg1"/>
-                    </a:solidFill>
-                    <a:latin typeface="Arial" panose="020B0604020202020204" pitchFamily="34" charset="0"/>
-                    <a:cs typeface="Arial" panose="020B0604020202020204" pitchFamily="34" charset="0"/>
-                  </a:rPr>
-                  <a:t>Value</a:t>
-                </a:r>
-                <a:r>
-                  <a:rPr lang="es-GT" sz="1200">
-                    <a:solidFill>
-                      <a:schemeClr val="bg1"/>
-                    </a:solidFill>
-                    <a:latin typeface="Arial" panose="020B0604020202020204" pitchFamily="34" charset="0"/>
-                    <a:cs typeface="Arial" panose="020B0604020202020204" pitchFamily="34" charset="0"/>
-                  </a:rPr>
-                  <a:t>: </a:t>
-                </a:r>
-              </a:p>
-              <a:p>
-                <a:r>
-                  <a:rPr lang="es-GT" sz="1200" err="1">
-                    <a:solidFill>
-                      <a:schemeClr val="bg1"/>
-                    </a:solidFill>
-                    <a:latin typeface="Arial" panose="020B0604020202020204" pitchFamily="34" charset="0"/>
-                    <a:cs typeface="Arial" panose="020B0604020202020204" pitchFamily="34" charset="0"/>
-                  </a:rPr>
-                  <a:t>Utility</a:t>
-                </a:r>
-                <a:r>
-                  <a:rPr lang="es-GT" sz="1200">
-                    <a:solidFill>
-                      <a:schemeClr val="bg1"/>
-                    </a:solidFill>
-                    <a:latin typeface="Arial" panose="020B0604020202020204" pitchFamily="34" charset="0"/>
-                    <a:cs typeface="Arial" panose="020B0604020202020204" pitchFamily="34" charset="0"/>
-                  </a:rPr>
-                  <a:t> </a:t>
-                </a:r>
-                <a:r>
-                  <a:rPr lang="es-GT" sz="1200" err="1">
-                    <a:solidFill>
-                      <a:schemeClr val="bg1"/>
-                    </a:solidFill>
-                    <a:latin typeface="Arial" panose="020B0604020202020204" pitchFamily="34" charset="0"/>
-                    <a:cs typeface="Arial" panose="020B0604020202020204" pitchFamily="34" charset="0"/>
-                  </a:rPr>
-                  <a:t>Acct</a:t>
-                </a:r>
-                <a:r>
-                  <a:rPr lang="es-GT" sz="1200">
-                    <a:solidFill>
-                      <a:schemeClr val="bg1"/>
-                    </a:solidFill>
-                    <a:latin typeface="Arial" panose="020B0604020202020204" pitchFamily="34" charset="0"/>
-                    <a:cs typeface="Arial" panose="020B0604020202020204" pitchFamily="34" charset="0"/>
-                  </a:rPr>
-                  <a:t> No.:	Total </a:t>
-                </a:r>
-                <a:r>
-                  <a:rPr lang="es-GT" sz="1200" err="1">
-                    <a:solidFill>
-                      <a:schemeClr val="bg1"/>
-                    </a:solidFill>
-                    <a:latin typeface="Arial" panose="020B0604020202020204" pitchFamily="34" charset="0"/>
-                    <a:cs typeface="Arial" panose="020B0604020202020204" pitchFamily="34" charset="0"/>
-                  </a:rPr>
-                  <a:t>Reward</a:t>
-                </a:r>
-                <a:r>
-                  <a:rPr lang="es-GT" sz="1200">
-                    <a:solidFill>
-                      <a:schemeClr val="bg1"/>
-                    </a:solidFill>
-                    <a:latin typeface="Arial" panose="020B0604020202020204" pitchFamily="34" charset="0"/>
-                    <a:cs typeface="Arial" panose="020B0604020202020204" pitchFamily="34" charset="0"/>
-                  </a:rPr>
-                  <a:t> </a:t>
-                </a:r>
-                <a:r>
-                  <a:rPr lang="es-GT" sz="1200" err="1">
-                    <a:solidFill>
-                      <a:schemeClr val="bg1"/>
-                    </a:solidFill>
-                    <a:latin typeface="Arial" panose="020B0604020202020204" pitchFamily="34" charset="0"/>
-                    <a:cs typeface="Arial" panose="020B0604020202020204" pitchFamily="34" charset="0"/>
-                  </a:rPr>
-                  <a:t>Value</a:t>
-                </a:r>
-                <a:r>
-                  <a:rPr lang="es-GT" sz="1200">
-                    <a:solidFill>
-                      <a:schemeClr val="bg1"/>
-                    </a:solidFill>
-                    <a:latin typeface="Arial" panose="020B0604020202020204" pitchFamily="34" charset="0"/>
-                    <a:cs typeface="Arial" panose="020B0604020202020204" pitchFamily="34" charset="0"/>
-                  </a:rPr>
-                  <a:t> </a:t>
-                </a:r>
-                <a:r>
-                  <a:rPr lang="es-GT" sz="1200" err="1">
-                    <a:solidFill>
-                      <a:schemeClr val="bg1"/>
-                    </a:solidFill>
-                    <a:latin typeface="Arial" panose="020B0604020202020204" pitchFamily="34" charset="0"/>
-                    <a:cs typeface="Arial" panose="020B0604020202020204" pitchFamily="34" charset="0"/>
-                  </a:rPr>
-                  <a:t>Earned</a:t>
-                </a:r>
-                <a:r>
-                  <a:rPr lang="es-GT" sz="1200">
-                    <a:solidFill>
-                      <a:schemeClr val="bg1"/>
-                    </a:solidFill>
-                    <a:latin typeface="Arial" panose="020B0604020202020204" pitchFamily="34" charset="0"/>
-                    <a:cs typeface="Arial" panose="020B0604020202020204" pitchFamily="34" charset="0"/>
-                  </a:rPr>
-                  <a:t>: </a:t>
-                </a:r>
-              </a:p>
-              <a:p>
-                <a:r>
-                  <a:rPr lang="es-GT" sz="1200" err="1">
-                    <a:solidFill>
-                      <a:schemeClr val="bg1"/>
-                    </a:solidFill>
-                    <a:latin typeface="Arial" panose="020B0604020202020204" pitchFamily="34" charset="0"/>
-                    <a:cs typeface="Arial" panose="020B0604020202020204" pitchFamily="34" charset="0"/>
-                  </a:rPr>
-                  <a:t>Drop</a:t>
-                </a:r>
-                <a:r>
-                  <a:rPr lang="es-GT" sz="1200">
-                    <a:solidFill>
-                      <a:schemeClr val="bg1"/>
-                    </a:solidFill>
-                    <a:latin typeface="Arial" panose="020B0604020202020204" pitchFamily="34" charset="0"/>
-                    <a:cs typeface="Arial" panose="020B0604020202020204" pitchFamily="34" charset="0"/>
-                  </a:rPr>
-                  <a:t> Date:		</a:t>
-                </a:r>
-              </a:p>
-              <a:p>
-                <a:r>
-                  <a:rPr lang="es-GT" sz="1200" err="1">
-                    <a:solidFill>
-                      <a:schemeClr val="bg1"/>
-                    </a:solidFill>
-                    <a:latin typeface="Arial" panose="020B0604020202020204" pitchFamily="34" charset="0"/>
-                    <a:cs typeface="Arial" panose="020B0604020202020204" pitchFamily="34" charset="0"/>
-                  </a:rPr>
-                  <a:t>Campaign</a:t>
-                </a:r>
-                <a:r>
-                  <a:rPr lang="es-GT" sz="1200">
-                    <a:solidFill>
-                      <a:schemeClr val="bg1"/>
-                    </a:solidFill>
-                    <a:latin typeface="Arial" panose="020B0604020202020204" pitchFamily="34" charset="0"/>
-                    <a:cs typeface="Arial" panose="020B0604020202020204" pitchFamily="34" charset="0"/>
-                  </a:rPr>
-                  <a:t>:</a:t>
-                </a:r>
-              </a:p>
-              <a:p>
-                <a:r>
-                  <a:rPr lang="es-GT" sz="1200" err="1">
-                    <a:solidFill>
-                      <a:schemeClr val="bg1"/>
-                    </a:solidFill>
-                    <a:latin typeface="Arial" panose="020B0604020202020204" pitchFamily="34" charset="0"/>
-                    <a:cs typeface="Arial" panose="020B0604020202020204" pitchFamily="34" charset="0"/>
-                  </a:rPr>
-                  <a:t>Row</a:t>
-                </a:r>
-                <a:r>
-                  <a:rPr lang="es-GT" sz="1200">
-                    <a:solidFill>
-                      <a:schemeClr val="bg1"/>
-                    </a:solidFill>
-                    <a:latin typeface="Arial" panose="020B0604020202020204" pitchFamily="34" charset="0"/>
-                    <a:cs typeface="Arial" panose="020B0604020202020204" pitchFamily="34" charset="0"/>
-                  </a:rPr>
-                  <a:t> ID:</a:t>
-                </a:r>
-              </a:p>
-              <a:p>
-                <a:r>
-                  <a:rPr lang="es-GT" sz="1200" err="1">
-                    <a:solidFill>
-                      <a:schemeClr val="bg1"/>
-                    </a:solidFill>
-                    <a:latin typeface="Arial" panose="020B0604020202020204" pitchFamily="34" charset="0"/>
-                    <a:cs typeface="Arial" panose="020B0604020202020204" pitchFamily="34" charset="0"/>
-                  </a:rPr>
-                  <a:t>Commodity</a:t>
-                </a:r>
-                <a:r>
-                  <a:rPr lang="es-GT" sz="1200">
-                    <a:solidFill>
-                      <a:schemeClr val="bg1"/>
-                    </a:solidFill>
-                    <a:latin typeface="Arial" panose="020B0604020202020204" pitchFamily="34" charset="0"/>
-                    <a:cs typeface="Arial" panose="020B0604020202020204" pitchFamily="34" charset="0"/>
-                  </a:rPr>
-                  <a:t>:</a:t>
-                </a:r>
-              </a:p>
-            </p:txBody>
-          </p:sp>
-          <p:sp>
-            <p:nvSpPr>
-              <p:cNvPr id="36" name="CuadroTexto 12">
-                <a:extLst>
-                  <a:ext uri="{FF2B5EF4-FFF2-40B4-BE49-F238E27FC236}">
-                    <a16:creationId xmlns:a16="http://schemas.microsoft.com/office/drawing/2014/main" id="{A8280A2D-879D-4DAC-8DCE-7568245C85FC}"/>
-                  </a:ext>
-                </a:extLst>
-              </p:cNvPr>
-              <p:cNvSpPr txBox="1"/>
-              <p:nvPr/>
-            </p:nvSpPr>
-            <p:spPr>
-              <a:xfrm>
-                <a:off x="9808343" y="1423846"/>
-                <a:ext cx="1359877" cy="369332"/>
-              </a:xfrm>
-              <a:prstGeom prst="rect">
-                <a:avLst/>
-              </a:prstGeom>
-              <a:noFill/>
-            </p:spPr>
-            <p:txBody>
-              <a:bodyPr wrap="square" rtlCol="0">
-                <a:spAutoFit/>
-              </a:bodyPr>
-              <a:lstStyle/>
-              <a:p>
-                <a:pPr algn="ctr"/>
-                <a:r>
-                  <a:rPr lang="es-GT" i="1">
-                    <a:solidFill>
-                      <a:schemeClr val="bg1"/>
-                    </a:solidFill>
-                    <a:latin typeface="Arial" panose="020B0604020202020204" pitchFamily="34" charset="0"/>
-                    <a:cs typeface="Arial" panose="020B0604020202020204" pitchFamily="34" charset="0"/>
-                  </a:rPr>
-                  <a:t>Lead </a:t>
-                </a:r>
-                <a:r>
-                  <a:rPr lang="es-GT" i="1" err="1">
-                    <a:solidFill>
-                      <a:schemeClr val="bg1"/>
-                    </a:solidFill>
-                    <a:latin typeface="Arial" panose="020B0604020202020204" pitchFamily="34" charset="0"/>
-                    <a:cs typeface="Arial" panose="020B0604020202020204" pitchFamily="34" charset="0"/>
-                  </a:rPr>
-                  <a:t>Type</a:t>
-                </a:r>
-                <a:endParaRPr lang="es-GT" i="1">
-                  <a:solidFill>
-                    <a:schemeClr val="bg1"/>
-                  </a:solidFill>
-                  <a:latin typeface="Arial" panose="020B0604020202020204" pitchFamily="34" charset="0"/>
-                  <a:cs typeface="Arial" panose="020B0604020202020204" pitchFamily="34" charset="0"/>
-                </a:endParaRPr>
-              </a:p>
-            </p:txBody>
-          </p:sp>
-        </p:grpSp>
-        <p:pic>
-          <p:nvPicPr>
-            <p:cNvPr id="32" name="Picture 31" descr="A picture containing clipart&#10;&#10;Description automatically generated">
-              <a:extLst>
-                <a:ext uri="{FF2B5EF4-FFF2-40B4-BE49-F238E27FC236}">
-                  <a16:creationId xmlns:a16="http://schemas.microsoft.com/office/drawing/2014/main" id="{1126BB00-98D8-4BEB-9D20-727FF0856897}"/>
-                </a:ext>
-              </a:extLst>
-            </p:cNvPr>
-            <p:cNvPicPr>
-              <a:picLocks noChangeAspect="1"/>
-            </p:cNvPicPr>
-            <p:nvPr/>
-          </p:nvPicPr>
-          <p:blipFill>
-            <a:blip r:embed="rId3">
-              <a:extLst>
-                <a:ext uri="{28A0092B-C50C-407E-A947-70E740481C1C}">
-                  <a14:useLocalDpi xmlns:a14="http://schemas.microsoft.com/office/drawing/2010/main" val="0"/>
-                </a:ext>
-              </a:extLst>
-            </a:blip>
-            <a:stretch>
-              <a:fillRect/>
-            </a:stretch>
-          </p:blipFill>
-          <p:spPr>
-            <a:xfrm>
-              <a:off x="9562679" y="581121"/>
-              <a:ext cx="1712577" cy="897064"/>
-            </a:xfrm>
-            <a:prstGeom prst="rect">
-              <a:avLst/>
-            </a:prstGeom>
-          </p:spPr>
-        </p:pic>
-      </p:grpSp>
-      <p:sp>
-        <p:nvSpPr>
-          <p:cNvPr id="23" name="Title 1">
-            <a:extLst>
-              <a:ext uri="{FF2B5EF4-FFF2-40B4-BE49-F238E27FC236}">
-                <a16:creationId xmlns:a16="http://schemas.microsoft.com/office/drawing/2014/main" id="{E34B39A5-E11A-429B-8AD3-83A663677BA3}"/>
-              </a:ext>
-            </a:extLst>
-          </p:cNvPr>
-          <p:cNvSpPr>
-            <a:spLocks noGrp="1"/>
-          </p:cNvSpPr>
-          <p:nvPr>
-            <p:ph type="title"/>
-          </p:nvPr>
-        </p:nvSpPr>
-        <p:spPr>
-          <a:xfrm>
-            <a:off x="776906" y="135155"/>
-            <a:ext cx="10515600" cy="315912"/>
-          </a:xfrm>
-        </p:spPr>
-        <p:txBody>
-          <a:bodyPr>
-            <a:noAutofit/>
-          </a:bodyPr>
-          <a:lstStyle/>
-          <a:p>
-            <a:pPr algn="ctr"/>
-            <a:r>
-              <a:rPr lang="en-US" sz="2800" b="1"/>
-              <a:t>IB Opening</a:t>
-            </a:r>
-            <a:endParaRPr lang="es-GT" sz="2800" b="1"/>
-          </a:p>
-        </p:txBody>
-      </p:sp>
-    </p:spTree>
-    <p:extLst>
-      <p:ext uri="{BB962C8B-B14F-4D97-AF65-F5344CB8AC3E}">
-        <p14:creationId xmlns:p14="http://schemas.microsoft.com/office/powerpoint/2010/main" val="3237250034"/>
-      </p:ext>
-    </p:extLst>
-  </p:cSld>
-  <p:clrMapOvr>
-    <a:masterClrMapping/>
-  </p:clrMapOvr>
-</p:sld>
-</file>
-
-<file path=ppt/slides/slide3.xml><?xml version="1.0" encoding="utf-8"?>
-<p:sld xmlns:a="http://schemas.openxmlformats.org/drawingml/2006/main" xmlns:r="http://schemas.openxmlformats.org/officeDocument/2006/relationships" xmlns:p="http://schemas.openxmlformats.org/presentationml/2006/main">
-  <p:cSld>
-    <p:spTree>
-      <p:nvGrpSpPr>
-        <p:cNvPr id="1" name=""/>
-        <p:cNvGrpSpPr/>
-        <p:nvPr/>
-      </p:nvGrpSpPr>
-      <p:grpSpPr>
-        <a:xfrm>
-          <a:off x="0" y="0"/>
-          <a:ext cx="0" cy="0"/>
-          <a:chOff x="0" y="0"/>
-          <a:chExt cx="0" cy="0"/>
-        </a:xfrm>
-      </p:grpSpPr>
-      <p:sp>
-        <p:nvSpPr>
-          <p:cNvPr id="8" name="CuadroTexto 7">
-            <a:extLst>
-              <a:ext uri="{FF2B5EF4-FFF2-40B4-BE49-F238E27FC236}">
-                <a16:creationId xmlns:a16="http://schemas.microsoft.com/office/drawing/2014/main" id="{CE8A0B2B-D62B-44EA-9906-7AAEFA902B65}"/>
-              </a:ext>
-            </a:extLst>
-          </p:cNvPr>
-          <p:cNvSpPr txBox="1"/>
-          <p:nvPr/>
-        </p:nvSpPr>
-        <p:spPr>
-          <a:xfrm>
-            <a:off x="348175" y="1966325"/>
-            <a:ext cx="11495650" cy="2862322"/>
-          </a:xfrm>
-          <a:prstGeom prst="rect">
-            <a:avLst/>
-          </a:prstGeom>
-          <a:noFill/>
-          <a:ln>
-            <a:solidFill>
-              <a:schemeClr val="tx1"/>
-            </a:solidFill>
-          </a:ln>
-        </p:spPr>
-        <p:txBody>
-          <a:bodyPr wrap="square" rtlCol="0">
-            <a:spAutoFit/>
-          </a:bodyPr>
-          <a:lstStyle/>
-          <a:p>
-            <a:pPr algn="just"/>
-            <a:r>
-              <a:rPr lang="en-US" dirty="0">
-                <a:solidFill>
-                  <a:srgbClr val="00B0F0"/>
-                </a:solidFill>
-                <a:latin typeface="Arial" panose="020B0604020202020204" pitchFamily="34" charset="0"/>
-                <a:cs typeface="Arial" panose="020B0604020202020204" pitchFamily="34" charset="0"/>
-              </a:rPr>
-              <a:t>Hello [Customer Name]? </a:t>
-            </a:r>
-          </a:p>
-          <a:p>
-            <a:pPr algn="just"/>
-            <a:r>
-              <a:rPr lang="en-US" dirty="0">
-                <a:solidFill>
-                  <a:srgbClr val="C00000"/>
-                </a:solidFill>
-                <a:latin typeface="Arial" panose="020B0604020202020204" pitchFamily="34" charset="0"/>
-                <a:cs typeface="Arial" panose="020B0604020202020204" pitchFamily="34" charset="0"/>
-              </a:rPr>
-              <a:t>TSR Note: Wait for customer to confirm.</a:t>
-            </a:r>
-            <a:endParaRPr lang="en-US" dirty="0">
-              <a:solidFill>
-                <a:sysClr val="windowText" lastClr="000000"/>
-              </a:solidFill>
-              <a:latin typeface="Arial" panose="020B0604020202020204" pitchFamily="34" charset="0"/>
-              <a:cs typeface="Arial" panose="020B0604020202020204" pitchFamily="34" charset="0"/>
-            </a:endParaRPr>
-          </a:p>
-          <a:p>
-            <a:pPr algn="just"/>
-            <a:endParaRPr lang="en-US" dirty="0">
-              <a:solidFill>
-                <a:sysClr val="windowText" lastClr="000000"/>
-              </a:solidFill>
-              <a:latin typeface="Arial" panose="020B0604020202020204" pitchFamily="34" charset="0"/>
-              <a:cs typeface="Arial" panose="020B0604020202020204" pitchFamily="34" charset="0"/>
-            </a:endParaRPr>
-          </a:p>
-          <a:p>
-            <a:r>
-              <a:rPr lang="en-US" dirty="0">
-                <a:solidFill>
-                  <a:srgbClr val="00B0F0"/>
-                </a:solidFill>
-                <a:latin typeface="Arial" panose="020B0604020202020204" pitchFamily="34" charset="0"/>
-                <a:cs typeface="Arial" panose="020B0604020202020204" pitchFamily="34" charset="0"/>
-              </a:rPr>
-              <a:t>Hi Mr./Mrs. [CUSTOMER NAME], this is [AGENT NAME], with Cincinnati Bell Energy, a licensed energy supplier in Ohio, we supplied the electricity for the [Utility] account(s) at [Customer Address] (Verify customer address) I do not work for or represent your utility. Are you the person who handles the DUKE Energy accounts for your location?</a:t>
-            </a:r>
-            <a:endParaRPr lang="en-US" dirty="0">
-              <a:latin typeface="Arial" panose="020B0604020202020204" pitchFamily="34" charset="0"/>
-              <a:cs typeface="Arial" panose="020B0604020202020204" pitchFamily="34" charset="0"/>
-            </a:endParaRPr>
-          </a:p>
-          <a:p>
-            <a:pPr algn="just"/>
-            <a:r>
-              <a:rPr lang="en-US" dirty="0">
-                <a:solidFill>
-                  <a:srgbClr val="C00000"/>
-                </a:solidFill>
-                <a:latin typeface="Arial" panose="020B0604020202020204" pitchFamily="34" charset="0"/>
-                <a:cs typeface="Arial" panose="020B0604020202020204" pitchFamily="34" charset="0"/>
-              </a:rPr>
-              <a:t>TSR Note: Wait for customer response.</a:t>
-            </a:r>
-          </a:p>
-          <a:p>
-            <a:pPr algn="just"/>
-            <a:endParaRPr lang="en-US" dirty="0">
-              <a:solidFill>
-                <a:srgbClr val="00B0F0"/>
-              </a:solidFill>
-              <a:latin typeface="Arial" panose="020B0604020202020204" pitchFamily="34" charset="0"/>
-              <a:cs typeface="Arial" panose="020B0604020202020204" pitchFamily="34" charset="0"/>
-            </a:endParaRPr>
-          </a:p>
-          <a:p>
-            <a:pPr algn="just"/>
-            <a:r>
-              <a:rPr lang="en-US" dirty="0">
-                <a:solidFill>
-                  <a:srgbClr val="00B0F0"/>
-                </a:solidFill>
-                <a:latin typeface="Arial" panose="020B0604020202020204" pitchFamily="34" charset="0"/>
-                <a:cs typeface="Arial" panose="020B0604020202020204" pitchFamily="34" charset="0"/>
-              </a:rPr>
-              <a:t>For Quality Assurance purposes, this call may be recorded.</a:t>
-            </a:r>
-            <a:endParaRPr lang="en-US" dirty="0">
-              <a:solidFill>
-                <a:sysClr val="windowText" lastClr="000000"/>
-              </a:solidFill>
-              <a:latin typeface="Arial" panose="020B0604020202020204" pitchFamily="34" charset="0"/>
-              <a:cs typeface="Arial" panose="020B0604020202020204" pitchFamily="34" charset="0"/>
-            </a:endParaRPr>
-          </a:p>
-        </p:txBody>
-      </p:sp>
-      <p:sp>
-        <p:nvSpPr>
-          <p:cNvPr id="6" name="Rectángulo 5">
-            <a:extLst>
-              <a:ext uri="{FF2B5EF4-FFF2-40B4-BE49-F238E27FC236}">
-                <a16:creationId xmlns:a16="http://schemas.microsoft.com/office/drawing/2014/main" id="{3C511622-D2E1-4618-BA19-CD13882A5BE1}"/>
-              </a:ext>
-            </a:extLst>
-          </p:cNvPr>
-          <p:cNvSpPr/>
-          <p:nvPr/>
-        </p:nvSpPr>
-        <p:spPr>
-          <a:xfrm>
-            <a:off x="185806" y="6281225"/>
-            <a:ext cx="1471245" cy="481874"/>
-          </a:xfrm>
-          <a:prstGeom prst="rect">
-            <a:avLst/>
-          </a:prstGeom>
-          <a:solidFill>
-            <a:schemeClr val="bg1">
-              <a:lumMod val="85000"/>
-            </a:schemeClr>
-          </a:solidFill>
-          <a:ln>
-            <a:solidFill>
-              <a:schemeClr val="tx1"/>
-            </a:solidFill>
-          </a:ln>
-        </p:spPr>
-        <p:style>
-          <a:lnRef idx="2">
-            <a:schemeClr val="accent1">
-              <a:shade val="50000"/>
-            </a:schemeClr>
-          </a:lnRef>
-          <a:fillRef idx="1">
-            <a:schemeClr val="accent1"/>
-          </a:fillRef>
-          <a:effectRef idx="0">
-            <a:schemeClr val="accent1"/>
-          </a:effectRef>
-          <a:fontRef idx="minor">
-            <a:schemeClr val="lt1"/>
-          </a:fontRef>
-        </p:style>
-        <p:txBody>
-          <a:bodyPr rtlCol="0" anchor="ctr"/>
-          <a:lstStyle/>
-          <a:p>
-            <a:pPr algn="ctr"/>
-            <a:r>
-              <a:rPr lang="es-GT" dirty="0">
-                <a:solidFill>
-                  <a:schemeClr val="tx1"/>
-                </a:solidFill>
-                <a:latin typeface="Arial" panose="020B0604020202020204" pitchFamily="34" charset="0"/>
-                <a:cs typeface="Arial" panose="020B0604020202020204" pitchFamily="34" charset="0"/>
-              </a:rPr>
-              <a:t>Transfer</a:t>
-            </a:r>
-          </a:p>
-        </p:txBody>
-      </p:sp>
-      <p:sp>
-        <p:nvSpPr>
-          <p:cNvPr id="14" name="Rectángulo 13">
-            <a:extLst>
-              <a:ext uri="{FF2B5EF4-FFF2-40B4-BE49-F238E27FC236}">
-                <a16:creationId xmlns:a16="http://schemas.microsoft.com/office/drawing/2014/main" id="{500FBC82-A3AC-4646-98D1-51B98E4BEF58}"/>
-              </a:ext>
-            </a:extLst>
-          </p:cNvPr>
-          <p:cNvSpPr/>
-          <p:nvPr/>
-        </p:nvSpPr>
-        <p:spPr>
-          <a:xfrm>
-            <a:off x="1831139" y="6281571"/>
-            <a:ext cx="1471245" cy="481874"/>
-          </a:xfrm>
-          <a:prstGeom prst="rect">
-            <a:avLst/>
-          </a:prstGeom>
-          <a:solidFill>
-            <a:schemeClr val="bg1">
-              <a:lumMod val="85000"/>
-            </a:schemeClr>
-          </a:solidFill>
-          <a:ln>
-            <a:solidFill>
-              <a:schemeClr val="tx1"/>
-            </a:solidFill>
-          </a:ln>
-        </p:spPr>
-        <p:style>
-          <a:lnRef idx="2">
-            <a:schemeClr val="accent1">
-              <a:shade val="50000"/>
-            </a:schemeClr>
-          </a:lnRef>
-          <a:fillRef idx="1">
-            <a:schemeClr val="accent1"/>
-          </a:fillRef>
-          <a:effectRef idx="0">
-            <a:schemeClr val="accent1"/>
-          </a:effectRef>
-          <a:fontRef idx="minor">
-            <a:schemeClr val="lt1"/>
-          </a:fontRef>
-        </p:style>
-        <p:txBody>
-          <a:bodyPr rtlCol="0" anchor="ctr"/>
-          <a:lstStyle/>
-          <a:p>
-            <a:pPr algn="ctr"/>
-            <a:r>
-              <a:rPr lang="es-GT" dirty="0">
-                <a:solidFill>
-                  <a:schemeClr val="tx1"/>
-                </a:solidFill>
-                <a:latin typeface="Arial" panose="020B0604020202020204" pitchFamily="34" charset="0"/>
-                <a:cs typeface="Arial" panose="020B0604020202020204" pitchFamily="34" charset="0"/>
-              </a:rPr>
-              <a:t>DNC </a:t>
-            </a:r>
-            <a:r>
-              <a:rPr lang="es-GT" dirty="0" err="1">
-                <a:solidFill>
-                  <a:schemeClr val="tx1"/>
-                </a:solidFill>
-                <a:latin typeface="Arial" panose="020B0604020202020204" pitchFamily="34" charset="0"/>
-                <a:cs typeface="Arial" panose="020B0604020202020204" pitchFamily="34" charset="0"/>
-              </a:rPr>
-              <a:t>Request</a:t>
-            </a:r>
-            <a:endParaRPr lang="es-GT" dirty="0">
-              <a:solidFill>
-                <a:schemeClr val="tx1"/>
-              </a:solidFill>
-              <a:latin typeface="Arial" panose="020B0604020202020204" pitchFamily="34" charset="0"/>
-              <a:cs typeface="Arial" panose="020B0604020202020204" pitchFamily="34" charset="0"/>
-            </a:endParaRPr>
-          </a:p>
-        </p:txBody>
-      </p:sp>
-      <p:sp>
-        <p:nvSpPr>
-          <p:cNvPr id="18" name="Rectángulo 17">
-            <a:extLst>
-              <a:ext uri="{FF2B5EF4-FFF2-40B4-BE49-F238E27FC236}">
-                <a16:creationId xmlns:a16="http://schemas.microsoft.com/office/drawing/2014/main" id="{B9BFB3A6-0AC2-42EC-8C04-D885D73AF4F5}"/>
-              </a:ext>
-            </a:extLst>
-          </p:cNvPr>
-          <p:cNvSpPr/>
-          <p:nvPr/>
-        </p:nvSpPr>
-        <p:spPr>
-          <a:xfrm>
-            <a:off x="3393949" y="6281225"/>
-            <a:ext cx="1471245" cy="481874"/>
-          </a:xfrm>
-          <a:prstGeom prst="rect">
-            <a:avLst/>
-          </a:prstGeom>
-          <a:solidFill>
-            <a:schemeClr val="bg1">
-              <a:lumMod val="85000"/>
-            </a:schemeClr>
-          </a:solidFill>
-          <a:ln>
-            <a:solidFill>
-              <a:schemeClr val="tx1"/>
-            </a:solidFill>
-          </a:ln>
-        </p:spPr>
-        <p:style>
-          <a:lnRef idx="2">
-            <a:schemeClr val="accent1">
-              <a:shade val="50000"/>
-            </a:schemeClr>
-          </a:lnRef>
-          <a:fillRef idx="1">
-            <a:schemeClr val="accent1"/>
-          </a:fillRef>
-          <a:effectRef idx="0">
-            <a:schemeClr val="accent1"/>
-          </a:effectRef>
-          <a:fontRef idx="minor">
-            <a:schemeClr val="lt1"/>
-          </a:fontRef>
-        </p:style>
-        <p:txBody>
-          <a:bodyPr rtlCol="0" anchor="ctr"/>
-          <a:lstStyle/>
-          <a:p>
-            <a:pPr algn="ctr"/>
-            <a:r>
-              <a:rPr lang="es-GT" dirty="0" err="1">
-                <a:solidFill>
-                  <a:schemeClr val="tx1"/>
-                </a:solidFill>
-                <a:latin typeface="Arial" panose="020B0604020202020204" pitchFamily="34" charset="0"/>
-                <a:cs typeface="Arial" panose="020B0604020202020204" pitchFamily="34" charset="0"/>
-              </a:rPr>
-              <a:t>Call</a:t>
-            </a:r>
-            <a:r>
-              <a:rPr lang="es-GT" dirty="0">
-                <a:solidFill>
-                  <a:schemeClr val="tx1"/>
-                </a:solidFill>
-                <a:latin typeface="Arial" panose="020B0604020202020204" pitchFamily="34" charset="0"/>
-                <a:cs typeface="Arial" panose="020B0604020202020204" pitchFamily="34" charset="0"/>
-              </a:rPr>
-              <a:t> Back</a:t>
-            </a:r>
-          </a:p>
-        </p:txBody>
-      </p:sp>
-      <p:sp>
-        <p:nvSpPr>
-          <p:cNvPr id="19" name="Rectángulo 18">
-            <a:extLst>
-              <a:ext uri="{FF2B5EF4-FFF2-40B4-BE49-F238E27FC236}">
-                <a16:creationId xmlns:a16="http://schemas.microsoft.com/office/drawing/2014/main" id="{DFA3DE95-4A3B-4647-B604-97C312DFD30D}"/>
-              </a:ext>
-            </a:extLst>
-          </p:cNvPr>
-          <p:cNvSpPr/>
-          <p:nvPr/>
-        </p:nvSpPr>
-        <p:spPr>
-          <a:xfrm>
-            <a:off x="7655756" y="6281225"/>
-            <a:ext cx="1471245" cy="481874"/>
-          </a:xfrm>
-          <a:prstGeom prst="rect">
-            <a:avLst/>
-          </a:prstGeom>
-          <a:solidFill>
-            <a:schemeClr val="bg1">
-              <a:lumMod val="85000"/>
-            </a:schemeClr>
-          </a:solidFill>
-          <a:ln>
-            <a:solidFill>
-              <a:schemeClr val="tx1"/>
-            </a:solidFill>
-          </a:ln>
-        </p:spPr>
-        <p:style>
-          <a:lnRef idx="2">
-            <a:schemeClr val="accent1">
-              <a:shade val="50000"/>
-            </a:schemeClr>
-          </a:lnRef>
-          <a:fillRef idx="1">
-            <a:schemeClr val="accent1"/>
-          </a:fillRef>
-          <a:effectRef idx="0">
-            <a:schemeClr val="accent1"/>
-          </a:effectRef>
-          <a:fontRef idx="minor">
-            <a:schemeClr val="lt1"/>
-          </a:fontRef>
-        </p:style>
-        <p:txBody>
-          <a:bodyPr rtlCol="0" anchor="ctr"/>
-          <a:lstStyle/>
-          <a:p>
-            <a:pPr algn="ctr"/>
-            <a:r>
-              <a:rPr lang="es-GT" dirty="0" err="1">
-                <a:solidFill>
-                  <a:schemeClr val="tx1"/>
-                </a:solidFill>
-                <a:latin typeface="Arial" panose="020B0604020202020204" pitchFamily="34" charset="0"/>
-                <a:cs typeface="Arial" panose="020B0604020202020204" pitchFamily="34" charset="0"/>
-              </a:rPr>
-              <a:t>Answering</a:t>
-            </a:r>
-            <a:r>
-              <a:rPr lang="es-GT" dirty="0">
-                <a:solidFill>
-                  <a:schemeClr val="tx1"/>
-                </a:solidFill>
-                <a:latin typeface="Arial" panose="020B0604020202020204" pitchFamily="34" charset="0"/>
-                <a:cs typeface="Arial" panose="020B0604020202020204" pitchFamily="34" charset="0"/>
-              </a:rPr>
-              <a:t> Machine</a:t>
-            </a:r>
-          </a:p>
-        </p:txBody>
-      </p:sp>
-      <p:sp>
-        <p:nvSpPr>
-          <p:cNvPr id="20" name="Rectángulo 19">
-            <a:extLst>
-              <a:ext uri="{FF2B5EF4-FFF2-40B4-BE49-F238E27FC236}">
-                <a16:creationId xmlns:a16="http://schemas.microsoft.com/office/drawing/2014/main" id="{44691D03-A9F3-4811-8E0E-79B812B85DB3}"/>
-              </a:ext>
-            </a:extLst>
-          </p:cNvPr>
-          <p:cNvSpPr/>
-          <p:nvPr/>
-        </p:nvSpPr>
-        <p:spPr>
-          <a:xfrm>
-            <a:off x="5076679" y="6281225"/>
-            <a:ext cx="1471245" cy="481874"/>
-          </a:xfrm>
-          <a:prstGeom prst="rect">
-            <a:avLst/>
-          </a:prstGeom>
-          <a:solidFill>
-            <a:schemeClr val="bg1">
-              <a:lumMod val="85000"/>
-            </a:schemeClr>
-          </a:solidFill>
-          <a:ln>
-            <a:solidFill>
-              <a:schemeClr val="tx1"/>
-            </a:solidFill>
-          </a:ln>
-        </p:spPr>
-        <p:style>
-          <a:lnRef idx="2">
-            <a:schemeClr val="accent1">
-              <a:shade val="50000"/>
-            </a:schemeClr>
-          </a:lnRef>
-          <a:fillRef idx="1">
-            <a:schemeClr val="accent1"/>
-          </a:fillRef>
-          <a:effectRef idx="0">
-            <a:schemeClr val="accent1"/>
-          </a:effectRef>
-          <a:fontRef idx="minor">
-            <a:schemeClr val="lt1"/>
-          </a:fontRef>
-        </p:style>
-        <p:txBody>
-          <a:bodyPr rtlCol="0" anchor="ctr"/>
-          <a:lstStyle/>
-          <a:p>
-            <a:pPr algn="ctr"/>
-            <a:r>
-              <a:rPr lang="es-GT" dirty="0">
-                <a:solidFill>
-                  <a:schemeClr val="tx1"/>
-                </a:solidFill>
-                <a:latin typeface="Arial" panose="020B0604020202020204" pitchFamily="34" charset="0"/>
-                <a:cs typeface="Arial" panose="020B0604020202020204" pitchFamily="34" charset="0"/>
-              </a:rPr>
-              <a:t>No Sale </a:t>
-            </a:r>
-            <a:r>
-              <a:rPr lang="es-GT" dirty="0" err="1">
-                <a:solidFill>
-                  <a:schemeClr val="tx1"/>
-                </a:solidFill>
-                <a:latin typeface="Arial" panose="020B0604020202020204" pitchFamily="34" charset="0"/>
-                <a:cs typeface="Arial" panose="020B0604020202020204" pitchFamily="34" charset="0"/>
-              </a:rPr>
-              <a:t>Close</a:t>
-            </a:r>
-            <a:endParaRPr lang="es-GT" dirty="0">
-              <a:solidFill>
-                <a:schemeClr val="tx1"/>
-              </a:solidFill>
-              <a:latin typeface="Arial" panose="020B0604020202020204" pitchFamily="34" charset="0"/>
-              <a:cs typeface="Arial" panose="020B0604020202020204" pitchFamily="34" charset="0"/>
-            </a:endParaRPr>
-          </a:p>
-        </p:txBody>
-      </p:sp>
-      <p:sp>
-        <p:nvSpPr>
-          <p:cNvPr id="22" name="Rectángulo 21">
-            <a:extLst>
-              <a:ext uri="{FF2B5EF4-FFF2-40B4-BE49-F238E27FC236}">
-                <a16:creationId xmlns:a16="http://schemas.microsoft.com/office/drawing/2014/main" id="{DD8F6038-7FEF-4FAD-9C2D-47B8C2BCF7AD}"/>
-              </a:ext>
-            </a:extLst>
-          </p:cNvPr>
-          <p:cNvSpPr/>
-          <p:nvPr/>
-        </p:nvSpPr>
-        <p:spPr>
-          <a:xfrm>
-            <a:off x="10534949" y="6246055"/>
-            <a:ext cx="1471245" cy="481874"/>
-          </a:xfrm>
-          <a:prstGeom prst="rect">
-            <a:avLst/>
-          </a:prstGeom>
-          <a:solidFill>
-            <a:schemeClr val="bg1">
-              <a:lumMod val="85000"/>
-            </a:schemeClr>
-          </a:solidFill>
-          <a:ln>
-            <a:solidFill>
-              <a:schemeClr val="tx1"/>
-            </a:solidFill>
-          </a:ln>
-        </p:spPr>
-        <p:style>
-          <a:lnRef idx="2">
-            <a:schemeClr val="accent1">
-              <a:shade val="50000"/>
-            </a:schemeClr>
-          </a:lnRef>
-          <a:fillRef idx="1">
-            <a:schemeClr val="accent1"/>
-          </a:fillRef>
-          <a:effectRef idx="0">
-            <a:schemeClr val="accent1"/>
-          </a:effectRef>
-          <a:fontRef idx="minor">
-            <a:schemeClr val="lt1"/>
-          </a:fontRef>
-        </p:style>
-        <p:txBody>
-          <a:bodyPr rtlCol="0" anchor="ctr"/>
-          <a:lstStyle/>
-          <a:p>
-            <a:pPr algn="ctr"/>
-            <a:r>
-              <a:rPr lang="es-GT" dirty="0" err="1">
-                <a:solidFill>
-                  <a:schemeClr val="tx1"/>
-                </a:solidFill>
-                <a:latin typeface="Arial" panose="020B0604020202020204" pitchFamily="34" charset="0"/>
-                <a:cs typeface="Arial" panose="020B0604020202020204" pitchFamily="34" charset="0"/>
-              </a:rPr>
-              <a:t>Continue</a:t>
-            </a:r>
-            <a:endParaRPr lang="es-GT" dirty="0">
-              <a:solidFill>
-                <a:schemeClr val="tx1"/>
-              </a:solidFill>
-              <a:latin typeface="Arial" panose="020B0604020202020204" pitchFamily="34" charset="0"/>
-              <a:cs typeface="Arial" panose="020B0604020202020204" pitchFamily="34" charset="0"/>
-            </a:endParaRPr>
-          </a:p>
-        </p:txBody>
-      </p:sp>
-      <p:grpSp>
-        <p:nvGrpSpPr>
-          <p:cNvPr id="28" name="Group 27">
-            <a:extLst>
-              <a:ext uri="{FF2B5EF4-FFF2-40B4-BE49-F238E27FC236}">
-                <a16:creationId xmlns:a16="http://schemas.microsoft.com/office/drawing/2014/main" id="{B303B638-25EC-452E-859C-D526DA870004}"/>
-              </a:ext>
-            </a:extLst>
-          </p:cNvPr>
-          <p:cNvGrpSpPr/>
-          <p:nvPr/>
-        </p:nvGrpSpPr>
-        <p:grpSpPr>
-          <a:xfrm>
-            <a:off x="1230924" y="576775"/>
-            <a:ext cx="10044332" cy="1229931"/>
-            <a:chOff x="1230924" y="576775"/>
-            <a:chExt cx="10044332" cy="1229931"/>
-          </a:xfrm>
-        </p:grpSpPr>
-        <p:grpSp>
-          <p:nvGrpSpPr>
-            <p:cNvPr id="29" name="Grupo 5">
-              <a:extLst>
-                <a:ext uri="{FF2B5EF4-FFF2-40B4-BE49-F238E27FC236}">
-                  <a16:creationId xmlns:a16="http://schemas.microsoft.com/office/drawing/2014/main" id="{6C0BF7E8-2268-4EAE-AFD2-2BED30A4C27E}"/>
-                </a:ext>
-              </a:extLst>
-            </p:cNvPr>
-            <p:cNvGrpSpPr/>
-            <p:nvPr/>
-          </p:nvGrpSpPr>
-          <p:grpSpPr>
-            <a:xfrm>
-              <a:off x="1230924" y="576775"/>
-              <a:ext cx="10044332" cy="1229931"/>
-              <a:chOff x="1230924" y="576775"/>
-              <a:chExt cx="10044332" cy="1229931"/>
-            </a:xfrm>
-          </p:grpSpPr>
-          <p:sp>
-            <p:nvSpPr>
-              <p:cNvPr id="31" name="Rectángulo 1">
-                <a:extLst>
-                  <a:ext uri="{FF2B5EF4-FFF2-40B4-BE49-F238E27FC236}">
-                    <a16:creationId xmlns:a16="http://schemas.microsoft.com/office/drawing/2014/main" id="{44FC5A33-33B4-413B-8107-E762F53206A0}"/>
-                  </a:ext>
-                </a:extLst>
-              </p:cNvPr>
-              <p:cNvSpPr/>
-              <p:nvPr/>
-            </p:nvSpPr>
-            <p:spPr>
-              <a:xfrm>
-                <a:off x="1230924" y="576775"/>
-                <a:ext cx="10044332" cy="1181686"/>
-              </a:xfrm>
-              <a:prstGeom prst="rect">
-                <a:avLst/>
-              </a:prstGeom>
-              <a:solidFill>
-                <a:srgbClr val="0C8AAC"/>
-              </a:solidFill>
-            </p:spPr>
-            <p:style>
-              <a:lnRef idx="2">
-                <a:schemeClr val="accent1">
-                  <a:shade val="50000"/>
-                </a:schemeClr>
-              </a:lnRef>
-              <a:fillRef idx="1">
-                <a:schemeClr val="accent1"/>
-              </a:fillRef>
-              <a:effectRef idx="0">
-                <a:schemeClr val="accent1"/>
-              </a:effectRef>
-              <a:fontRef idx="minor">
-                <a:schemeClr val="lt1"/>
-              </a:fontRef>
-            </p:style>
-            <p:txBody>
-              <a:bodyPr rtlCol="0" anchor="ctr"/>
-              <a:lstStyle/>
-              <a:p>
-                <a:pPr algn="ctr"/>
-                <a:endParaRPr lang="es-GT" dirty="0">
-                  <a:ln>
-                    <a:solidFill>
-                      <a:schemeClr val="bg1"/>
-                    </a:solidFill>
-                  </a:ln>
-                </a:endParaRPr>
-              </a:p>
-            </p:txBody>
-          </p:sp>
-          <p:sp>
-            <p:nvSpPr>
-              <p:cNvPr id="32" name="CuadroTexto 3">
-                <a:extLst>
-                  <a:ext uri="{FF2B5EF4-FFF2-40B4-BE49-F238E27FC236}">
-                    <a16:creationId xmlns:a16="http://schemas.microsoft.com/office/drawing/2014/main" id="{1D38E471-7826-46E3-8157-F5DD024A1D2A}"/>
-                  </a:ext>
-                </a:extLst>
-              </p:cNvPr>
-              <p:cNvSpPr txBox="1"/>
-              <p:nvPr/>
-            </p:nvSpPr>
-            <p:spPr>
-              <a:xfrm>
-                <a:off x="1441939" y="597240"/>
-                <a:ext cx="2052375" cy="1200329"/>
-              </a:xfrm>
-              <a:prstGeom prst="rect">
-                <a:avLst/>
-              </a:prstGeom>
-              <a:noFill/>
-            </p:spPr>
-            <p:txBody>
-              <a:bodyPr wrap="square" rtlCol="0">
-                <a:spAutoFit/>
-              </a:bodyPr>
-              <a:lstStyle/>
-              <a:p>
-                <a:r>
-                  <a:rPr lang="es-GT" sz="1200" dirty="0" err="1">
-                    <a:solidFill>
-                      <a:schemeClr val="bg1"/>
-                    </a:solidFill>
-                    <a:latin typeface="Arial" panose="020B0604020202020204" pitchFamily="34" charset="0"/>
-                    <a:cs typeface="Arial" panose="020B0604020202020204" pitchFamily="34" charset="0"/>
-                  </a:rPr>
-                  <a:t>Customer</a:t>
-                </a:r>
-                <a:r>
-                  <a:rPr lang="es-GT" sz="1200" dirty="0">
-                    <a:solidFill>
-                      <a:schemeClr val="bg1"/>
-                    </a:solidFill>
-                    <a:latin typeface="Arial" panose="020B0604020202020204" pitchFamily="34" charset="0"/>
-                    <a:cs typeface="Arial" panose="020B0604020202020204" pitchFamily="34" charset="0"/>
-                  </a:rPr>
-                  <a:t> </a:t>
-                </a:r>
-                <a:r>
-                  <a:rPr lang="es-GT" sz="1200" dirty="0" err="1">
-                    <a:solidFill>
-                      <a:schemeClr val="bg1"/>
-                    </a:solidFill>
-                    <a:latin typeface="Arial" panose="020B0604020202020204" pitchFamily="34" charset="0"/>
-                    <a:cs typeface="Arial" panose="020B0604020202020204" pitchFamily="34" charset="0"/>
-                  </a:rPr>
-                  <a:t>Name</a:t>
-                </a:r>
-                <a:r>
-                  <a:rPr lang="es-GT" sz="1200" dirty="0">
-                    <a:solidFill>
-                      <a:schemeClr val="bg1"/>
-                    </a:solidFill>
-                    <a:latin typeface="Arial" panose="020B0604020202020204" pitchFamily="34" charset="0"/>
-                    <a:cs typeface="Arial" panose="020B0604020202020204" pitchFamily="34" charset="0"/>
-                  </a:rPr>
-                  <a:t>:</a:t>
-                </a:r>
-              </a:p>
-              <a:p>
-                <a:r>
-                  <a:rPr lang="es-GT" sz="1200" dirty="0" err="1">
-                    <a:solidFill>
-                      <a:schemeClr val="bg1"/>
-                    </a:solidFill>
-                    <a:latin typeface="Arial" panose="020B0604020202020204" pitchFamily="34" charset="0"/>
-                    <a:cs typeface="Arial" panose="020B0604020202020204" pitchFamily="34" charset="0"/>
-                  </a:rPr>
-                  <a:t>Issue</a:t>
-                </a:r>
-                <a:r>
-                  <a:rPr lang="es-GT" sz="1200" dirty="0">
-                    <a:solidFill>
-                      <a:schemeClr val="bg1"/>
-                    </a:solidFill>
-                    <a:latin typeface="Arial" panose="020B0604020202020204" pitchFamily="34" charset="0"/>
-                    <a:cs typeface="Arial" panose="020B0604020202020204" pitchFamily="34" charset="0"/>
-                  </a:rPr>
-                  <a:t> </a:t>
-                </a:r>
-                <a:r>
-                  <a:rPr lang="es-GT" sz="1200" dirty="0" err="1">
-                    <a:solidFill>
-                      <a:schemeClr val="bg1"/>
-                    </a:solidFill>
-                    <a:latin typeface="Arial" panose="020B0604020202020204" pitchFamily="34" charset="0"/>
-                    <a:cs typeface="Arial" panose="020B0604020202020204" pitchFamily="34" charset="0"/>
-                  </a:rPr>
-                  <a:t>Number</a:t>
-                </a:r>
-                <a:r>
-                  <a:rPr lang="es-GT" sz="1200" dirty="0">
-                    <a:solidFill>
-                      <a:schemeClr val="bg1"/>
-                    </a:solidFill>
-                    <a:latin typeface="Arial" panose="020B0604020202020204" pitchFamily="34" charset="0"/>
-                    <a:cs typeface="Arial" panose="020B0604020202020204" pitchFamily="34" charset="0"/>
-                  </a:rPr>
-                  <a:t>:</a:t>
-                </a:r>
-              </a:p>
-              <a:p>
-                <a:r>
-                  <a:rPr lang="es-GT" sz="1200" dirty="0" err="1">
-                    <a:solidFill>
-                      <a:schemeClr val="bg1"/>
-                    </a:solidFill>
-                    <a:latin typeface="Arial" panose="020B0604020202020204" pitchFamily="34" charset="0"/>
-                    <a:cs typeface="Arial" panose="020B0604020202020204" pitchFamily="34" charset="0"/>
-                  </a:rPr>
-                  <a:t>Resi</a:t>
-                </a:r>
-                <a:r>
-                  <a:rPr lang="es-GT" sz="1200" dirty="0">
-                    <a:solidFill>
-                      <a:schemeClr val="bg1"/>
-                    </a:solidFill>
-                    <a:latin typeface="Arial" panose="020B0604020202020204" pitchFamily="34" charset="0"/>
-                    <a:cs typeface="Arial" panose="020B0604020202020204" pitchFamily="34" charset="0"/>
-                  </a:rPr>
-                  <a:t> </a:t>
-                </a:r>
-                <a:r>
-                  <a:rPr lang="es-GT" sz="1200" dirty="0" err="1">
-                    <a:solidFill>
-                      <a:schemeClr val="bg1"/>
-                    </a:solidFill>
-                    <a:latin typeface="Arial" panose="020B0604020202020204" pitchFamily="34" charset="0"/>
-                    <a:cs typeface="Arial" panose="020B0604020202020204" pitchFamily="34" charset="0"/>
-                  </a:rPr>
-                  <a:t>or</a:t>
-                </a:r>
-                <a:r>
-                  <a:rPr lang="es-GT" sz="1200" dirty="0">
-                    <a:solidFill>
-                      <a:schemeClr val="bg1"/>
-                    </a:solidFill>
-                    <a:latin typeface="Arial" panose="020B0604020202020204" pitchFamily="34" charset="0"/>
-                    <a:cs typeface="Arial" panose="020B0604020202020204" pitchFamily="34" charset="0"/>
-                  </a:rPr>
-                  <a:t> </a:t>
-                </a:r>
-                <a:r>
-                  <a:rPr lang="es-GT" sz="1200" dirty="0" err="1">
-                    <a:solidFill>
-                      <a:schemeClr val="bg1"/>
-                    </a:solidFill>
-                    <a:latin typeface="Arial" panose="020B0604020202020204" pitchFamily="34" charset="0"/>
-                    <a:cs typeface="Arial" panose="020B0604020202020204" pitchFamily="34" charset="0"/>
-                  </a:rPr>
-                  <a:t>Comm</a:t>
-                </a:r>
-                <a:r>
-                  <a:rPr lang="es-GT" sz="1200" dirty="0">
-                    <a:solidFill>
-                      <a:schemeClr val="bg1"/>
-                    </a:solidFill>
-                    <a:latin typeface="Arial" panose="020B0604020202020204" pitchFamily="34" charset="0"/>
-                    <a:cs typeface="Arial" panose="020B0604020202020204" pitchFamily="34" charset="0"/>
-                  </a:rPr>
-                  <a:t>:</a:t>
-                </a:r>
-              </a:p>
-              <a:p>
-                <a:r>
-                  <a:rPr lang="es-GT" sz="1200" dirty="0" err="1">
-                    <a:solidFill>
-                      <a:schemeClr val="bg1"/>
-                    </a:solidFill>
-                    <a:latin typeface="Arial" panose="020B0604020202020204" pitchFamily="34" charset="0"/>
-                    <a:cs typeface="Arial" panose="020B0604020202020204" pitchFamily="34" charset="0"/>
-                  </a:rPr>
-                  <a:t>State</a:t>
-                </a:r>
-                <a:r>
-                  <a:rPr lang="es-GT" sz="1200" dirty="0">
-                    <a:solidFill>
-                      <a:schemeClr val="bg1"/>
-                    </a:solidFill>
-                    <a:latin typeface="Arial" panose="020B0604020202020204" pitchFamily="34" charset="0"/>
-                    <a:cs typeface="Arial" panose="020B0604020202020204" pitchFamily="34" charset="0"/>
-                  </a:rPr>
-                  <a:t>:</a:t>
-                </a:r>
-              </a:p>
-              <a:p>
-                <a:r>
-                  <a:rPr lang="es-GT" sz="1200" dirty="0" err="1">
-                    <a:solidFill>
-                      <a:schemeClr val="bg1"/>
-                    </a:solidFill>
-                    <a:latin typeface="Arial" panose="020B0604020202020204" pitchFamily="34" charset="0"/>
-                    <a:cs typeface="Arial" panose="020B0604020202020204" pitchFamily="34" charset="0"/>
-                  </a:rPr>
-                  <a:t>Utility</a:t>
-                </a:r>
-                <a:r>
-                  <a:rPr lang="es-GT" sz="1200" dirty="0">
-                    <a:solidFill>
-                      <a:schemeClr val="bg1"/>
-                    </a:solidFill>
-                    <a:latin typeface="Arial" panose="020B0604020202020204" pitchFamily="34" charset="0"/>
-                    <a:cs typeface="Arial" panose="020B0604020202020204" pitchFamily="34" charset="0"/>
-                  </a:rPr>
-                  <a:t>:</a:t>
-                </a:r>
-              </a:p>
-              <a:p>
-                <a:r>
-                  <a:rPr lang="es-GT" sz="1200" dirty="0">
-                    <a:solidFill>
-                      <a:schemeClr val="bg1"/>
-                    </a:solidFill>
-                    <a:latin typeface="Arial" panose="020B0604020202020204" pitchFamily="34" charset="0"/>
-                    <a:cs typeface="Arial" panose="020B0604020202020204" pitchFamily="34" charset="0"/>
-                  </a:rPr>
-                  <a:t>Brand:</a:t>
-                </a:r>
-              </a:p>
-            </p:txBody>
-          </p:sp>
-          <p:sp>
-            <p:nvSpPr>
-              <p:cNvPr id="33" name="CuadroTexto 4">
-                <a:extLst>
-                  <a:ext uri="{FF2B5EF4-FFF2-40B4-BE49-F238E27FC236}">
-                    <a16:creationId xmlns:a16="http://schemas.microsoft.com/office/drawing/2014/main" id="{BE6BCDCA-AED8-4731-8708-5682E8BCEC93}"/>
-                  </a:ext>
-                </a:extLst>
-              </p:cNvPr>
-              <p:cNvSpPr txBox="1"/>
-              <p:nvPr/>
-            </p:nvSpPr>
-            <p:spPr>
-              <a:xfrm>
-                <a:off x="5260399" y="606377"/>
-                <a:ext cx="1548614" cy="1200329"/>
-              </a:xfrm>
-              <a:prstGeom prst="rect">
-                <a:avLst/>
-              </a:prstGeom>
-              <a:noFill/>
-            </p:spPr>
-            <p:txBody>
-              <a:bodyPr wrap="square" rtlCol="0">
-                <a:spAutoFit/>
-              </a:bodyPr>
-              <a:lstStyle/>
-              <a:p>
-                <a:r>
-                  <a:rPr lang="es-GT" sz="1200" dirty="0" err="1">
-                    <a:solidFill>
-                      <a:schemeClr val="bg1"/>
-                    </a:solidFill>
-                    <a:latin typeface="Arial" panose="020B0604020202020204" pitchFamily="34" charset="0"/>
-                    <a:cs typeface="Arial" panose="020B0604020202020204" pitchFamily="34" charset="0"/>
-                  </a:rPr>
-                  <a:t>Drop</a:t>
-                </a:r>
-                <a:r>
-                  <a:rPr lang="es-GT" sz="1200" dirty="0">
-                    <a:solidFill>
-                      <a:schemeClr val="bg1"/>
-                    </a:solidFill>
-                    <a:latin typeface="Arial" panose="020B0604020202020204" pitchFamily="34" charset="0"/>
-                    <a:cs typeface="Arial" panose="020B0604020202020204" pitchFamily="34" charset="0"/>
-                  </a:rPr>
-                  <a:t> Reason:</a:t>
-                </a:r>
-              </a:p>
-              <a:p>
-                <a:r>
-                  <a:rPr lang="es-GT" sz="1200" dirty="0" err="1">
-                    <a:solidFill>
-                      <a:schemeClr val="bg1"/>
-                    </a:solidFill>
-                    <a:latin typeface="Arial" panose="020B0604020202020204" pitchFamily="34" charset="0"/>
-                    <a:cs typeface="Arial" panose="020B0604020202020204" pitchFamily="34" charset="0"/>
-                  </a:rPr>
-                  <a:t>Utility</a:t>
-                </a:r>
-                <a:r>
-                  <a:rPr lang="es-GT" sz="1200" dirty="0">
-                    <a:solidFill>
-                      <a:schemeClr val="bg1"/>
-                    </a:solidFill>
-                    <a:latin typeface="Arial" panose="020B0604020202020204" pitchFamily="34" charset="0"/>
-                    <a:cs typeface="Arial" panose="020B0604020202020204" pitchFamily="34" charset="0"/>
-                  </a:rPr>
-                  <a:t> </a:t>
-                </a:r>
-                <a:r>
-                  <a:rPr lang="es-GT" sz="1200" dirty="0" err="1">
-                    <a:solidFill>
-                      <a:schemeClr val="bg1"/>
-                    </a:solidFill>
-                    <a:latin typeface="Arial" panose="020B0604020202020204" pitchFamily="34" charset="0"/>
-                    <a:cs typeface="Arial" panose="020B0604020202020204" pitchFamily="34" charset="0"/>
-                  </a:rPr>
-                  <a:t>Acct</a:t>
-                </a:r>
-                <a:r>
-                  <a:rPr lang="es-GT" sz="1200" dirty="0">
-                    <a:solidFill>
-                      <a:schemeClr val="bg1"/>
-                    </a:solidFill>
-                    <a:latin typeface="Arial" panose="020B0604020202020204" pitchFamily="34" charset="0"/>
-                    <a:cs typeface="Arial" panose="020B0604020202020204" pitchFamily="34" charset="0"/>
-                  </a:rPr>
-                  <a:t> No.:</a:t>
-                </a:r>
-              </a:p>
-              <a:p>
-                <a:r>
-                  <a:rPr lang="es-GT" sz="1200" dirty="0" err="1">
-                    <a:solidFill>
-                      <a:schemeClr val="bg1"/>
-                    </a:solidFill>
-                    <a:latin typeface="Arial" panose="020B0604020202020204" pitchFamily="34" charset="0"/>
-                    <a:cs typeface="Arial" panose="020B0604020202020204" pitchFamily="34" charset="0"/>
-                  </a:rPr>
-                  <a:t>Drop</a:t>
-                </a:r>
-                <a:r>
-                  <a:rPr lang="es-GT" sz="1200" dirty="0">
-                    <a:solidFill>
-                      <a:schemeClr val="bg1"/>
-                    </a:solidFill>
-                    <a:latin typeface="Arial" panose="020B0604020202020204" pitchFamily="34" charset="0"/>
-                    <a:cs typeface="Arial" panose="020B0604020202020204" pitchFamily="34" charset="0"/>
-                  </a:rPr>
-                  <a:t> Date:</a:t>
-                </a:r>
-              </a:p>
-              <a:p>
-                <a:r>
-                  <a:rPr lang="es-GT" sz="1200" dirty="0" err="1">
-                    <a:solidFill>
-                      <a:schemeClr val="bg1"/>
-                    </a:solidFill>
-                    <a:latin typeface="Arial" panose="020B0604020202020204" pitchFamily="34" charset="0"/>
-                    <a:cs typeface="Arial" panose="020B0604020202020204" pitchFamily="34" charset="0"/>
-                  </a:rPr>
-                  <a:t>Campaign</a:t>
-                </a:r>
-                <a:r>
-                  <a:rPr lang="es-GT" sz="1200" dirty="0">
-                    <a:solidFill>
-                      <a:schemeClr val="bg1"/>
-                    </a:solidFill>
-                    <a:latin typeface="Arial" panose="020B0604020202020204" pitchFamily="34" charset="0"/>
-                    <a:cs typeface="Arial" panose="020B0604020202020204" pitchFamily="34" charset="0"/>
-                  </a:rPr>
-                  <a:t>:</a:t>
-                </a:r>
-              </a:p>
-              <a:p>
-                <a:r>
-                  <a:rPr lang="es-GT" sz="1200" dirty="0" err="1">
-                    <a:solidFill>
-                      <a:schemeClr val="bg1"/>
-                    </a:solidFill>
-                    <a:latin typeface="Arial" panose="020B0604020202020204" pitchFamily="34" charset="0"/>
-                    <a:cs typeface="Arial" panose="020B0604020202020204" pitchFamily="34" charset="0"/>
-                  </a:rPr>
-                  <a:t>Row</a:t>
-                </a:r>
-                <a:r>
-                  <a:rPr lang="es-GT" sz="1200" dirty="0">
-                    <a:solidFill>
-                      <a:schemeClr val="bg1"/>
-                    </a:solidFill>
-                    <a:latin typeface="Arial" panose="020B0604020202020204" pitchFamily="34" charset="0"/>
-                    <a:cs typeface="Arial" panose="020B0604020202020204" pitchFamily="34" charset="0"/>
-                  </a:rPr>
-                  <a:t> ID:</a:t>
-                </a:r>
-              </a:p>
-              <a:p>
-                <a:r>
-                  <a:rPr lang="es-GT" sz="1200" dirty="0" err="1">
-                    <a:solidFill>
-                      <a:schemeClr val="bg1"/>
-                    </a:solidFill>
-                    <a:latin typeface="Arial" panose="020B0604020202020204" pitchFamily="34" charset="0"/>
-                    <a:cs typeface="Arial" panose="020B0604020202020204" pitchFamily="34" charset="0"/>
-                  </a:rPr>
-                  <a:t>Commodity</a:t>
-                </a:r>
-                <a:r>
-                  <a:rPr lang="es-GT" sz="1200" dirty="0">
-                    <a:solidFill>
-                      <a:schemeClr val="bg1"/>
-                    </a:solidFill>
-                    <a:latin typeface="Arial" panose="020B0604020202020204" pitchFamily="34" charset="0"/>
-                    <a:cs typeface="Arial" panose="020B0604020202020204" pitchFamily="34" charset="0"/>
-                  </a:rPr>
-                  <a:t>:</a:t>
-                </a:r>
-              </a:p>
-            </p:txBody>
-          </p:sp>
-          <p:sp>
-            <p:nvSpPr>
-              <p:cNvPr id="40" name="CuadroTexto 12">
-                <a:extLst>
-                  <a:ext uri="{FF2B5EF4-FFF2-40B4-BE49-F238E27FC236}">
-                    <a16:creationId xmlns:a16="http://schemas.microsoft.com/office/drawing/2014/main" id="{F8A4EF4F-4681-4719-A154-B2C4BD793D7A}"/>
-                  </a:ext>
-                </a:extLst>
-              </p:cNvPr>
-              <p:cNvSpPr txBox="1"/>
-              <p:nvPr/>
-            </p:nvSpPr>
-            <p:spPr>
-              <a:xfrm>
-                <a:off x="9808343" y="1423846"/>
-                <a:ext cx="1359877" cy="369332"/>
-              </a:xfrm>
-              <a:prstGeom prst="rect">
-                <a:avLst/>
-              </a:prstGeom>
-              <a:noFill/>
-            </p:spPr>
-            <p:txBody>
-              <a:bodyPr wrap="square" rtlCol="0">
-                <a:spAutoFit/>
-              </a:bodyPr>
-              <a:lstStyle/>
-              <a:p>
-                <a:pPr algn="ctr"/>
-                <a:r>
-                  <a:rPr lang="es-GT" i="1" dirty="0">
-                    <a:solidFill>
-                      <a:schemeClr val="bg1"/>
-                    </a:solidFill>
-                    <a:latin typeface="Arial" panose="020B0604020202020204" pitchFamily="34" charset="0"/>
-                    <a:cs typeface="Arial" panose="020B0604020202020204" pitchFamily="34" charset="0"/>
-                  </a:rPr>
-                  <a:t>Lead </a:t>
-                </a:r>
-                <a:r>
-                  <a:rPr lang="es-GT" i="1" dirty="0" err="1">
-                    <a:solidFill>
-                      <a:schemeClr val="bg1"/>
-                    </a:solidFill>
-                    <a:latin typeface="Arial" panose="020B0604020202020204" pitchFamily="34" charset="0"/>
-                    <a:cs typeface="Arial" panose="020B0604020202020204" pitchFamily="34" charset="0"/>
-                  </a:rPr>
-                  <a:t>Type</a:t>
-                </a:r>
-                <a:endParaRPr lang="es-GT" i="1" dirty="0">
-                  <a:solidFill>
-                    <a:schemeClr val="bg1"/>
-                  </a:solidFill>
-                  <a:latin typeface="Arial" panose="020B0604020202020204" pitchFamily="34" charset="0"/>
-                  <a:cs typeface="Arial" panose="020B0604020202020204" pitchFamily="34" charset="0"/>
-                </a:endParaRPr>
-              </a:p>
-            </p:txBody>
-          </p:sp>
-        </p:grpSp>
-        <p:pic>
-          <p:nvPicPr>
-            <p:cNvPr id="30" name="Picture 29" descr="A picture containing clipart&#10;&#10;Description automatically generated">
-              <a:extLst>
-                <a:ext uri="{FF2B5EF4-FFF2-40B4-BE49-F238E27FC236}">
-                  <a16:creationId xmlns:a16="http://schemas.microsoft.com/office/drawing/2014/main" id="{327F8A4C-7835-4499-B1E8-23B17EDC7499}"/>
-                </a:ext>
-              </a:extLst>
-            </p:cNvPr>
-            <p:cNvPicPr>
-              <a:picLocks noChangeAspect="1"/>
-            </p:cNvPicPr>
-            <p:nvPr/>
-          </p:nvPicPr>
-          <p:blipFill>
-            <a:blip r:embed="rId3">
-              <a:extLst>
-                <a:ext uri="{28A0092B-C50C-407E-A947-70E740481C1C}">
-                  <a14:useLocalDpi xmlns:a14="http://schemas.microsoft.com/office/drawing/2010/main" val="0"/>
-                </a:ext>
-              </a:extLst>
-            </a:blip>
-            <a:stretch>
-              <a:fillRect/>
-            </a:stretch>
-          </p:blipFill>
-          <p:spPr>
-            <a:xfrm>
-              <a:off x="9562679" y="581121"/>
-              <a:ext cx="1712577" cy="897064"/>
-            </a:xfrm>
-            <a:prstGeom prst="rect">
-              <a:avLst/>
-            </a:prstGeom>
-          </p:spPr>
-        </p:pic>
-      </p:grpSp>
-      <p:sp>
-        <p:nvSpPr>
-          <p:cNvPr id="17" name="Title 1">
-            <a:extLst>
-              <a:ext uri="{FF2B5EF4-FFF2-40B4-BE49-F238E27FC236}">
-                <a16:creationId xmlns:a16="http://schemas.microsoft.com/office/drawing/2014/main" id="{72D39268-A237-4E5F-8F1C-F08C158532E9}"/>
-              </a:ext>
-            </a:extLst>
-          </p:cNvPr>
-          <p:cNvSpPr>
-            <a:spLocks noGrp="1"/>
-          </p:cNvSpPr>
-          <p:nvPr>
-            <p:ph type="title"/>
-          </p:nvPr>
-        </p:nvSpPr>
-        <p:spPr>
-          <a:xfrm>
-            <a:off x="838200" y="5176"/>
-            <a:ext cx="10515600" cy="601201"/>
-          </a:xfrm>
-        </p:spPr>
-        <p:txBody>
-          <a:bodyPr>
-            <a:normAutofit/>
-          </a:bodyPr>
-          <a:lstStyle/>
-          <a:p>
-            <a:pPr algn="ctr"/>
-            <a:r>
-              <a:rPr lang="en-US" sz="2800" b="1" dirty="0"/>
-              <a:t>OPENING – Ohio Cincinnati</a:t>
-            </a:r>
-            <a:endParaRPr lang="es-GT" sz="2800" b="1" dirty="0"/>
-          </a:p>
-        </p:txBody>
-      </p:sp>
-    </p:spTree>
-    <p:extLst>
-      <p:ext uri="{BB962C8B-B14F-4D97-AF65-F5344CB8AC3E}">
-        <p14:creationId xmlns:p14="http://schemas.microsoft.com/office/powerpoint/2010/main" val="596872564"/>
-      </p:ext>
-    </p:extLst>
-  </p:cSld>
-  <p:clrMapOvr>
-    <a:masterClrMapping/>
-  </p:clrMapOvr>
-</p:sld>
-</file>
-
-<file path=ppt/slides/slide4.xml><?xml version="1.0" encoding="utf-8"?>
-<p:sld xmlns:a="http://schemas.openxmlformats.org/drawingml/2006/main" xmlns:r="http://schemas.openxmlformats.org/officeDocument/2006/relationships" xmlns:p="http://schemas.openxmlformats.org/presentationml/2006/main">
-  <p:cSld>
-    <p:spTree>
-      <p:nvGrpSpPr>
-        <p:cNvPr id="1" name=""/>
-        <p:cNvGrpSpPr/>
-        <p:nvPr/>
-      </p:nvGrpSpPr>
-      <p:grpSpPr>
-        <a:xfrm>
-          <a:off x="0" y="0"/>
-          <a:ext cx="0" cy="0"/>
-          <a:chOff x="0" y="0"/>
-          <a:chExt cx="0" cy="0"/>
-        </a:xfrm>
-      </p:grpSpPr>
-      <p:sp>
-        <p:nvSpPr>
-          <p:cNvPr id="8" name="CuadroTexto 7">
-            <a:extLst>
-              <a:ext uri="{FF2B5EF4-FFF2-40B4-BE49-F238E27FC236}">
-                <a16:creationId xmlns:a16="http://schemas.microsoft.com/office/drawing/2014/main" id="{CE8A0B2B-D62B-44EA-9906-7AAEFA902B65}"/>
-              </a:ext>
-            </a:extLst>
-          </p:cNvPr>
-          <p:cNvSpPr txBox="1"/>
-          <p:nvPr/>
-        </p:nvSpPr>
-        <p:spPr>
-          <a:xfrm>
-            <a:off x="348175" y="1966325"/>
             <a:ext cx="11495650" cy="1200329"/>
           </a:xfrm>
           <a:prstGeom prst="rect">
@@ -22059,7 +16681,7 @@
 </p:sld>
 </file>
 
-<file path=ppt/slides/slide5.xml><?xml version="1.0" encoding="utf-8"?>
+<file path=ppt/slides/slide3.xml><?xml version="1.0" encoding="utf-8"?>
 <p:sld xmlns:a="http://schemas.openxmlformats.org/drawingml/2006/main" xmlns:r="http://schemas.openxmlformats.org/officeDocument/2006/relationships" xmlns:p="http://schemas.openxmlformats.org/presentationml/2006/main">
   <p:cSld>
     <p:spTree>
@@ -23428,7 +18050,7 @@
 </p:sld>
 </file>
 
-<file path=ppt/slides/slide6.xml><?xml version="1.0" encoding="utf-8"?>
+<file path=ppt/slides/slide4.xml><?xml version="1.0" encoding="utf-8"?>
 <p:sld xmlns:a="http://schemas.openxmlformats.org/drawingml/2006/main" xmlns:r="http://schemas.openxmlformats.org/officeDocument/2006/relationships" xmlns:p="http://schemas.openxmlformats.org/presentationml/2006/main">
   <p:cSld>
     <p:spTree>
@@ -24677,7 +19299,7 @@
 </p:sld>
 </file>
 
-<file path=ppt/slides/slide7.xml><?xml version="1.0" encoding="utf-8"?>
+<file path=ppt/slides/slide5.xml><?xml version="1.0" encoding="utf-8"?>
 <p:sld xmlns:a="http://schemas.openxmlformats.org/drawingml/2006/main" xmlns:r="http://schemas.openxmlformats.org/officeDocument/2006/relationships" xmlns:p="http://schemas.openxmlformats.org/presentationml/2006/main">
   <p:cSld>
     <p:spTree>
@@ -25842,7 +20464,7 @@
 </p:sld>
 </file>
 
-<file path=ppt/slides/slide8.xml><?xml version="1.0" encoding="utf-8"?>
+<file path=ppt/slides/slide6.xml><?xml version="1.0" encoding="utf-8"?>
 <p:sld xmlns:a="http://schemas.openxmlformats.org/drawingml/2006/main" xmlns:r="http://schemas.openxmlformats.org/officeDocument/2006/relationships" xmlns:p="http://schemas.openxmlformats.org/presentationml/2006/main">
   <p:cSld>
     <p:spTree>
@@ -27036,7 +21658,7 @@
 </p:sld>
 </file>
 
-<file path=ppt/slides/slide9.xml><?xml version="1.0" encoding="utf-8"?>
+<file path=ppt/slides/slide7.xml><?xml version="1.0" encoding="utf-8"?>
 <p:sld xmlns:a="http://schemas.openxmlformats.org/drawingml/2006/main" xmlns:r="http://schemas.openxmlformats.org/officeDocument/2006/relationships" xmlns:p="http://schemas.openxmlformats.org/presentationml/2006/main">
   <p:cSld>
     <p:spTree>
@@ -28047,6 +22669,2202 @@
     <p:extLst>
       <p:ext uri="{BB962C8B-B14F-4D97-AF65-F5344CB8AC3E}">
         <p14:creationId xmlns:p14="http://schemas.microsoft.com/office/powerpoint/2010/main" val="2873503175"/>
+      </p:ext>
+    </p:extLst>
+  </p:cSld>
+  <p:clrMapOvr>
+    <a:masterClrMapping/>
+  </p:clrMapOvr>
+</p:sld>
+</file>
+
+<file path=ppt/slides/slide8.xml><?xml version="1.0" encoding="utf-8"?>
+<p:sld xmlns:a="http://schemas.openxmlformats.org/drawingml/2006/main" xmlns:r="http://schemas.openxmlformats.org/officeDocument/2006/relationships" xmlns:p="http://schemas.openxmlformats.org/presentationml/2006/main">
+  <p:cSld>
+    <p:spTree>
+      <p:nvGrpSpPr>
+        <p:cNvPr id="1" name=""/>
+        <p:cNvGrpSpPr/>
+        <p:nvPr/>
+      </p:nvGrpSpPr>
+      <p:grpSpPr>
+        <a:xfrm>
+          <a:off x="0" y="0"/>
+          <a:ext cx="0" cy="0"/>
+          <a:chOff x="0" y="0"/>
+          <a:chExt cx="0" cy="0"/>
+        </a:xfrm>
+      </p:grpSpPr>
+      <p:sp>
+        <p:nvSpPr>
+          <p:cNvPr id="8" name="CuadroTexto 7">
+            <a:extLst>
+              <a:ext uri="{FF2B5EF4-FFF2-40B4-BE49-F238E27FC236}">
+                <a16:creationId xmlns:a16="http://schemas.microsoft.com/office/drawing/2014/main" id="{CE8A0B2B-D62B-44EA-9906-7AAEFA902B65}"/>
+              </a:ext>
+            </a:extLst>
+          </p:cNvPr>
+          <p:cNvSpPr txBox="1"/>
+          <p:nvPr/>
+        </p:nvSpPr>
+        <p:spPr>
+          <a:xfrm>
+            <a:off x="348175" y="1966325"/>
+            <a:ext cx="11495650" cy="2308324"/>
+          </a:xfrm>
+          <a:prstGeom prst="rect">
+            <a:avLst/>
+          </a:prstGeom>
+          <a:noFill/>
+          <a:ln>
+            <a:solidFill>
+              <a:schemeClr val="tx1"/>
+            </a:solidFill>
+          </a:ln>
+        </p:spPr>
+        <p:txBody>
+          <a:bodyPr wrap="square" rtlCol="0">
+            <a:spAutoFit/>
+          </a:bodyPr>
+          <a:lstStyle/>
+          <a:p>
+            <a:r>
+              <a:rPr lang="en-US" dirty="0">
+                <a:solidFill>
+                  <a:srgbClr val="00B0F0"/>
+                </a:solidFill>
+                <a:latin typeface="Arial" panose="020B0604020202020204" pitchFamily="34" charset="0"/>
+                <a:cs typeface="Arial" panose="020B0604020202020204" pitchFamily="34" charset="0"/>
+              </a:rPr>
+              <a:t>Please provide your full name (how it appears on your bill) and email address </a:t>
+            </a:r>
+          </a:p>
+          <a:p>
+            <a:endParaRPr lang="en-US" dirty="0">
+              <a:solidFill>
+                <a:srgbClr val="00B0F0"/>
+              </a:solidFill>
+              <a:latin typeface="Arial" panose="020B0604020202020204" pitchFamily="34" charset="0"/>
+              <a:cs typeface="Arial" panose="020B0604020202020204" pitchFamily="34" charset="0"/>
+            </a:endParaRPr>
+          </a:p>
+          <a:p>
+            <a:r>
+              <a:rPr lang="en-US" dirty="0">
+                <a:solidFill>
+                  <a:srgbClr val="00B0F0"/>
+                </a:solidFill>
+                <a:latin typeface="Arial" panose="020B0604020202020204" pitchFamily="34" charset="0"/>
+                <a:cs typeface="Arial" panose="020B0604020202020204" pitchFamily="34" charset="0"/>
+              </a:rPr>
+              <a:t>Great, now I need to confirm your intent to enroll and that you understand Cincinnati Bell Energy is not your current energy supplier and you always have the right to remain with [DUKE Energy] or select any other alternative energy supplier? May I please have a clear yes or no?</a:t>
+            </a:r>
+          </a:p>
+          <a:p>
+            <a:endParaRPr lang="en-US" dirty="0">
+              <a:solidFill>
+                <a:srgbClr val="00B0F0"/>
+              </a:solidFill>
+              <a:latin typeface="Arial" panose="020B0604020202020204" pitchFamily="34" charset="0"/>
+              <a:cs typeface="Arial" panose="020B0604020202020204" pitchFamily="34" charset="0"/>
+            </a:endParaRPr>
+          </a:p>
+          <a:p>
+            <a:r>
+              <a:rPr lang="en-US" dirty="0">
+                <a:solidFill>
+                  <a:srgbClr val="00B0F0"/>
+                </a:solidFill>
+                <a:latin typeface="Arial" panose="020B0604020202020204" pitchFamily="34" charset="0"/>
+                <a:cs typeface="Arial" panose="020B0604020202020204" pitchFamily="34" charset="0"/>
+              </a:rPr>
+              <a:t>Is your account tax exempt? (If YES) Please fax a copy of your tax-exempt certificate to taxexemptions@criusenergy.com</a:t>
+            </a:r>
+          </a:p>
+        </p:txBody>
+      </p:sp>
+      <p:sp>
+        <p:nvSpPr>
+          <p:cNvPr id="25" name="Rectángulo 18">
+            <a:extLst>
+              <a:ext uri="{FF2B5EF4-FFF2-40B4-BE49-F238E27FC236}">
+                <a16:creationId xmlns:a16="http://schemas.microsoft.com/office/drawing/2014/main" id="{798378AB-30E3-4E76-BC50-CACF1B259872}"/>
+              </a:ext>
+            </a:extLst>
+          </p:cNvPr>
+          <p:cNvSpPr/>
+          <p:nvPr/>
+        </p:nvSpPr>
+        <p:spPr>
+          <a:xfrm>
+            <a:off x="7187191" y="5726204"/>
+            <a:ext cx="1471245" cy="481874"/>
+          </a:xfrm>
+          <a:prstGeom prst="rect">
+            <a:avLst/>
+          </a:prstGeom>
+          <a:solidFill>
+            <a:schemeClr val="bg1">
+              <a:lumMod val="85000"/>
+            </a:schemeClr>
+          </a:solidFill>
+          <a:ln>
+            <a:solidFill>
+              <a:schemeClr val="tx1"/>
+            </a:solidFill>
+          </a:ln>
+        </p:spPr>
+        <p:style>
+          <a:lnRef idx="2">
+            <a:schemeClr val="accent1">
+              <a:shade val="50000"/>
+            </a:schemeClr>
+          </a:lnRef>
+          <a:fillRef idx="1">
+            <a:schemeClr val="accent1"/>
+          </a:fillRef>
+          <a:effectRef idx="0">
+            <a:schemeClr val="accent1"/>
+          </a:effectRef>
+          <a:fontRef idx="minor">
+            <a:schemeClr val="lt1"/>
+          </a:fontRef>
+        </p:style>
+        <p:txBody>
+          <a:bodyPr rtlCol="0" anchor="ctr"/>
+          <a:lstStyle/>
+          <a:p>
+            <a:pPr algn="ctr"/>
+            <a:r>
+              <a:rPr lang="es-GT" dirty="0">
+                <a:solidFill>
+                  <a:schemeClr val="tx1"/>
+                </a:solidFill>
+                <a:latin typeface="Arial" panose="020B0604020202020204" pitchFamily="34" charset="0"/>
+                <a:cs typeface="Arial" panose="020B0604020202020204" pitchFamily="34" charset="0"/>
+              </a:rPr>
+              <a:t>No</a:t>
+            </a:r>
+          </a:p>
+        </p:txBody>
+      </p:sp>
+      <p:sp>
+        <p:nvSpPr>
+          <p:cNvPr id="26" name="Rectángulo 19">
+            <a:extLst>
+              <a:ext uri="{FF2B5EF4-FFF2-40B4-BE49-F238E27FC236}">
+                <a16:creationId xmlns:a16="http://schemas.microsoft.com/office/drawing/2014/main" id="{5F379E26-4AE6-4DDB-9639-B5441ABF43EB}"/>
+              </a:ext>
+            </a:extLst>
+          </p:cNvPr>
+          <p:cNvSpPr/>
+          <p:nvPr/>
+        </p:nvSpPr>
+        <p:spPr>
+          <a:xfrm>
+            <a:off x="3217669" y="5726204"/>
+            <a:ext cx="1471245" cy="481874"/>
+          </a:xfrm>
+          <a:prstGeom prst="rect">
+            <a:avLst/>
+          </a:prstGeom>
+          <a:solidFill>
+            <a:schemeClr val="bg1">
+              <a:lumMod val="85000"/>
+            </a:schemeClr>
+          </a:solidFill>
+          <a:ln>
+            <a:solidFill>
+              <a:schemeClr val="tx1"/>
+            </a:solidFill>
+          </a:ln>
+        </p:spPr>
+        <p:style>
+          <a:lnRef idx="2">
+            <a:schemeClr val="accent1">
+              <a:shade val="50000"/>
+            </a:schemeClr>
+          </a:lnRef>
+          <a:fillRef idx="1">
+            <a:schemeClr val="accent1"/>
+          </a:fillRef>
+          <a:effectRef idx="0">
+            <a:schemeClr val="accent1"/>
+          </a:effectRef>
+          <a:fontRef idx="minor">
+            <a:schemeClr val="lt1"/>
+          </a:fontRef>
+        </p:style>
+        <p:txBody>
+          <a:bodyPr rtlCol="0" anchor="ctr"/>
+          <a:lstStyle/>
+          <a:p>
+            <a:pPr algn="ctr"/>
+            <a:r>
+              <a:rPr lang="es-GT" dirty="0">
+                <a:solidFill>
+                  <a:schemeClr val="tx1"/>
+                </a:solidFill>
+                <a:latin typeface="Arial" panose="020B0604020202020204" pitchFamily="34" charset="0"/>
+                <a:cs typeface="Arial" panose="020B0604020202020204" pitchFamily="34" charset="0"/>
+              </a:rPr>
+              <a:t>Yes</a:t>
+            </a:r>
+          </a:p>
+        </p:txBody>
+      </p:sp>
+      <p:sp>
+        <p:nvSpPr>
+          <p:cNvPr id="27" name="Rectángulo 5">
+            <a:extLst>
+              <a:ext uri="{FF2B5EF4-FFF2-40B4-BE49-F238E27FC236}">
+                <a16:creationId xmlns:a16="http://schemas.microsoft.com/office/drawing/2014/main" id="{F3D425EF-ED8C-4359-811A-1F79035681D6}"/>
+              </a:ext>
+            </a:extLst>
+          </p:cNvPr>
+          <p:cNvSpPr/>
+          <p:nvPr/>
+        </p:nvSpPr>
+        <p:spPr>
+          <a:xfrm>
+            <a:off x="351935" y="6281225"/>
+            <a:ext cx="1471245" cy="481874"/>
+          </a:xfrm>
+          <a:prstGeom prst="rect">
+            <a:avLst/>
+          </a:prstGeom>
+          <a:solidFill>
+            <a:schemeClr val="bg1">
+              <a:lumMod val="85000"/>
+            </a:schemeClr>
+          </a:solidFill>
+          <a:ln>
+            <a:solidFill>
+              <a:schemeClr val="tx1"/>
+            </a:solidFill>
+          </a:ln>
+        </p:spPr>
+        <p:style>
+          <a:lnRef idx="2">
+            <a:schemeClr val="accent1">
+              <a:shade val="50000"/>
+            </a:schemeClr>
+          </a:lnRef>
+          <a:fillRef idx="1">
+            <a:schemeClr val="accent1"/>
+          </a:fillRef>
+          <a:effectRef idx="0">
+            <a:schemeClr val="accent1"/>
+          </a:effectRef>
+          <a:fontRef idx="minor">
+            <a:schemeClr val="lt1"/>
+          </a:fontRef>
+        </p:style>
+        <p:txBody>
+          <a:bodyPr rtlCol="0" anchor="ctr"/>
+          <a:lstStyle/>
+          <a:p>
+            <a:pPr algn="ctr"/>
+            <a:r>
+              <a:rPr lang="es-GT" dirty="0">
+                <a:solidFill>
+                  <a:schemeClr val="tx1"/>
+                </a:solidFill>
+                <a:latin typeface="Arial" panose="020B0604020202020204" pitchFamily="34" charset="0"/>
+                <a:cs typeface="Arial" panose="020B0604020202020204" pitchFamily="34" charset="0"/>
+              </a:rPr>
+              <a:t>Back</a:t>
+            </a:r>
+          </a:p>
+        </p:txBody>
+      </p:sp>
+      <p:grpSp>
+        <p:nvGrpSpPr>
+          <p:cNvPr id="21" name="Group 20">
+            <a:extLst>
+              <a:ext uri="{FF2B5EF4-FFF2-40B4-BE49-F238E27FC236}">
+                <a16:creationId xmlns:a16="http://schemas.microsoft.com/office/drawing/2014/main" id="{600A7603-7011-4FCC-91DF-B78FFBB008AE}"/>
+              </a:ext>
+            </a:extLst>
+          </p:cNvPr>
+          <p:cNvGrpSpPr/>
+          <p:nvPr/>
+        </p:nvGrpSpPr>
+        <p:grpSpPr>
+          <a:xfrm>
+            <a:off x="1230924" y="576775"/>
+            <a:ext cx="10044332" cy="1229931"/>
+            <a:chOff x="1230924" y="576775"/>
+            <a:chExt cx="10044332" cy="1229931"/>
+          </a:xfrm>
+        </p:grpSpPr>
+        <p:grpSp>
+          <p:nvGrpSpPr>
+            <p:cNvPr id="22" name="Grupo 5">
+              <a:extLst>
+                <a:ext uri="{FF2B5EF4-FFF2-40B4-BE49-F238E27FC236}">
+                  <a16:creationId xmlns:a16="http://schemas.microsoft.com/office/drawing/2014/main" id="{74531C9C-0D8C-4DAD-8AFF-CD424BE3A88F}"/>
+                </a:ext>
+              </a:extLst>
+            </p:cNvPr>
+            <p:cNvGrpSpPr/>
+            <p:nvPr/>
+          </p:nvGrpSpPr>
+          <p:grpSpPr>
+            <a:xfrm>
+              <a:off x="1230924" y="576775"/>
+              <a:ext cx="10044332" cy="1229931"/>
+              <a:chOff x="1230924" y="576775"/>
+              <a:chExt cx="10044332" cy="1229931"/>
+            </a:xfrm>
+          </p:grpSpPr>
+          <p:sp>
+            <p:nvSpPr>
+              <p:cNvPr id="24" name="Rectángulo 1">
+                <a:extLst>
+                  <a:ext uri="{FF2B5EF4-FFF2-40B4-BE49-F238E27FC236}">
+                    <a16:creationId xmlns:a16="http://schemas.microsoft.com/office/drawing/2014/main" id="{28A4BB76-C0F2-4A42-A605-476C6C0C1C47}"/>
+                  </a:ext>
+                </a:extLst>
+              </p:cNvPr>
+              <p:cNvSpPr/>
+              <p:nvPr/>
+            </p:nvSpPr>
+            <p:spPr>
+              <a:xfrm>
+                <a:off x="1230924" y="576775"/>
+                <a:ext cx="10044332" cy="1181686"/>
+              </a:xfrm>
+              <a:prstGeom prst="rect">
+                <a:avLst/>
+              </a:prstGeom>
+              <a:solidFill>
+                <a:srgbClr val="0C8AAC"/>
+              </a:solidFill>
+            </p:spPr>
+            <p:style>
+              <a:lnRef idx="2">
+                <a:schemeClr val="accent1">
+                  <a:shade val="50000"/>
+                </a:schemeClr>
+              </a:lnRef>
+              <a:fillRef idx="1">
+                <a:schemeClr val="accent1"/>
+              </a:fillRef>
+              <a:effectRef idx="0">
+                <a:schemeClr val="accent1"/>
+              </a:effectRef>
+              <a:fontRef idx="minor">
+                <a:schemeClr val="lt1"/>
+              </a:fontRef>
+            </p:style>
+            <p:txBody>
+              <a:bodyPr rtlCol="0" anchor="ctr"/>
+              <a:lstStyle/>
+              <a:p>
+                <a:pPr algn="ctr"/>
+                <a:endParaRPr lang="es-GT" dirty="0">
+                  <a:ln>
+                    <a:solidFill>
+                      <a:schemeClr val="bg1"/>
+                    </a:solidFill>
+                  </a:ln>
+                </a:endParaRPr>
+              </a:p>
+            </p:txBody>
+          </p:sp>
+          <p:sp>
+            <p:nvSpPr>
+              <p:cNvPr id="28" name="CuadroTexto 3">
+                <a:extLst>
+                  <a:ext uri="{FF2B5EF4-FFF2-40B4-BE49-F238E27FC236}">
+                    <a16:creationId xmlns:a16="http://schemas.microsoft.com/office/drawing/2014/main" id="{74E9B0D0-1B4F-4677-9680-B3FCEA3A7A37}"/>
+                  </a:ext>
+                </a:extLst>
+              </p:cNvPr>
+              <p:cNvSpPr txBox="1"/>
+              <p:nvPr/>
+            </p:nvSpPr>
+            <p:spPr>
+              <a:xfrm>
+                <a:off x="1441939" y="597240"/>
+                <a:ext cx="2052375" cy="1200329"/>
+              </a:xfrm>
+              <a:prstGeom prst="rect">
+                <a:avLst/>
+              </a:prstGeom>
+              <a:noFill/>
+            </p:spPr>
+            <p:txBody>
+              <a:bodyPr wrap="square" rtlCol="0">
+                <a:spAutoFit/>
+              </a:bodyPr>
+              <a:lstStyle/>
+              <a:p>
+                <a:r>
+                  <a:rPr lang="es-GT" sz="1200" dirty="0" err="1">
+                    <a:solidFill>
+                      <a:schemeClr val="bg1"/>
+                    </a:solidFill>
+                    <a:latin typeface="Arial" panose="020B0604020202020204" pitchFamily="34" charset="0"/>
+                    <a:cs typeface="Arial" panose="020B0604020202020204" pitchFamily="34" charset="0"/>
+                  </a:rPr>
+                  <a:t>Customer</a:t>
+                </a:r>
+                <a:r>
+                  <a:rPr lang="es-GT" sz="1200" dirty="0">
+                    <a:solidFill>
+                      <a:schemeClr val="bg1"/>
+                    </a:solidFill>
+                    <a:latin typeface="Arial" panose="020B0604020202020204" pitchFamily="34" charset="0"/>
+                    <a:cs typeface="Arial" panose="020B0604020202020204" pitchFamily="34" charset="0"/>
+                  </a:rPr>
+                  <a:t> </a:t>
+                </a:r>
+                <a:r>
+                  <a:rPr lang="es-GT" sz="1200" dirty="0" err="1">
+                    <a:solidFill>
+                      <a:schemeClr val="bg1"/>
+                    </a:solidFill>
+                    <a:latin typeface="Arial" panose="020B0604020202020204" pitchFamily="34" charset="0"/>
+                    <a:cs typeface="Arial" panose="020B0604020202020204" pitchFamily="34" charset="0"/>
+                  </a:rPr>
+                  <a:t>Name</a:t>
+                </a:r>
+                <a:r>
+                  <a:rPr lang="es-GT" sz="1200" dirty="0">
+                    <a:solidFill>
+                      <a:schemeClr val="bg1"/>
+                    </a:solidFill>
+                    <a:latin typeface="Arial" panose="020B0604020202020204" pitchFamily="34" charset="0"/>
+                    <a:cs typeface="Arial" panose="020B0604020202020204" pitchFamily="34" charset="0"/>
+                  </a:rPr>
+                  <a:t>:</a:t>
+                </a:r>
+              </a:p>
+              <a:p>
+                <a:r>
+                  <a:rPr lang="es-GT" sz="1200" dirty="0" err="1">
+                    <a:solidFill>
+                      <a:schemeClr val="bg1"/>
+                    </a:solidFill>
+                    <a:latin typeface="Arial" panose="020B0604020202020204" pitchFamily="34" charset="0"/>
+                    <a:cs typeface="Arial" panose="020B0604020202020204" pitchFamily="34" charset="0"/>
+                  </a:rPr>
+                  <a:t>Issue</a:t>
+                </a:r>
+                <a:r>
+                  <a:rPr lang="es-GT" sz="1200" dirty="0">
+                    <a:solidFill>
+                      <a:schemeClr val="bg1"/>
+                    </a:solidFill>
+                    <a:latin typeface="Arial" panose="020B0604020202020204" pitchFamily="34" charset="0"/>
+                    <a:cs typeface="Arial" panose="020B0604020202020204" pitchFamily="34" charset="0"/>
+                  </a:rPr>
+                  <a:t> </a:t>
+                </a:r>
+                <a:r>
+                  <a:rPr lang="es-GT" sz="1200" dirty="0" err="1">
+                    <a:solidFill>
+                      <a:schemeClr val="bg1"/>
+                    </a:solidFill>
+                    <a:latin typeface="Arial" panose="020B0604020202020204" pitchFamily="34" charset="0"/>
+                    <a:cs typeface="Arial" panose="020B0604020202020204" pitchFamily="34" charset="0"/>
+                  </a:rPr>
+                  <a:t>Number</a:t>
+                </a:r>
+                <a:r>
+                  <a:rPr lang="es-GT" sz="1200" dirty="0">
+                    <a:solidFill>
+                      <a:schemeClr val="bg1"/>
+                    </a:solidFill>
+                    <a:latin typeface="Arial" panose="020B0604020202020204" pitchFamily="34" charset="0"/>
+                    <a:cs typeface="Arial" panose="020B0604020202020204" pitchFamily="34" charset="0"/>
+                  </a:rPr>
+                  <a:t>:</a:t>
+                </a:r>
+              </a:p>
+              <a:p>
+                <a:r>
+                  <a:rPr lang="es-GT" sz="1200" dirty="0" err="1">
+                    <a:solidFill>
+                      <a:schemeClr val="bg1"/>
+                    </a:solidFill>
+                    <a:latin typeface="Arial" panose="020B0604020202020204" pitchFamily="34" charset="0"/>
+                    <a:cs typeface="Arial" panose="020B0604020202020204" pitchFamily="34" charset="0"/>
+                  </a:rPr>
+                  <a:t>Resi</a:t>
+                </a:r>
+                <a:r>
+                  <a:rPr lang="es-GT" sz="1200" dirty="0">
+                    <a:solidFill>
+                      <a:schemeClr val="bg1"/>
+                    </a:solidFill>
+                    <a:latin typeface="Arial" panose="020B0604020202020204" pitchFamily="34" charset="0"/>
+                    <a:cs typeface="Arial" panose="020B0604020202020204" pitchFamily="34" charset="0"/>
+                  </a:rPr>
+                  <a:t> </a:t>
+                </a:r>
+                <a:r>
+                  <a:rPr lang="es-GT" sz="1200" dirty="0" err="1">
+                    <a:solidFill>
+                      <a:schemeClr val="bg1"/>
+                    </a:solidFill>
+                    <a:latin typeface="Arial" panose="020B0604020202020204" pitchFamily="34" charset="0"/>
+                    <a:cs typeface="Arial" panose="020B0604020202020204" pitchFamily="34" charset="0"/>
+                  </a:rPr>
+                  <a:t>or</a:t>
+                </a:r>
+                <a:r>
+                  <a:rPr lang="es-GT" sz="1200" dirty="0">
+                    <a:solidFill>
+                      <a:schemeClr val="bg1"/>
+                    </a:solidFill>
+                    <a:latin typeface="Arial" panose="020B0604020202020204" pitchFamily="34" charset="0"/>
+                    <a:cs typeface="Arial" panose="020B0604020202020204" pitchFamily="34" charset="0"/>
+                  </a:rPr>
+                  <a:t> </a:t>
+                </a:r>
+                <a:r>
+                  <a:rPr lang="es-GT" sz="1200" dirty="0" err="1">
+                    <a:solidFill>
+                      <a:schemeClr val="bg1"/>
+                    </a:solidFill>
+                    <a:latin typeface="Arial" panose="020B0604020202020204" pitchFamily="34" charset="0"/>
+                    <a:cs typeface="Arial" panose="020B0604020202020204" pitchFamily="34" charset="0"/>
+                  </a:rPr>
+                  <a:t>Comm</a:t>
+                </a:r>
+                <a:r>
+                  <a:rPr lang="es-GT" sz="1200" dirty="0">
+                    <a:solidFill>
+                      <a:schemeClr val="bg1"/>
+                    </a:solidFill>
+                    <a:latin typeface="Arial" panose="020B0604020202020204" pitchFamily="34" charset="0"/>
+                    <a:cs typeface="Arial" panose="020B0604020202020204" pitchFamily="34" charset="0"/>
+                  </a:rPr>
+                  <a:t>:</a:t>
+                </a:r>
+              </a:p>
+              <a:p>
+                <a:r>
+                  <a:rPr lang="es-GT" sz="1200" dirty="0" err="1">
+                    <a:solidFill>
+                      <a:schemeClr val="bg1"/>
+                    </a:solidFill>
+                    <a:latin typeface="Arial" panose="020B0604020202020204" pitchFamily="34" charset="0"/>
+                    <a:cs typeface="Arial" panose="020B0604020202020204" pitchFamily="34" charset="0"/>
+                  </a:rPr>
+                  <a:t>State</a:t>
+                </a:r>
+                <a:r>
+                  <a:rPr lang="es-GT" sz="1200" dirty="0">
+                    <a:solidFill>
+                      <a:schemeClr val="bg1"/>
+                    </a:solidFill>
+                    <a:latin typeface="Arial" panose="020B0604020202020204" pitchFamily="34" charset="0"/>
+                    <a:cs typeface="Arial" panose="020B0604020202020204" pitchFamily="34" charset="0"/>
+                  </a:rPr>
+                  <a:t>:</a:t>
+                </a:r>
+              </a:p>
+              <a:p>
+                <a:r>
+                  <a:rPr lang="es-GT" sz="1200" dirty="0" err="1">
+                    <a:solidFill>
+                      <a:schemeClr val="bg1"/>
+                    </a:solidFill>
+                    <a:latin typeface="Arial" panose="020B0604020202020204" pitchFamily="34" charset="0"/>
+                    <a:cs typeface="Arial" panose="020B0604020202020204" pitchFamily="34" charset="0"/>
+                  </a:rPr>
+                  <a:t>Utility</a:t>
+                </a:r>
+                <a:r>
+                  <a:rPr lang="es-GT" sz="1200" dirty="0">
+                    <a:solidFill>
+                      <a:schemeClr val="bg1"/>
+                    </a:solidFill>
+                    <a:latin typeface="Arial" panose="020B0604020202020204" pitchFamily="34" charset="0"/>
+                    <a:cs typeface="Arial" panose="020B0604020202020204" pitchFamily="34" charset="0"/>
+                  </a:rPr>
+                  <a:t>:</a:t>
+                </a:r>
+              </a:p>
+              <a:p>
+                <a:r>
+                  <a:rPr lang="es-GT" sz="1200" dirty="0">
+                    <a:solidFill>
+                      <a:schemeClr val="bg1"/>
+                    </a:solidFill>
+                    <a:latin typeface="Arial" panose="020B0604020202020204" pitchFamily="34" charset="0"/>
+                    <a:cs typeface="Arial" panose="020B0604020202020204" pitchFamily="34" charset="0"/>
+                  </a:rPr>
+                  <a:t>Brand:</a:t>
+                </a:r>
+              </a:p>
+            </p:txBody>
+          </p:sp>
+          <p:sp>
+            <p:nvSpPr>
+              <p:cNvPr id="29" name="CuadroTexto 4">
+                <a:extLst>
+                  <a:ext uri="{FF2B5EF4-FFF2-40B4-BE49-F238E27FC236}">
+                    <a16:creationId xmlns:a16="http://schemas.microsoft.com/office/drawing/2014/main" id="{2F5FABEA-C818-474F-AC9F-BD0C17C983D7}"/>
+                  </a:ext>
+                </a:extLst>
+              </p:cNvPr>
+              <p:cNvSpPr txBox="1"/>
+              <p:nvPr/>
+            </p:nvSpPr>
+            <p:spPr>
+              <a:xfrm>
+                <a:off x="5260399" y="606377"/>
+                <a:ext cx="1548614" cy="1200329"/>
+              </a:xfrm>
+              <a:prstGeom prst="rect">
+                <a:avLst/>
+              </a:prstGeom>
+              <a:noFill/>
+            </p:spPr>
+            <p:txBody>
+              <a:bodyPr wrap="square" rtlCol="0">
+                <a:spAutoFit/>
+              </a:bodyPr>
+              <a:lstStyle/>
+              <a:p>
+                <a:r>
+                  <a:rPr lang="es-GT" sz="1200" dirty="0" err="1">
+                    <a:solidFill>
+                      <a:schemeClr val="bg1"/>
+                    </a:solidFill>
+                    <a:latin typeface="Arial" panose="020B0604020202020204" pitchFamily="34" charset="0"/>
+                    <a:cs typeface="Arial" panose="020B0604020202020204" pitchFamily="34" charset="0"/>
+                  </a:rPr>
+                  <a:t>Drop</a:t>
+                </a:r>
+                <a:r>
+                  <a:rPr lang="es-GT" sz="1200" dirty="0">
+                    <a:solidFill>
+                      <a:schemeClr val="bg1"/>
+                    </a:solidFill>
+                    <a:latin typeface="Arial" panose="020B0604020202020204" pitchFamily="34" charset="0"/>
+                    <a:cs typeface="Arial" panose="020B0604020202020204" pitchFamily="34" charset="0"/>
+                  </a:rPr>
+                  <a:t> Reason:</a:t>
+                </a:r>
+              </a:p>
+              <a:p>
+                <a:r>
+                  <a:rPr lang="es-GT" sz="1200" dirty="0" err="1">
+                    <a:solidFill>
+                      <a:schemeClr val="bg1"/>
+                    </a:solidFill>
+                    <a:latin typeface="Arial" panose="020B0604020202020204" pitchFamily="34" charset="0"/>
+                    <a:cs typeface="Arial" panose="020B0604020202020204" pitchFamily="34" charset="0"/>
+                  </a:rPr>
+                  <a:t>Utility</a:t>
+                </a:r>
+                <a:r>
+                  <a:rPr lang="es-GT" sz="1200" dirty="0">
+                    <a:solidFill>
+                      <a:schemeClr val="bg1"/>
+                    </a:solidFill>
+                    <a:latin typeface="Arial" panose="020B0604020202020204" pitchFamily="34" charset="0"/>
+                    <a:cs typeface="Arial" panose="020B0604020202020204" pitchFamily="34" charset="0"/>
+                  </a:rPr>
+                  <a:t> </a:t>
+                </a:r>
+                <a:r>
+                  <a:rPr lang="es-GT" sz="1200" dirty="0" err="1">
+                    <a:solidFill>
+                      <a:schemeClr val="bg1"/>
+                    </a:solidFill>
+                    <a:latin typeface="Arial" panose="020B0604020202020204" pitchFamily="34" charset="0"/>
+                    <a:cs typeface="Arial" panose="020B0604020202020204" pitchFamily="34" charset="0"/>
+                  </a:rPr>
+                  <a:t>Acct</a:t>
+                </a:r>
+                <a:r>
+                  <a:rPr lang="es-GT" sz="1200" dirty="0">
+                    <a:solidFill>
+                      <a:schemeClr val="bg1"/>
+                    </a:solidFill>
+                    <a:latin typeface="Arial" panose="020B0604020202020204" pitchFamily="34" charset="0"/>
+                    <a:cs typeface="Arial" panose="020B0604020202020204" pitchFamily="34" charset="0"/>
+                  </a:rPr>
+                  <a:t> No.:</a:t>
+                </a:r>
+              </a:p>
+              <a:p>
+                <a:r>
+                  <a:rPr lang="es-GT" sz="1200" dirty="0" err="1">
+                    <a:solidFill>
+                      <a:schemeClr val="bg1"/>
+                    </a:solidFill>
+                    <a:latin typeface="Arial" panose="020B0604020202020204" pitchFamily="34" charset="0"/>
+                    <a:cs typeface="Arial" panose="020B0604020202020204" pitchFamily="34" charset="0"/>
+                  </a:rPr>
+                  <a:t>Drop</a:t>
+                </a:r>
+                <a:r>
+                  <a:rPr lang="es-GT" sz="1200" dirty="0">
+                    <a:solidFill>
+                      <a:schemeClr val="bg1"/>
+                    </a:solidFill>
+                    <a:latin typeface="Arial" panose="020B0604020202020204" pitchFamily="34" charset="0"/>
+                    <a:cs typeface="Arial" panose="020B0604020202020204" pitchFamily="34" charset="0"/>
+                  </a:rPr>
+                  <a:t> Date:</a:t>
+                </a:r>
+              </a:p>
+              <a:p>
+                <a:r>
+                  <a:rPr lang="es-GT" sz="1200" dirty="0" err="1">
+                    <a:solidFill>
+                      <a:schemeClr val="bg1"/>
+                    </a:solidFill>
+                    <a:latin typeface="Arial" panose="020B0604020202020204" pitchFamily="34" charset="0"/>
+                    <a:cs typeface="Arial" panose="020B0604020202020204" pitchFamily="34" charset="0"/>
+                  </a:rPr>
+                  <a:t>Campaign</a:t>
+                </a:r>
+                <a:r>
+                  <a:rPr lang="es-GT" sz="1200" dirty="0">
+                    <a:solidFill>
+                      <a:schemeClr val="bg1"/>
+                    </a:solidFill>
+                    <a:latin typeface="Arial" panose="020B0604020202020204" pitchFamily="34" charset="0"/>
+                    <a:cs typeface="Arial" panose="020B0604020202020204" pitchFamily="34" charset="0"/>
+                  </a:rPr>
+                  <a:t>:</a:t>
+                </a:r>
+              </a:p>
+              <a:p>
+                <a:r>
+                  <a:rPr lang="es-GT" sz="1200" dirty="0" err="1">
+                    <a:solidFill>
+                      <a:schemeClr val="bg1"/>
+                    </a:solidFill>
+                    <a:latin typeface="Arial" panose="020B0604020202020204" pitchFamily="34" charset="0"/>
+                    <a:cs typeface="Arial" panose="020B0604020202020204" pitchFamily="34" charset="0"/>
+                  </a:rPr>
+                  <a:t>Row</a:t>
+                </a:r>
+                <a:r>
+                  <a:rPr lang="es-GT" sz="1200" dirty="0">
+                    <a:solidFill>
+                      <a:schemeClr val="bg1"/>
+                    </a:solidFill>
+                    <a:latin typeface="Arial" panose="020B0604020202020204" pitchFamily="34" charset="0"/>
+                    <a:cs typeface="Arial" panose="020B0604020202020204" pitchFamily="34" charset="0"/>
+                  </a:rPr>
+                  <a:t> ID:</a:t>
+                </a:r>
+              </a:p>
+              <a:p>
+                <a:r>
+                  <a:rPr lang="es-GT" sz="1200" dirty="0" err="1">
+                    <a:solidFill>
+                      <a:schemeClr val="bg1"/>
+                    </a:solidFill>
+                    <a:latin typeface="Arial" panose="020B0604020202020204" pitchFamily="34" charset="0"/>
+                    <a:cs typeface="Arial" panose="020B0604020202020204" pitchFamily="34" charset="0"/>
+                  </a:rPr>
+                  <a:t>Commodity</a:t>
+                </a:r>
+                <a:r>
+                  <a:rPr lang="es-GT" sz="1200" dirty="0">
+                    <a:solidFill>
+                      <a:schemeClr val="bg1"/>
+                    </a:solidFill>
+                    <a:latin typeface="Arial" panose="020B0604020202020204" pitchFamily="34" charset="0"/>
+                    <a:cs typeface="Arial" panose="020B0604020202020204" pitchFamily="34" charset="0"/>
+                  </a:rPr>
+                  <a:t>:</a:t>
+                </a:r>
+              </a:p>
+            </p:txBody>
+          </p:sp>
+          <p:sp>
+            <p:nvSpPr>
+              <p:cNvPr id="30" name="CuadroTexto 12">
+                <a:extLst>
+                  <a:ext uri="{FF2B5EF4-FFF2-40B4-BE49-F238E27FC236}">
+                    <a16:creationId xmlns:a16="http://schemas.microsoft.com/office/drawing/2014/main" id="{FBC9BA5B-503A-426D-98C6-E0A4D8A9600B}"/>
+                  </a:ext>
+                </a:extLst>
+              </p:cNvPr>
+              <p:cNvSpPr txBox="1"/>
+              <p:nvPr/>
+            </p:nvSpPr>
+            <p:spPr>
+              <a:xfrm>
+                <a:off x="9808343" y="1423846"/>
+                <a:ext cx="1359877" cy="369332"/>
+              </a:xfrm>
+              <a:prstGeom prst="rect">
+                <a:avLst/>
+              </a:prstGeom>
+              <a:noFill/>
+            </p:spPr>
+            <p:txBody>
+              <a:bodyPr wrap="square" rtlCol="0">
+                <a:spAutoFit/>
+              </a:bodyPr>
+              <a:lstStyle/>
+              <a:p>
+                <a:pPr algn="ctr"/>
+                <a:r>
+                  <a:rPr lang="es-GT" i="1" dirty="0">
+                    <a:solidFill>
+                      <a:schemeClr val="bg1"/>
+                    </a:solidFill>
+                    <a:latin typeface="Arial" panose="020B0604020202020204" pitchFamily="34" charset="0"/>
+                    <a:cs typeface="Arial" panose="020B0604020202020204" pitchFamily="34" charset="0"/>
+                  </a:rPr>
+                  <a:t>Lead </a:t>
+                </a:r>
+                <a:r>
+                  <a:rPr lang="es-GT" i="1" dirty="0" err="1">
+                    <a:solidFill>
+                      <a:schemeClr val="bg1"/>
+                    </a:solidFill>
+                    <a:latin typeface="Arial" panose="020B0604020202020204" pitchFamily="34" charset="0"/>
+                    <a:cs typeface="Arial" panose="020B0604020202020204" pitchFamily="34" charset="0"/>
+                  </a:rPr>
+                  <a:t>Type</a:t>
+                </a:r>
+                <a:endParaRPr lang="es-GT" i="1" dirty="0">
+                  <a:solidFill>
+                    <a:schemeClr val="bg1"/>
+                  </a:solidFill>
+                  <a:latin typeface="Arial" panose="020B0604020202020204" pitchFamily="34" charset="0"/>
+                  <a:cs typeface="Arial" panose="020B0604020202020204" pitchFamily="34" charset="0"/>
+                </a:endParaRPr>
+              </a:p>
+            </p:txBody>
+          </p:sp>
+        </p:grpSp>
+        <p:pic>
+          <p:nvPicPr>
+            <p:cNvPr id="23" name="Picture 22" descr="A picture containing clipart&#10;&#10;Description automatically generated">
+              <a:extLst>
+                <a:ext uri="{FF2B5EF4-FFF2-40B4-BE49-F238E27FC236}">
+                  <a16:creationId xmlns:a16="http://schemas.microsoft.com/office/drawing/2014/main" id="{7CA75E60-E8F3-48FD-83DE-72BB79E3FCD0}"/>
+                </a:ext>
+              </a:extLst>
+            </p:cNvPr>
+            <p:cNvPicPr>
+              <a:picLocks noChangeAspect="1"/>
+            </p:cNvPicPr>
+            <p:nvPr/>
+          </p:nvPicPr>
+          <p:blipFill>
+            <a:blip r:embed="rId3">
+              <a:extLst>
+                <a:ext uri="{28A0092B-C50C-407E-A947-70E740481C1C}">
+                  <a14:useLocalDpi xmlns:a14="http://schemas.microsoft.com/office/drawing/2010/main" val="0"/>
+                </a:ext>
+              </a:extLst>
+            </a:blip>
+            <a:stretch>
+              <a:fillRect/>
+            </a:stretch>
+          </p:blipFill>
+          <p:spPr>
+            <a:xfrm>
+              <a:off x="9562679" y="581121"/>
+              <a:ext cx="1712577" cy="897064"/>
+            </a:xfrm>
+            <a:prstGeom prst="rect">
+              <a:avLst/>
+            </a:prstGeom>
+          </p:spPr>
+        </p:pic>
+      </p:grpSp>
+      <p:sp>
+        <p:nvSpPr>
+          <p:cNvPr id="14" name="Title 1">
+            <a:extLst>
+              <a:ext uri="{FF2B5EF4-FFF2-40B4-BE49-F238E27FC236}">
+                <a16:creationId xmlns:a16="http://schemas.microsoft.com/office/drawing/2014/main" id="{43E26D98-ABEA-4CBC-9C1C-DF2342532723}"/>
+              </a:ext>
+            </a:extLst>
+          </p:cNvPr>
+          <p:cNvSpPr>
+            <a:spLocks noGrp="1"/>
+          </p:cNvSpPr>
+          <p:nvPr>
+            <p:ph type="title"/>
+          </p:nvPr>
+        </p:nvSpPr>
+        <p:spPr>
+          <a:xfrm>
+            <a:off x="445476" y="18999"/>
+            <a:ext cx="10515600" cy="592064"/>
+          </a:xfrm>
+        </p:spPr>
+        <p:txBody>
+          <a:bodyPr>
+            <a:normAutofit/>
+          </a:bodyPr>
+          <a:lstStyle/>
+          <a:p>
+            <a:pPr algn="ctr"/>
+            <a:r>
+              <a:rPr lang="it-IT" sz="3200" b="1" dirty="0"/>
+              <a:t>Additional Sale Confirmation - Ohio Cincinatti </a:t>
+            </a:r>
+          </a:p>
+        </p:txBody>
+      </p:sp>
+    </p:spTree>
+    <p:extLst>
+      <p:ext uri="{BB962C8B-B14F-4D97-AF65-F5344CB8AC3E}">
+        <p14:creationId xmlns:p14="http://schemas.microsoft.com/office/powerpoint/2010/main" val="1532602696"/>
+      </p:ext>
+    </p:extLst>
+  </p:cSld>
+  <p:clrMapOvr>
+    <a:masterClrMapping/>
+  </p:clrMapOvr>
+</p:sld>
+</file>
+
+<file path=ppt/slides/slide9.xml><?xml version="1.0" encoding="utf-8"?>
+<p:sld xmlns:a="http://schemas.openxmlformats.org/drawingml/2006/main" xmlns:r="http://schemas.openxmlformats.org/officeDocument/2006/relationships" xmlns:p="http://schemas.openxmlformats.org/presentationml/2006/main">
+  <p:cSld>
+    <p:spTree>
+      <p:nvGrpSpPr>
+        <p:cNvPr id="1" name=""/>
+        <p:cNvGrpSpPr/>
+        <p:nvPr/>
+      </p:nvGrpSpPr>
+      <p:grpSpPr>
+        <a:xfrm>
+          <a:off x="0" y="0"/>
+          <a:ext cx="0" cy="0"/>
+          <a:chOff x="0" y="0"/>
+          <a:chExt cx="0" cy="0"/>
+        </a:xfrm>
+      </p:grpSpPr>
+      <p:sp>
+        <p:nvSpPr>
+          <p:cNvPr id="8" name="CuadroTexto 7">
+            <a:extLst>
+              <a:ext uri="{FF2B5EF4-FFF2-40B4-BE49-F238E27FC236}">
+                <a16:creationId xmlns:a16="http://schemas.microsoft.com/office/drawing/2014/main" id="{CE8A0B2B-D62B-44EA-9906-7AAEFA902B65}"/>
+              </a:ext>
+            </a:extLst>
+          </p:cNvPr>
+          <p:cNvSpPr txBox="1"/>
+          <p:nvPr/>
+        </p:nvSpPr>
+        <p:spPr>
+          <a:xfrm>
+            <a:off x="348175" y="1966325"/>
+            <a:ext cx="11495650" cy="2308324"/>
+          </a:xfrm>
+          <a:prstGeom prst="rect">
+            <a:avLst/>
+          </a:prstGeom>
+          <a:noFill/>
+          <a:ln>
+            <a:solidFill>
+              <a:schemeClr val="tx1"/>
+            </a:solidFill>
+          </a:ln>
+        </p:spPr>
+        <p:txBody>
+          <a:bodyPr wrap="square" rtlCol="0">
+            <a:spAutoFit/>
+          </a:bodyPr>
+          <a:lstStyle/>
+          <a:p>
+            <a:r>
+              <a:rPr lang="en-US" dirty="0">
+                <a:solidFill>
+                  <a:srgbClr val="00B0F0"/>
+                </a:solidFill>
+                <a:latin typeface="Arial" panose="020B0604020202020204" pitchFamily="34" charset="0"/>
+                <a:cs typeface="Arial" panose="020B0604020202020204" pitchFamily="34" charset="0"/>
+              </a:rPr>
+              <a:t>Do you have a pen handy? Please write this on your bill: Todays date and time is &lt;Current Date&gt;/&lt;Current Time&gt;.  My name [Agent Name] is (Give your first and last name) and you can reach me, toll free, at </a:t>
+            </a:r>
+            <a:r>
+              <a:rPr lang="en-US" dirty="0">
+                <a:solidFill>
+                  <a:srgbClr val="00B0F0"/>
+                </a:solidFill>
+                <a:highlight>
+                  <a:srgbClr val="FFFF00"/>
+                </a:highlight>
+                <a:latin typeface="Arial" panose="020B0604020202020204" pitchFamily="34" charset="0"/>
+                <a:cs typeface="Arial" panose="020B0604020202020204" pitchFamily="34" charset="0"/>
+              </a:rPr>
+              <a:t>[CID Number]</a:t>
+            </a:r>
+            <a:r>
+              <a:rPr lang="en-US" dirty="0">
+                <a:solidFill>
+                  <a:srgbClr val="00B0F0"/>
+                </a:solidFill>
+                <a:latin typeface="Arial" panose="020B0604020202020204" pitchFamily="34" charset="0"/>
+                <a:cs typeface="Arial" panose="020B0604020202020204" pitchFamily="34" charset="0"/>
+              </a:rPr>
+              <a:t> </a:t>
+            </a:r>
+            <a:r>
+              <a:rPr lang="en-US" dirty="0">
+                <a:latin typeface="Arial" panose="020B0604020202020204" pitchFamily="34" charset="0"/>
+                <a:cs typeface="Arial" panose="020B0604020202020204" pitchFamily="34" charset="0"/>
+              </a:rPr>
+              <a:t>if you have any questions. Also write down our website, https://www.cincinnatibell.com/shop-cincinnati-bell/energy and visit it to learn more about our company and the energy efficient products we offer online. </a:t>
+            </a:r>
+          </a:p>
+          <a:p>
+            <a:endParaRPr lang="en-US" dirty="0">
+              <a:latin typeface="Arial" panose="020B0604020202020204" pitchFamily="34" charset="0"/>
+              <a:cs typeface="Arial" panose="020B0604020202020204" pitchFamily="34" charset="0"/>
+            </a:endParaRPr>
+          </a:p>
+          <a:p>
+            <a:r>
+              <a:rPr lang="en-US" dirty="0">
+                <a:solidFill>
+                  <a:srgbClr val="00B0F0"/>
+                </a:solidFill>
+                <a:latin typeface="Arial" panose="020B0604020202020204" pitchFamily="34" charset="0"/>
+                <a:cs typeface="Arial" panose="020B0604020202020204" pitchFamily="34" charset="0"/>
+              </a:rPr>
+              <a:t>Lastly, write down Cincinnati Bell Energy. We will be supplying all the energy for your account(s). Just remember that with this program; you understand that you’re enrolling with Cincinnati Bell Energy, a licensed supplier in the State of Ohio, to receive our rates, OK? </a:t>
+            </a:r>
+          </a:p>
+        </p:txBody>
+      </p:sp>
+      <p:sp>
+        <p:nvSpPr>
+          <p:cNvPr id="6" name="Rectángulo 5">
+            <a:extLst>
+              <a:ext uri="{FF2B5EF4-FFF2-40B4-BE49-F238E27FC236}">
+                <a16:creationId xmlns:a16="http://schemas.microsoft.com/office/drawing/2014/main" id="{3C511622-D2E1-4618-BA19-CD13882A5BE1}"/>
+              </a:ext>
+            </a:extLst>
+          </p:cNvPr>
+          <p:cNvSpPr/>
+          <p:nvPr/>
+        </p:nvSpPr>
+        <p:spPr>
+          <a:xfrm>
+            <a:off x="181688" y="6246401"/>
+            <a:ext cx="1471245" cy="481874"/>
+          </a:xfrm>
+          <a:prstGeom prst="rect">
+            <a:avLst/>
+          </a:prstGeom>
+          <a:solidFill>
+            <a:schemeClr val="bg1">
+              <a:lumMod val="85000"/>
+            </a:schemeClr>
+          </a:solidFill>
+          <a:ln>
+            <a:solidFill>
+              <a:schemeClr val="tx1"/>
+            </a:solidFill>
+          </a:ln>
+        </p:spPr>
+        <p:style>
+          <a:lnRef idx="2">
+            <a:schemeClr val="accent1">
+              <a:shade val="50000"/>
+            </a:schemeClr>
+          </a:lnRef>
+          <a:fillRef idx="1">
+            <a:schemeClr val="accent1"/>
+          </a:fillRef>
+          <a:effectRef idx="0">
+            <a:schemeClr val="accent1"/>
+          </a:effectRef>
+          <a:fontRef idx="minor">
+            <a:schemeClr val="lt1"/>
+          </a:fontRef>
+        </p:style>
+        <p:txBody>
+          <a:bodyPr rtlCol="0" anchor="ctr"/>
+          <a:lstStyle/>
+          <a:p>
+            <a:pPr algn="ctr"/>
+            <a:r>
+              <a:rPr lang="es-GT">
+                <a:solidFill>
+                  <a:schemeClr val="tx1"/>
+                </a:solidFill>
+                <a:latin typeface="Arial" panose="020B0604020202020204" pitchFamily="34" charset="0"/>
+                <a:cs typeface="Arial" panose="020B0604020202020204" pitchFamily="34" charset="0"/>
+              </a:rPr>
+              <a:t>Transfer</a:t>
+            </a:r>
+          </a:p>
+        </p:txBody>
+      </p:sp>
+      <p:sp>
+        <p:nvSpPr>
+          <p:cNvPr id="14" name="Rectángulo 13">
+            <a:extLst>
+              <a:ext uri="{FF2B5EF4-FFF2-40B4-BE49-F238E27FC236}">
+                <a16:creationId xmlns:a16="http://schemas.microsoft.com/office/drawing/2014/main" id="{500FBC82-A3AC-4646-98D1-51B98E4BEF58}"/>
+              </a:ext>
+            </a:extLst>
+          </p:cNvPr>
+          <p:cNvSpPr/>
+          <p:nvPr/>
+        </p:nvSpPr>
+        <p:spPr>
+          <a:xfrm>
+            <a:off x="1853262" y="6246055"/>
+            <a:ext cx="1471245" cy="481874"/>
+          </a:xfrm>
+          <a:prstGeom prst="rect">
+            <a:avLst/>
+          </a:prstGeom>
+          <a:solidFill>
+            <a:schemeClr val="bg1">
+              <a:lumMod val="85000"/>
+            </a:schemeClr>
+          </a:solidFill>
+          <a:ln>
+            <a:solidFill>
+              <a:schemeClr val="tx1"/>
+            </a:solidFill>
+          </a:ln>
+        </p:spPr>
+        <p:style>
+          <a:lnRef idx="2">
+            <a:schemeClr val="accent1">
+              <a:shade val="50000"/>
+            </a:schemeClr>
+          </a:lnRef>
+          <a:fillRef idx="1">
+            <a:schemeClr val="accent1"/>
+          </a:fillRef>
+          <a:effectRef idx="0">
+            <a:schemeClr val="accent1"/>
+          </a:effectRef>
+          <a:fontRef idx="minor">
+            <a:schemeClr val="lt1"/>
+          </a:fontRef>
+        </p:style>
+        <p:txBody>
+          <a:bodyPr rtlCol="0" anchor="ctr"/>
+          <a:lstStyle/>
+          <a:p>
+            <a:pPr algn="ctr"/>
+            <a:r>
+              <a:rPr lang="es-GT">
+                <a:solidFill>
+                  <a:schemeClr val="tx1"/>
+                </a:solidFill>
+                <a:latin typeface="Arial" panose="020B0604020202020204" pitchFamily="34" charset="0"/>
+                <a:cs typeface="Arial" panose="020B0604020202020204" pitchFamily="34" charset="0"/>
+              </a:rPr>
+              <a:t>DNC </a:t>
+            </a:r>
+            <a:r>
+              <a:rPr lang="es-GT" err="1">
+                <a:solidFill>
+                  <a:schemeClr val="tx1"/>
+                </a:solidFill>
+                <a:latin typeface="Arial" panose="020B0604020202020204" pitchFamily="34" charset="0"/>
+                <a:cs typeface="Arial" panose="020B0604020202020204" pitchFamily="34" charset="0"/>
+              </a:rPr>
+              <a:t>Request</a:t>
+            </a:r>
+            <a:endParaRPr lang="es-GT">
+              <a:solidFill>
+                <a:schemeClr val="tx1"/>
+              </a:solidFill>
+              <a:latin typeface="Arial" panose="020B0604020202020204" pitchFamily="34" charset="0"/>
+              <a:cs typeface="Arial" panose="020B0604020202020204" pitchFamily="34" charset="0"/>
+            </a:endParaRPr>
+          </a:p>
+        </p:txBody>
+      </p:sp>
+      <p:sp>
+        <p:nvSpPr>
+          <p:cNvPr id="18" name="Rectángulo 17">
+            <a:extLst>
+              <a:ext uri="{FF2B5EF4-FFF2-40B4-BE49-F238E27FC236}">
+                <a16:creationId xmlns:a16="http://schemas.microsoft.com/office/drawing/2014/main" id="{B9BFB3A6-0AC2-42EC-8C04-D885D73AF4F5}"/>
+              </a:ext>
+            </a:extLst>
+          </p:cNvPr>
+          <p:cNvSpPr/>
+          <p:nvPr/>
+        </p:nvSpPr>
+        <p:spPr>
+          <a:xfrm>
+            <a:off x="3431347" y="6246055"/>
+            <a:ext cx="1471245" cy="481874"/>
+          </a:xfrm>
+          <a:prstGeom prst="rect">
+            <a:avLst/>
+          </a:prstGeom>
+          <a:solidFill>
+            <a:schemeClr val="bg1">
+              <a:lumMod val="85000"/>
+            </a:schemeClr>
+          </a:solidFill>
+          <a:ln>
+            <a:solidFill>
+              <a:schemeClr val="tx1"/>
+            </a:solidFill>
+          </a:ln>
+        </p:spPr>
+        <p:style>
+          <a:lnRef idx="2">
+            <a:schemeClr val="accent1">
+              <a:shade val="50000"/>
+            </a:schemeClr>
+          </a:lnRef>
+          <a:fillRef idx="1">
+            <a:schemeClr val="accent1"/>
+          </a:fillRef>
+          <a:effectRef idx="0">
+            <a:schemeClr val="accent1"/>
+          </a:effectRef>
+          <a:fontRef idx="minor">
+            <a:schemeClr val="lt1"/>
+          </a:fontRef>
+        </p:style>
+        <p:txBody>
+          <a:bodyPr rtlCol="0" anchor="ctr"/>
+          <a:lstStyle/>
+          <a:p>
+            <a:pPr algn="ctr"/>
+            <a:r>
+              <a:rPr lang="es-GT" err="1">
+                <a:solidFill>
+                  <a:schemeClr val="tx1"/>
+                </a:solidFill>
+                <a:latin typeface="Arial" panose="020B0604020202020204" pitchFamily="34" charset="0"/>
+                <a:cs typeface="Arial" panose="020B0604020202020204" pitchFamily="34" charset="0"/>
+              </a:rPr>
+              <a:t>Call</a:t>
+            </a:r>
+            <a:r>
+              <a:rPr lang="es-GT">
+                <a:solidFill>
+                  <a:schemeClr val="tx1"/>
+                </a:solidFill>
+                <a:latin typeface="Arial" panose="020B0604020202020204" pitchFamily="34" charset="0"/>
+                <a:cs typeface="Arial" panose="020B0604020202020204" pitchFamily="34" charset="0"/>
+              </a:rPr>
+              <a:t> Back</a:t>
+            </a:r>
+          </a:p>
+        </p:txBody>
+      </p:sp>
+      <p:sp>
+        <p:nvSpPr>
+          <p:cNvPr id="22" name="Rectángulo 21">
+            <a:extLst>
+              <a:ext uri="{FF2B5EF4-FFF2-40B4-BE49-F238E27FC236}">
+                <a16:creationId xmlns:a16="http://schemas.microsoft.com/office/drawing/2014/main" id="{DD8F6038-7FEF-4FAD-9C2D-47B8C2BCF7AD}"/>
+              </a:ext>
+            </a:extLst>
+          </p:cNvPr>
+          <p:cNvSpPr/>
+          <p:nvPr/>
+        </p:nvSpPr>
+        <p:spPr>
+          <a:xfrm>
+            <a:off x="10534949" y="6246055"/>
+            <a:ext cx="1471245" cy="481874"/>
+          </a:xfrm>
+          <a:prstGeom prst="rect">
+            <a:avLst/>
+          </a:prstGeom>
+          <a:solidFill>
+            <a:schemeClr val="bg1">
+              <a:lumMod val="85000"/>
+            </a:schemeClr>
+          </a:solidFill>
+          <a:ln>
+            <a:solidFill>
+              <a:schemeClr val="tx1"/>
+            </a:solidFill>
+          </a:ln>
+        </p:spPr>
+        <p:style>
+          <a:lnRef idx="2">
+            <a:schemeClr val="accent1">
+              <a:shade val="50000"/>
+            </a:schemeClr>
+          </a:lnRef>
+          <a:fillRef idx="1">
+            <a:schemeClr val="accent1"/>
+          </a:fillRef>
+          <a:effectRef idx="0">
+            <a:schemeClr val="accent1"/>
+          </a:effectRef>
+          <a:fontRef idx="minor">
+            <a:schemeClr val="lt1"/>
+          </a:fontRef>
+        </p:style>
+        <p:txBody>
+          <a:bodyPr rtlCol="0" anchor="ctr"/>
+          <a:lstStyle/>
+          <a:p>
+            <a:pPr algn="ctr"/>
+            <a:r>
+              <a:rPr lang="es-GT" err="1">
+                <a:solidFill>
+                  <a:schemeClr val="tx1"/>
+                </a:solidFill>
+                <a:latin typeface="Arial" panose="020B0604020202020204" pitchFamily="34" charset="0"/>
+                <a:cs typeface="Arial" panose="020B0604020202020204" pitchFamily="34" charset="0"/>
+              </a:rPr>
+              <a:t>Continue</a:t>
+            </a:r>
+            <a:endParaRPr lang="es-GT">
+              <a:solidFill>
+                <a:schemeClr val="tx1"/>
+              </a:solidFill>
+              <a:latin typeface="Arial" panose="020B0604020202020204" pitchFamily="34" charset="0"/>
+              <a:cs typeface="Arial" panose="020B0604020202020204" pitchFamily="34" charset="0"/>
+            </a:endParaRPr>
+          </a:p>
+        </p:txBody>
+      </p:sp>
+      <p:sp>
+        <p:nvSpPr>
+          <p:cNvPr id="17" name="Rectángulo 5">
+            <a:extLst>
+              <a:ext uri="{FF2B5EF4-FFF2-40B4-BE49-F238E27FC236}">
+                <a16:creationId xmlns:a16="http://schemas.microsoft.com/office/drawing/2014/main" id="{338AA3B0-BC4E-4E78-810D-9F82BEC77106}"/>
+              </a:ext>
+            </a:extLst>
+          </p:cNvPr>
+          <p:cNvSpPr/>
+          <p:nvPr/>
+        </p:nvSpPr>
+        <p:spPr>
+          <a:xfrm>
+            <a:off x="199561" y="5653292"/>
+            <a:ext cx="1471245" cy="481874"/>
+          </a:xfrm>
+          <a:prstGeom prst="rect">
+            <a:avLst/>
+          </a:prstGeom>
+          <a:solidFill>
+            <a:schemeClr val="bg1">
+              <a:lumMod val="85000"/>
+            </a:schemeClr>
+          </a:solidFill>
+          <a:ln>
+            <a:solidFill>
+              <a:schemeClr val="tx1"/>
+            </a:solidFill>
+          </a:ln>
+        </p:spPr>
+        <p:style>
+          <a:lnRef idx="2">
+            <a:schemeClr val="accent1">
+              <a:shade val="50000"/>
+            </a:schemeClr>
+          </a:lnRef>
+          <a:fillRef idx="1">
+            <a:schemeClr val="accent1"/>
+          </a:fillRef>
+          <a:effectRef idx="0">
+            <a:schemeClr val="accent1"/>
+          </a:effectRef>
+          <a:fontRef idx="minor">
+            <a:schemeClr val="lt1"/>
+          </a:fontRef>
+        </p:style>
+        <p:txBody>
+          <a:bodyPr rtlCol="0" anchor="ctr"/>
+          <a:lstStyle/>
+          <a:p>
+            <a:pPr algn="ctr"/>
+            <a:r>
+              <a:rPr lang="es-GT">
+                <a:solidFill>
+                  <a:schemeClr val="tx1"/>
+                </a:solidFill>
+                <a:latin typeface="Arial" panose="020B0604020202020204" pitchFamily="34" charset="0"/>
+                <a:cs typeface="Arial" panose="020B0604020202020204" pitchFamily="34" charset="0"/>
+              </a:rPr>
+              <a:t>Back</a:t>
+            </a:r>
+          </a:p>
+        </p:txBody>
+      </p:sp>
+      <p:sp>
+        <p:nvSpPr>
+          <p:cNvPr id="19" name="Title 1">
+            <a:extLst>
+              <a:ext uri="{FF2B5EF4-FFF2-40B4-BE49-F238E27FC236}">
+                <a16:creationId xmlns:a16="http://schemas.microsoft.com/office/drawing/2014/main" id="{09C60C1B-3202-4D59-A19E-1893F7BD6587}"/>
+              </a:ext>
+            </a:extLst>
+          </p:cNvPr>
+          <p:cNvSpPr>
+            <a:spLocks noGrp="1"/>
+          </p:cNvSpPr>
+          <p:nvPr>
+            <p:ph type="title"/>
+          </p:nvPr>
+        </p:nvSpPr>
+        <p:spPr>
+          <a:xfrm>
+            <a:off x="838200" y="-13116"/>
+            <a:ext cx="10515600" cy="592064"/>
+          </a:xfrm>
+        </p:spPr>
+        <p:txBody>
+          <a:bodyPr>
+            <a:normAutofit/>
+          </a:bodyPr>
+          <a:lstStyle/>
+          <a:p>
+            <a:pPr algn="ctr"/>
+            <a:r>
+              <a:rPr lang="it-IT" sz="3200" b="1"/>
+              <a:t>Info Shared- Ohio Cincinatti </a:t>
+            </a:r>
+          </a:p>
+        </p:txBody>
+      </p:sp>
+      <p:grpSp>
+        <p:nvGrpSpPr>
+          <p:cNvPr id="16" name="Group 15">
+            <a:extLst>
+              <a:ext uri="{FF2B5EF4-FFF2-40B4-BE49-F238E27FC236}">
+                <a16:creationId xmlns:a16="http://schemas.microsoft.com/office/drawing/2014/main" id="{8942722E-B2D4-493F-9F67-1688AFC190FE}"/>
+              </a:ext>
+            </a:extLst>
+          </p:cNvPr>
+          <p:cNvGrpSpPr/>
+          <p:nvPr/>
+        </p:nvGrpSpPr>
+        <p:grpSpPr>
+          <a:xfrm>
+            <a:off x="1230924" y="576775"/>
+            <a:ext cx="10044332" cy="1229931"/>
+            <a:chOff x="1230924" y="576775"/>
+            <a:chExt cx="10044332" cy="1229931"/>
+          </a:xfrm>
+        </p:grpSpPr>
+        <p:grpSp>
+          <p:nvGrpSpPr>
+            <p:cNvPr id="24" name="Grupo 5">
+              <a:extLst>
+                <a:ext uri="{FF2B5EF4-FFF2-40B4-BE49-F238E27FC236}">
+                  <a16:creationId xmlns:a16="http://schemas.microsoft.com/office/drawing/2014/main" id="{75D5C34A-A47C-4522-B3CD-75646E52F763}"/>
+                </a:ext>
+              </a:extLst>
+            </p:cNvPr>
+            <p:cNvGrpSpPr/>
+            <p:nvPr/>
+          </p:nvGrpSpPr>
+          <p:grpSpPr>
+            <a:xfrm>
+              <a:off x="1230924" y="576775"/>
+              <a:ext cx="10044332" cy="1229931"/>
+              <a:chOff x="1230924" y="576775"/>
+              <a:chExt cx="10044332" cy="1229931"/>
+            </a:xfrm>
+          </p:grpSpPr>
+          <p:sp>
+            <p:nvSpPr>
+              <p:cNvPr id="29" name="Rectángulo 1">
+                <a:extLst>
+                  <a:ext uri="{FF2B5EF4-FFF2-40B4-BE49-F238E27FC236}">
+                    <a16:creationId xmlns:a16="http://schemas.microsoft.com/office/drawing/2014/main" id="{86A79808-B6C0-43ED-9240-7838080D892D}"/>
+                  </a:ext>
+                </a:extLst>
+              </p:cNvPr>
+              <p:cNvSpPr/>
+              <p:nvPr/>
+            </p:nvSpPr>
+            <p:spPr>
+              <a:xfrm>
+                <a:off x="1230924" y="576775"/>
+                <a:ext cx="10044332" cy="1181686"/>
+              </a:xfrm>
+              <a:prstGeom prst="rect">
+                <a:avLst/>
+              </a:prstGeom>
+              <a:solidFill>
+                <a:srgbClr val="0C8AAC"/>
+              </a:solidFill>
+            </p:spPr>
+            <p:style>
+              <a:lnRef idx="2">
+                <a:schemeClr val="accent1">
+                  <a:shade val="50000"/>
+                </a:schemeClr>
+              </a:lnRef>
+              <a:fillRef idx="1">
+                <a:schemeClr val="accent1"/>
+              </a:fillRef>
+              <a:effectRef idx="0">
+                <a:schemeClr val="accent1"/>
+              </a:effectRef>
+              <a:fontRef idx="minor">
+                <a:schemeClr val="lt1"/>
+              </a:fontRef>
+            </p:style>
+            <p:txBody>
+              <a:bodyPr rtlCol="0" anchor="ctr"/>
+              <a:lstStyle/>
+              <a:p>
+                <a:pPr algn="ctr"/>
+                <a:endParaRPr lang="es-GT">
+                  <a:ln>
+                    <a:solidFill>
+                      <a:schemeClr val="bg1"/>
+                    </a:solidFill>
+                  </a:ln>
+                </a:endParaRPr>
+              </a:p>
+            </p:txBody>
+          </p:sp>
+          <p:sp>
+            <p:nvSpPr>
+              <p:cNvPr id="30" name="CuadroTexto 3">
+                <a:extLst>
+                  <a:ext uri="{FF2B5EF4-FFF2-40B4-BE49-F238E27FC236}">
+                    <a16:creationId xmlns:a16="http://schemas.microsoft.com/office/drawing/2014/main" id="{F59F1DDF-29AC-43BB-BC2F-053DAE3F596E}"/>
+                  </a:ext>
+                </a:extLst>
+              </p:cNvPr>
+              <p:cNvSpPr txBox="1"/>
+              <p:nvPr/>
+            </p:nvSpPr>
+            <p:spPr>
+              <a:xfrm>
+                <a:off x="1441939" y="597240"/>
+                <a:ext cx="2052375" cy="1200329"/>
+              </a:xfrm>
+              <a:prstGeom prst="rect">
+                <a:avLst/>
+              </a:prstGeom>
+              <a:noFill/>
+            </p:spPr>
+            <p:txBody>
+              <a:bodyPr wrap="square" rtlCol="0">
+                <a:spAutoFit/>
+              </a:bodyPr>
+              <a:lstStyle/>
+              <a:p>
+                <a:r>
+                  <a:rPr lang="es-GT" sz="1200" err="1">
+                    <a:solidFill>
+                      <a:schemeClr val="bg1"/>
+                    </a:solidFill>
+                    <a:latin typeface="Arial" panose="020B0604020202020204" pitchFamily="34" charset="0"/>
+                    <a:cs typeface="Arial" panose="020B0604020202020204" pitchFamily="34" charset="0"/>
+                  </a:rPr>
+                  <a:t>Customer</a:t>
+                </a:r>
+                <a:r>
+                  <a:rPr lang="es-GT" sz="1200">
+                    <a:solidFill>
+                      <a:schemeClr val="bg1"/>
+                    </a:solidFill>
+                    <a:latin typeface="Arial" panose="020B0604020202020204" pitchFamily="34" charset="0"/>
+                    <a:cs typeface="Arial" panose="020B0604020202020204" pitchFamily="34" charset="0"/>
+                  </a:rPr>
+                  <a:t> </a:t>
+                </a:r>
+                <a:r>
+                  <a:rPr lang="es-GT" sz="1200" err="1">
+                    <a:solidFill>
+                      <a:schemeClr val="bg1"/>
+                    </a:solidFill>
+                    <a:latin typeface="Arial" panose="020B0604020202020204" pitchFamily="34" charset="0"/>
+                    <a:cs typeface="Arial" panose="020B0604020202020204" pitchFamily="34" charset="0"/>
+                  </a:rPr>
+                  <a:t>Name</a:t>
+                </a:r>
+                <a:r>
+                  <a:rPr lang="es-GT" sz="1200">
+                    <a:solidFill>
+                      <a:schemeClr val="bg1"/>
+                    </a:solidFill>
+                    <a:latin typeface="Arial" panose="020B0604020202020204" pitchFamily="34" charset="0"/>
+                    <a:cs typeface="Arial" panose="020B0604020202020204" pitchFamily="34" charset="0"/>
+                  </a:rPr>
+                  <a:t>:</a:t>
+                </a:r>
+              </a:p>
+              <a:p>
+                <a:r>
+                  <a:rPr lang="es-GT" sz="1200" err="1">
+                    <a:solidFill>
+                      <a:schemeClr val="bg1"/>
+                    </a:solidFill>
+                    <a:latin typeface="Arial" panose="020B0604020202020204" pitchFamily="34" charset="0"/>
+                    <a:cs typeface="Arial" panose="020B0604020202020204" pitchFamily="34" charset="0"/>
+                  </a:rPr>
+                  <a:t>Issue</a:t>
+                </a:r>
+                <a:r>
+                  <a:rPr lang="es-GT" sz="1200">
+                    <a:solidFill>
+                      <a:schemeClr val="bg1"/>
+                    </a:solidFill>
+                    <a:latin typeface="Arial" panose="020B0604020202020204" pitchFamily="34" charset="0"/>
+                    <a:cs typeface="Arial" panose="020B0604020202020204" pitchFamily="34" charset="0"/>
+                  </a:rPr>
+                  <a:t> </a:t>
+                </a:r>
+                <a:r>
+                  <a:rPr lang="es-GT" sz="1200" err="1">
+                    <a:solidFill>
+                      <a:schemeClr val="bg1"/>
+                    </a:solidFill>
+                    <a:latin typeface="Arial" panose="020B0604020202020204" pitchFamily="34" charset="0"/>
+                    <a:cs typeface="Arial" panose="020B0604020202020204" pitchFamily="34" charset="0"/>
+                  </a:rPr>
+                  <a:t>Number</a:t>
+                </a:r>
+                <a:r>
+                  <a:rPr lang="es-GT" sz="1200">
+                    <a:solidFill>
+                      <a:schemeClr val="bg1"/>
+                    </a:solidFill>
+                    <a:latin typeface="Arial" panose="020B0604020202020204" pitchFamily="34" charset="0"/>
+                    <a:cs typeface="Arial" panose="020B0604020202020204" pitchFamily="34" charset="0"/>
+                  </a:rPr>
+                  <a:t>:</a:t>
+                </a:r>
+              </a:p>
+              <a:p>
+                <a:r>
+                  <a:rPr lang="es-GT" sz="1200" err="1">
+                    <a:solidFill>
+                      <a:schemeClr val="bg1"/>
+                    </a:solidFill>
+                    <a:latin typeface="Arial" panose="020B0604020202020204" pitchFamily="34" charset="0"/>
+                    <a:cs typeface="Arial" panose="020B0604020202020204" pitchFamily="34" charset="0"/>
+                  </a:rPr>
+                  <a:t>Resi</a:t>
+                </a:r>
+                <a:r>
+                  <a:rPr lang="es-GT" sz="1200">
+                    <a:solidFill>
+                      <a:schemeClr val="bg1"/>
+                    </a:solidFill>
+                    <a:latin typeface="Arial" panose="020B0604020202020204" pitchFamily="34" charset="0"/>
+                    <a:cs typeface="Arial" panose="020B0604020202020204" pitchFamily="34" charset="0"/>
+                  </a:rPr>
+                  <a:t> </a:t>
+                </a:r>
+                <a:r>
+                  <a:rPr lang="es-GT" sz="1200" err="1">
+                    <a:solidFill>
+                      <a:schemeClr val="bg1"/>
+                    </a:solidFill>
+                    <a:latin typeface="Arial" panose="020B0604020202020204" pitchFamily="34" charset="0"/>
+                    <a:cs typeface="Arial" panose="020B0604020202020204" pitchFamily="34" charset="0"/>
+                  </a:rPr>
+                  <a:t>or</a:t>
+                </a:r>
+                <a:r>
+                  <a:rPr lang="es-GT" sz="1200">
+                    <a:solidFill>
+                      <a:schemeClr val="bg1"/>
+                    </a:solidFill>
+                    <a:latin typeface="Arial" panose="020B0604020202020204" pitchFamily="34" charset="0"/>
+                    <a:cs typeface="Arial" panose="020B0604020202020204" pitchFamily="34" charset="0"/>
+                  </a:rPr>
+                  <a:t> </a:t>
+                </a:r>
+                <a:r>
+                  <a:rPr lang="es-GT" sz="1200" err="1">
+                    <a:solidFill>
+                      <a:schemeClr val="bg1"/>
+                    </a:solidFill>
+                    <a:latin typeface="Arial" panose="020B0604020202020204" pitchFamily="34" charset="0"/>
+                    <a:cs typeface="Arial" panose="020B0604020202020204" pitchFamily="34" charset="0"/>
+                  </a:rPr>
+                  <a:t>Comm</a:t>
+                </a:r>
+                <a:r>
+                  <a:rPr lang="es-GT" sz="1200">
+                    <a:solidFill>
+                      <a:schemeClr val="bg1"/>
+                    </a:solidFill>
+                    <a:latin typeface="Arial" panose="020B0604020202020204" pitchFamily="34" charset="0"/>
+                    <a:cs typeface="Arial" panose="020B0604020202020204" pitchFamily="34" charset="0"/>
+                  </a:rPr>
+                  <a:t>:</a:t>
+                </a:r>
+              </a:p>
+              <a:p>
+                <a:r>
+                  <a:rPr lang="es-GT" sz="1200" err="1">
+                    <a:solidFill>
+                      <a:schemeClr val="bg1"/>
+                    </a:solidFill>
+                    <a:latin typeface="Arial" panose="020B0604020202020204" pitchFamily="34" charset="0"/>
+                    <a:cs typeface="Arial" panose="020B0604020202020204" pitchFamily="34" charset="0"/>
+                  </a:rPr>
+                  <a:t>State</a:t>
+                </a:r>
+                <a:r>
+                  <a:rPr lang="es-GT" sz="1200">
+                    <a:solidFill>
+                      <a:schemeClr val="bg1"/>
+                    </a:solidFill>
+                    <a:latin typeface="Arial" panose="020B0604020202020204" pitchFamily="34" charset="0"/>
+                    <a:cs typeface="Arial" panose="020B0604020202020204" pitchFamily="34" charset="0"/>
+                  </a:rPr>
+                  <a:t>:</a:t>
+                </a:r>
+              </a:p>
+              <a:p>
+                <a:r>
+                  <a:rPr lang="es-GT" sz="1200" err="1">
+                    <a:solidFill>
+                      <a:schemeClr val="bg1"/>
+                    </a:solidFill>
+                    <a:latin typeface="Arial" panose="020B0604020202020204" pitchFamily="34" charset="0"/>
+                    <a:cs typeface="Arial" panose="020B0604020202020204" pitchFamily="34" charset="0"/>
+                  </a:rPr>
+                  <a:t>Utility</a:t>
+                </a:r>
+                <a:r>
+                  <a:rPr lang="es-GT" sz="1200">
+                    <a:solidFill>
+                      <a:schemeClr val="bg1"/>
+                    </a:solidFill>
+                    <a:latin typeface="Arial" panose="020B0604020202020204" pitchFamily="34" charset="0"/>
+                    <a:cs typeface="Arial" panose="020B0604020202020204" pitchFamily="34" charset="0"/>
+                  </a:rPr>
+                  <a:t>:</a:t>
+                </a:r>
+              </a:p>
+              <a:p>
+                <a:r>
+                  <a:rPr lang="es-GT" sz="1200">
+                    <a:solidFill>
+                      <a:schemeClr val="bg1"/>
+                    </a:solidFill>
+                    <a:latin typeface="Arial" panose="020B0604020202020204" pitchFamily="34" charset="0"/>
+                    <a:cs typeface="Arial" panose="020B0604020202020204" pitchFamily="34" charset="0"/>
+                  </a:rPr>
+                  <a:t>Brand:</a:t>
+                </a:r>
+              </a:p>
+            </p:txBody>
+          </p:sp>
+          <p:sp>
+            <p:nvSpPr>
+              <p:cNvPr id="31" name="CuadroTexto 4">
+                <a:extLst>
+                  <a:ext uri="{FF2B5EF4-FFF2-40B4-BE49-F238E27FC236}">
+                    <a16:creationId xmlns:a16="http://schemas.microsoft.com/office/drawing/2014/main" id="{3162CE19-9239-4428-8147-5C04981D89CE}"/>
+                  </a:ext>
+                </a:extLst>
+              </p:cNvPr>
+              <p:cNvSpPr txBox="1"/>
+              <p:nvPr/>
+            </p:nvSpPr>
+            <p:spPr>
+              <a:xfrm>
+                <a:off x="5260399" y="606377"/>
+                <a:ext cx="4302280" cy="1200329"/>
+              </a:xfrm>
+              <a:prstGeom prst="rect">
+                <a:avLst/>
+              </a:prstGeom>
+              <a:noFill/>
+            </p:spPr>
+            <p:txBody>
+              <a:bodyPr wrap="square" rtlCol="0">
+                <a:spAutoFit/>
+              </a:bodyPr>
+              <a:lstStyle/>
+              <a:p>
+                <a:r>
+                  <a:rPr lang="es-GT" sz="1200" err="1">
+                    <a:solidFill>
+                      <a:schemeClr val="bg1"/>
+                    </a:solidFill>
+                    <a:latin typeface="Arial" panose="020B0604020202020204" pitchFamily="34" charset="0"/>
+                    <a:cs typeface="Arial" panose="020B0604020202020204" pitchFamily="34" charset="0"/>
+                  </a:rPr>
+                  <a:t>Drop</a:t>
+                </a:r>
+                <a:r>
+                  <a:rPr lang="es-GT" sz="1200">
+                    <a:solidFill>
+                      <a:schemeClr val="bg1"/>
+                    </a:solidFill>
+                    <a:latin typeface="Arial" panose="020B0604020202020204" pitchFamily="34" charset="0"/>
+                    <a:cs typeface="Arial" panose="020B0604020202020204" pitchFamily="34" charset="0"/>
+                  </a:rPr>
+                  <a:t> Reason:	</a:t>
+                </a:r>
+                <a:r>
+                  <a:rPr lang="es-GT" sz="1200" err="1">
+                    <a:solidFill>
+                      <a:schemeClr val="bg1"/>
+                    </a:solidFill>
+                    <a:latin typeface="Arial" panose="020B0604020202020204" pitchFamily="34" charset="0"/>
+                    <a:cs typeface="Arial" panose="020B0604020202020204" pitchFamily="34" charset="0"/>
+                  </a:rPr>
+                  <a:t>Monthly</a:t>
+                </a:r>
+                <a:r>
+                  <a:rPr lang="es-GT" sz="1200">
+                    <a:solidFill>
+                      <a:schemeClr val="bg1"/>
+                    </a:solidFill>
+                    <a:latin typeface="Arial" panose="020B0604020202020204" pitchFamily="34" charset="0"/>
+                    <a:cs typeface="Arial" panose="020B0604020202020204" pitchFamily="34" charset="0"/>
+                  </a:rPr>
+                  <a:t> </a:t>
+                </a:r>
+                <a:r>
+                  <a:rPr lang="es-GT" sz="1200" err="1">
+                    <a:solidFill>
+                      <a:schemeClr val="bg1"/>
+                    </a:solidFill>
+                    <a:latin typeface="Arial" panose="020B0604020202020204" pitchFamily="34" charset="0"/>
+                    <a:cs typeface="Arial" panose="020B0604020202020204" pitchFamily="34" charset="0"/>
+                  </a:rPr>
+                  <a:t>Reward</a:t>
+                </a:r>
+                <a:r>
+                  <a:rPr lang="es-GT" sz="1200">
+                    <a:solidFill>
+                      <a:schemeClr val="bg1"/>
+                    </a:solidFill>
+                    <a:latin typeface="Arial" panose="020B0604020202020204" pitchFamily="34" charset="0"/>
+                    <a:cs typeface="Arial" panose="020B0604020202020204" pitchFamily="34" charset="0"/>
+                  </a:rPr>
+                  <a:t> </a:t>
+                </a:r>
+                <a:r>
+                  <a:rPr lang="es-GT" sz="1200" err="1">
+                    <a:solidFill>
+                      <a:schemeClr val="bg1"/>
+                    </a:solidFill>
+                    <a:latin typeface="Arial" panose="020B0604020202020204" pitchFamily="34" charset="0"/>
+                    <a:cs typeface="Arial" panose="020B0604020202020204" pitchFamily="34" charset="0"/>
+                  </a:rPr>
+                  <a:t>Value</a:t>
+                </a:r>
+                <a:r>
+                  <a:rPr lang="es-GT" sz="1200">
+                    <a:solidFill>
+                      <a:schemeClr val="bg1"/>
+                    </a:solidFill>
+                    <a:latin typeface="Arial" panose="020B0604020202020204" pitchFamily="34" charset="0"/>
+                    <a:cs typeface="Arial" panose="020B0604020202020204" pitchFamily="34" charset="0"/>
+                  </a:rPr>
+                  <a:t>: </a:t>
+                </a:r>
+              </a:p>
+              <a:p>
+                <a:r>
+                  <a:rPr lang="es-GT" sz="1200" err="1">
+                    <a:solidFill>
+                      <a:schemeClr val="bg1"/>
+                    </a:solidFill>
+                    <a:latin typeface="Arial" panose="020B0604020202020204" pitchFamily="34" charset="0"/>
+                    <a:cs typeface="Arial" panose="020B0604020202020204" pitchFamily="34" charset="0"/>
+                  </a:rPr>
+                  <a:t>Utility</a:t>
+                </a:r>
+                <a:r>
+                  <a:rPr lang="es-GT" sz="1200">
+                    <a:solidFill>
+                      <a:schemeClr val="bg1"/>
+                    </a:solidFill>
+                    <a:latin typeface="Arial" panose="020B0604020202020204" pitchFamily="34" charset="0"/>
+                    <a:cs typeface="Arial" panose="020B0604020202020204" pitchFamily="34" charset="0"/>
+                  </a:rPr>
+                  <a:t> </a:t>
+                </a:r>
+                <a:r>
+                  <a:rPr lang="es-GT" sz="1200" err="1">
+                    <a:solidFill>
+                      <a:schemeClr val="bg1"/>
+                    </a:solidFill>
+                    <a:latin typeface="Arial" panose="020B0604020202020204" pitchFamily="34" charset="0"/>
+                    <a:cs typeface="Arial" panose="020B0604020202020204" pitchFamily="34" charset="0"/>
+                  </a:rPr>
+                  <a:t>Acct</a:t>
+                </a:r>
+                <a:r>
+                  <a:rPr lang="es-GT" sz="1200">
+                    <a:solidFill>
+                      <a:schemeClr val="bg1"/>
+                    </a:solidFill>
+                    <a:latin typeface="Arial" panose="020B0604020202020204" pitchFamily="34" charset="0"/>
+                    <a:cs typeface="Arial" panose="020B0604020202020204" pitchFamily="34" charset="0"/>
+                  </a:rPr>
+                  <a:t> No.:	Total </a:t>
+                </a:r>
+                <a:r>
+                  <a:rPr lang="es-GT" sz="1200" err="1">
+                    <a:solidFill>
+                      <a:schemeClr val="bg1"/>
+                    </a:solidFill>
+                    <a:latin typeface="Arial" panose="020B0604020202020204" pitchFamily="34" charset="0"/>
+                    <a:cs typeface="Arial" panose="020B0604020202020204" pitchFamily="34" charset="0"/>
+                  </a:rPr>
+                  <a:t>Reward</a:t>
+                </a:r>
+                <a:r>
+                  <a:rPr lang="es-GT" sz="1200">
+                    <a:solidFill>
+                      <a:schemeClr val="bg1"/>
+                    </a:solidFill>
+                    <a:latin typeface="Arial" panose="020B0604020202020204" pitchFamily="34" charset="0"/>
+                    <a:cs typeface="Arial" panose="020B0604020202020204" pitchFamily="34" charset="0"/>
+                  </a:rPr>
+                  <a:t> </a:t>
+                </a:r>
+                <a:r>
+                  <a:rPr lang="es-GT" sz="1200" err="1">
+                    <a:solidFill>
+                      <a:schemeClr val="bg1"/>
+                    </a:solidFill>
+                    <a:latin typeface="Arial" panose="020B0604020202020204" pitchFamily="34" charset="0"/>
+                    <a:cs typeface="Arial" panose="020B0604020202020204" pitchFamily="34" charset="0"/>
+                  </a:rPr>
+                  <a:t>Value</a:t>
+                </a:r>
+                <a:r>
+                  <a:rPr lang="es-GT" sz="1200">
+                    <a:solidFill>
+                      <a:schemeClr val="bg1"/>
+                    </a:solidFill>
+                    <a:latin typeface="Arial" panose="020B0604020202020204" pitchFamily="34" charset="0"/>
+                    <a:cs typeface="Arial" panose="020B0604020202020204" pitchFamily="34" charset="0"/>
+                  </a:rPr>
+                  <a:t> </a:t>
+                </a:r>
+                <a:r>
+                  <a:rPr lang="es-GT" sz="1200" err="1">
+                    <a:solidFill>
+                      <a:schemeClr val="bg1"/>
+                    </a:solidFill>
+                    <a:latin typeface="Arial" panose="020B0604020202020204" pitchFamily="34" charset="0"/>
+                    <a:cs typeface="Arial" panose="020B0604020202020204" pitchFamily="34" charset="0"/>
+                  </a:rPr>
+                  <a:t>Earned</a:t>
+                </a:r>
+                <a:r>
+                  <a:rPr lang="es-GT" sz="1200">
+                    <a:solidFill>
+                      <a:schemeClr val="bg1"/>
+                    </a:solidFill>
+                    <a:latin typeface="Arial" panose="020B0604020202020204" pitchFamily="34" charset="0"/>
+                    <a:cs typeface="Arial" panose="020B0604020202020204" pitchFamily="34" charset="0"/>
+                  </a:rPr>
+                  <a:t>: </a:t>
+                </a:r>
+              </a:p>
+              <a:p>
+                <a:r>
+                  <a:rPr lang="es-GT" sz="1200" err="1">
+                    <a:solidFill>
+                      <a:schemeClr val="bg1"/>
+                    </a:solidFill>
+                    <a:latin typeface="Arial" panose="020B0604020202020204" pitchFamily="34" charset="0"/>
+                    <a:cs typeface="Arial" panose="020B0604020202020204" pitchFamily="34" charset="0"/>
+                  </a:rPr>
+                  <a:t>Drop</a:t>
+                </a:r>
+                <a:r>
+                  <a:rPr lang="es-GT" sz="1200">
+                    <a:solidFill>
+                      <a:schemeClr val="bg1"/>
+                    </a:solidFill>
+                    <a:latin typeface="Arial" panose="020B0604020202020204" pitchFamily="34" charset="0"/>
+                    <a:cs typeface="Arial" panose="020B0604020202020204" pitchFamily="34" charset="0"/>
+                  </a:rPr>
+                  <a:t> Date:		</a:t>
+                </a:r>
+              </a:p>
+              <a:p>
+                <a:r>
+                  <a:rPr lang="es-GT" sz="1200" err="1">
+                    <a:solidFill>
+                      <a:schemeClr val="bg1"/>
+                    </a:solidFill>
+                    <a:latin typeface="Arial" panose="020B0604020202020204" pitchFamily="34" charset="0"/>
+                    <a:cs typeface="Arial" panose="020B0604020202020204" pitchFamily="34" charset="0"/>
+                  </a:rPr>
+                  <a:t>Campaign</a:t>
+                </a:r>
+                <a:r>
+                  <a:rPr lang="es-GT" sz="1200">
+                    <a:solidFill>
+                      <a:schemeClr val="bg1"/>
+                    </a:solidFill>
+                    <a:latin typeface="Arial" panose="020B0604020202020204" pitchFamily="34" charset="0"/>
+                    <a:cs typeface="Arial" panose="020B0604020202020204" pitchFamily="34" charset="0"/>
+                  </a:rPr>
+                  <a:t>:</a:t>
+                </a:r>
+              </a:p>
+              <a:p>
+                <a:r>
+                  <a:rPr lang="es-GT" sz="1200" err="1">
+                    <a:solidFill>
+                      <a:schemeClr val="bg1"/>
+                    </a:solidFill>
+                    <a:latin typeface="Arial" panose="020B0604020202020204" pitchFamily="34" charset="0"/>
+                    <a:cs typeface="Arial" panose="020B0604020202020204" pitchFamily="34" charset="0"/>
+                  </a:rPr>
+                  <a:t>Row</a:t>
+                </a:r>
+                <a:r>
+                  <a:rPr lang="es-GT" sz="1200">
+                    <a:solidFill>
+                      <a:schemeClr val="bg1"/>
+                    </a:solidFill>
+                    <a:latin typeface="Arial" panose="020B0604020202020204" pitchFamily="34" charset="0"/>
+                    <a:cs typeface="Arial" panose="020B0604020202020204" pitchFamily="34" charset="0"/>
+                  </a:rPr>
+                  <a:t> ID:</a:t>
+                </a:r>
+              </a:p>
+              <a:p>
+                <a:r>
+                  <a:rPr lang="es-GT" sz="1200" err="1">
+                    <a:solidFill>
+                      <a:schemeClr val="bg1"/>
+                    </a:solidFill>
+                    <a:latin typeface="Arial" panose="020B0604020202020204" pitchFamily="34" charset="0"/>
+                    <a:cs typeface="Arial" panose="020B0604020202020204" pitchFamily="34" charset="0"/>
+                  </a:rPr>
+                  <a:t>Commodity</a:t>
+                </a:r>
+                <a:r>
+                  <a:rPr lang="es-GT" sz="1200">
+                    <a:solidFill>
+                      <a:schemeClr val="bg1"/>
+                    </a:solidFill>
+                    <a:latin typeface="Arial" panose="020B0604020202020204" pitchFamily="34" charset="0"/>
+                    <a:cs typeface="Arial" panose="020B0604020202020204" pitchFamily="34" charset="0"/>
+                  </a:rPr>
+                  <a:t>:</a:t>
+                </a:r>
+              </a:p>
+            </p:txBody>
+          </p:sp>
+          <p:sp>
+            <p:nvSpPr>
+              <p:cNvPr id="32" name="CuadroTexto 12">
+                <a:extLst>
+                  <a:ext uri="{FF2B5EF4-FFF2-40B4-BE49-F238E27FC236}">
+                    <a16:creationId xmlns:a16="http://schemas.microsoft.com/office/drawing/2014/main" id="{9E237C78-8125-4E78-9E7A-3DFDE290455D}"/>
+                  </a:ext>
+                </a:extLst>
+              </p:cNvPr>
+              <p:cNvSpPr txBox="1"/>
+              <p:nvPr/>
+            </p:nvSpPr>
+            <p:spPr>
+              <a:xfrm>
+                <a:off x="9808343" y="1423846"/>
+                <a:ext cx="1359877" cy="369332"/>
+              </a:xfrm>
+              <a:prstGeom prst="rect">
+                <a:avLst/>
+              </a:prstGeom>
+              <a:noFill/>
+            </p:spPr>
+            <p:txBody>
+              <a:bodyPr wrap="square" rtlCol="0">
+                <a:spAutoFit/>
+              </a:bodyPr>
+              <a:lstStyle/>
+              <a:p>
+                <a:pPr algn="ctr"/>
+                <a:r>
+                  <a:rPr lang="es-GT" i="1">
+                    <a:solidFill>
+                      <a:schemeClr val="bg1"/>
+                    </a:solidFill>
+                    <a:latin typeface="Arial" panose="020B0604020202020204" pitchFamily="34" charset="0"/>
+                    <a:cs typeface="Arial" panose="020B0604020202020204" pitchFamily="34" charset="0"/>
+                  </a:rPr>
+                  <a:t>Lead </a:t>
+                </a:r>
+                <a:r>
+                  <a:rPr lang="es-GT" i="1" err="1">
+                    <a:solidFill>
+                      <a:schemeClr val="bg1"/>
+                    </a:solidFill>
+                    <a:latin typeface="Arial" panose="020B0604020202020204" pitchFamily="34" charset="0"/>
+                    <a:cs typeface="Arial" panose="020B0604020202020204" pitchFamily="34" charset="0"/>
+                  </a:rPr>
+                  <a:t>Type</a:t>
+                </a:r>
+                <a:endParaRPr lang="es-GT" i="1">
+                  <a:solidFill>
+                    <a:schemeClr val="bg1"/>
+                  </a:solidFill>
+                  <a:latin typeface="Arial" panose="020B0604020202020204" pitchFamily="34" charset="0"/>
+                  <a:cs typeface="Arial" panose="020B0604020202020204" pitchFamily="34" charset="0"/>
+                </a:endParaRPr>
+              </a:p>
+            </p:txBody>
+          </p:sp>
+        </p:grpSp>
+        <p:pic>
+          <p:nvPicPr>
+            <p:cNvPr id="28" name="Picture 27" descr="A picture containing clipart&#10;&#10;Description automatically generated">
+              <a:extLst>
+                <a:ext uri="{FF2B5EF4-FFF2-40B4-BE49-F238E27FC236}">
+                  <a16:creationId xmlns:a16="http://schemas.microsoft.com/office/drawing/2014/main" id="{F2B7E3DA-9638-4F2A-905E-B78D75A773ED}"/>
+                </a:ext>
+              </a:extLst>
+            </p:cNvPr>
+            <p:cNvPicPr>
+              <a:picLocks noChangeAspect="1"/>
+            </p:cNvPicPr>
+            <p:nvPr/>
+          </p:nvPicPr>
+          <p:blipFill>
+            <a:blip r:embed="rId3">
+              <a:extLst>
+                <a:ext uri="{28A0092B-C50C-407E-A947-70E740481C1C}">
+                  <a14:useLocalDpi xmlns:a14="http://schemas.microsoft.com/office/drawing/2010/main" val="0"/>
+                </a:ext>
+              </a:extLst>
+            </a:blip>
+            <a:stretch>
+              <a:fillRect/>
+            </a:stretch>
+          </p:blipFill>
+          <p:spPr>
+            <a:xfrm>
+              <a:off x="9562679" y="581121"/>
+              <a:ext cx="1712577" cy="897064"/>
+            </a:xfrm>
+            <a:prstGeom prst="rect">
+              <a:avLst/>
+            </a:prstGeom>
+          </p:spPr>
+        </p:pic>
+      </p:grpSp>
+    </p:spTree>
+    <p:extLst>
+      <p:ext uri="{BB962C8B-B14F-4D97-AF65-F5344CB8AC3E}">
+        <p14:creationId xmlns:p14="http://schemas.microsoft.com/office/powerpoint/2010/main" val="2669834656"/>
       </p:ext>
     </p:extLst>
   </p:cSld>
@@ -28647,6 +25465,12 @@
 </file>
 
 <file path=customXml/item1.xml><?xml version="1.0" encoding="utf-8"?>
+<p:properties xmlns:p="http://schemas.microsoft.com/office/2006/metadata/properties" xmlns:xsi="http://www.w3.org/2001/XMLSchema-instance" xmlns:pc="http://schemas.microsoft.com/office/infopath/2007/PartnerControls">
+  <documentManagement/>
+</p:properties>
+</file>
+
+<file path=customXml/item2.xml><?xml version="1.0" encoding="utf-8"?>
 <ct:contentTypeSchema xmlns:ct="http://schemas.microsoft.com/office/2006/metadata/contentType" xmlns:ma="http://schemas.microsoft.com/office/2006/metadata/properties/metaAttributes" ct:_="" ma:_="" ma:contentTypeName="Document" ma:contentTypeID="0x0101002BE273A80E331144852F1250E10D8BEB" ma:contentTypeVersion="12" ma:contentTypeDescription="Create a new document." ma:contentTypeScope="" ma:versionID="5c7acb0cfde348726f26b0734e166c14">
   <xsd:schema xmlns:xsd="http://www.w3.org/2001/XMLSchema" xmlns:xs="http://www.w3.org/2001/XMLSchema" xmlns:p="http://schemas.microsoft.com/office/2006/metadata/properties" xmlns:ns3="65563fb4-fc46-4e5b-b41b-7ea2208cf09c" xmlns:ns4="674443f0-7bc6-4706-8ea9-700cb133728b" targetNamespace="http://schemas.microsoft.com/office/2006/metadata/properties" ma:root="true" ma:fieldsID="9af9084b3490d0815d26178be68e4525" ns3:_="" ns4:_="">
     <xsd:import namespace="65563fb4-fc46-4e5b-b41b-7ea2208cf09c"/>
@@ -28863,12 +25687,6 @@
 </ct:contentTypeSchema>
 </file>
 
-<file path=customXml/item2.xml><?xml version="1.0" encoding="utf-8"?>
-<p:properties xmlns:p="http://schemas.microsoft.com/office/2006/metadata/properties" xmlns:xsi="http://www.w3.org/2001/XMLSchema-instance" xmlns:pc="http://schemas.microsoft.com/office/infopath/2007/PartnerControls">
-  <documentManagement/>
-</p:properties>
-</file>
-
 <file path=customXml/item3.xml><?xml version="1.0" encoding="utf-8"?>
 <?mso-contentType ?>
 <FormTemplates xmlns="http://schemas.microsoft.com/sharepoint/v3/contenttype/forms">
@@ -28879,6 +25697,15 @@
 </file>
 
 <file path=customXml/itemProps1.xml><?xml version="1.0" encoding="utf-8"?>
+<ds:datastoreItem xmlns:ds="http://schemas.openxmlformats.org/officeDocument/2006/customXml" ds:itemID="{EBC358DE-9215-4295-A7CF-B85EAF1F81E7}">
+  <ds:schemaRefs>
+    <ds:schemaRef ds:uri="http://schemas.microsoft.com/office/2006/metadata/properties"/>
+    <ds:schemaRef ds:uri="http://schemas.microsoft.com/office/infopath/2007/PartnerControls"/>
+  </ds:schemaRefs>
+</ds:datastoreItem>
+</file>
+
+<file path=customXml/itemProps2.xml><?xml version="1.0" encoding="utf-8"?>
 <ds:datastoreItem xmlns:ds="http://schemas.openxmlformats.org/officeDocument/2006/customXml" ds:itemID="{885C1BC0-9C54-41E3-8045-9585950A9B0F}">
   <ds:schemaRefs>
     <ds:schemaRef ds:uri="http://schemas.microsoft.com/office/2006/metadata/contentType"/>
@@ -28897,15 +25724,6 @@
 </ds:datastoreItem>
 </file>
 
-<file path=customXml/itemProps2.xml><?xml version="1.0" encoding="utf-8"?>
-<ds:datastoreItem xmlns:ds="http://schemas.openxmlformats.org/officeDocument/2006/customXml" ds:itemID="{EBC358DE-9215-4295-A7CF-B85EAF1F81E7}">
-  <ds:schemaRefs>
-    <ds:schemaRef ds:uri="http://schemas.microsoft.com/office/2006/metadata/properties"/>
-    <ds:schemaRef ds:uri="http://schemas.microsoft.com/office/infopath/2007/PartnerControls"/>
-  </ds:schemaRefs>
-</ds:datastoreItem>
-</file>
-
 <file path=customXml/itemProps3.xml><?xml version="1.0" encoding="utf-8"?>
 <ds:datastoreItem xmlns:ds="http://schemas.openxmlformats.org/officeDocument/2006/customXml" ds:itemID="{6F22B1A5-68CC-4107-BC08-B7FAB881CA0B}">
   <ds:schemaRefs>
